--- a/ManualUsuario.pptx
+++ b/ManualUsuario.pptx
@@ -12,11 +12,17 @@
     <p:sldId id="260" r:id="rId6"/>
     <p:sldId id="265" r:id="rId7"/>
     <p:sldId id="267" r:id="rId8"/>
-    <p:sldId id="261" r:id="rId9"/>
-    <p:sldId id="262" r:id="rId10"/>
-    <p:sldId id="263" r:id="rId11"/>
-    <p:sldId id="264" r:id="rId12"/>
-    <p:sldId id="266" r:id="rId13"/>
+    <p:sldId id="268" r:id="rId9"/>
+    <p:sldId id="261" r:id="rId10"/>
+    <p:sldId id="262" r:id="rId11"/>
+    <p:sldId id="263" r:id="rId12"/>
+    <p:sldId id="264" r:id="rId13"/>
+    <p:sldId id="266" r:id="rId14"/>
+    <p:sldId id="269" r:id="rId15"/>
+    <p:sldId id="270" r:id="rId16"/>
+    <p:sldId id="271" r:id="rId17"/>
+    <p:sldId id="272" r:id="rId18"/>
+    <p:sldId id="273" r:id="rId19"/>
   </p:sldIdLst>
   <p:sldSz cx="12192000" cy="6858000"/>
   <p:notesSz cx="6858000" cy="9144000"/>
@@ -272,7 +278,7 @@
           <a:p>
             <a:fld id="{39E7580C-3BDD-4C58-BA52-5F50CD20D3B5}" type="datetimeFigureOut">
               <a:rPr lang="es-HN" smtClean="0"/>
-              <a:t>28/3/2025</a:t>
+              <a:t>29/3/2025</a:t>
             </a:fld>
             <a:endParaRPr lang="es-HN"/>
           </a:p>
@@ -472,7 +478,7 @@
           <a:p>
             <a:fld id="{39E7580C-3BDD-4C58-BA52-5F50CD20D3B5}" type="datetimeFigureOut">
               <a:rPr lang="es-HN" smtClean="0"/>
-              <a:t>28/3/2025</a:t>
+              <a:t>29/3/2025</a:t>
             </a:fld>
             <a:endParaRPr lang="es-HN"/>
           </a:p>
@@ -682,7 +688,7 @@
           <a:p>
             <a:fld id="{39E7580C-3BDD-4C58-BA52-5F50CD20D3B5}" type="datetimeFigureOut">
               <a:rPr lang="es-HN" smtClean="0"/>
-              <a:t>28/3/2025</a:t>
+              <a:t>29/3/2025</a:t>
             </a:fld>
             <a:endParaRPr lang="es-HN"/>
           </a:p>
@@ -882,7 +888,7 @@
           <a:p>
             <a:fld id="{39E7580C-3BDD-4C58-BA52-5F50CD20D3B5}" type="datetimeFigureOut">
               <a:rPr lang="es-HN" smtClean="0"/>
-              <a:t>28/3/2025</a:t>
+              <a:t>29/3/2025</a:t>
             </a:fld>
             <a:endParaRPr lang="es-HN"/>
           </a:p>
@@ -1158,7 +1164,7 @@
           <a:p>
             <a:fld id="{39E7580C-3BDD-4C58-BA52-5F50CD20D3B5}" type="datetimeFigureOut">
               <a:rPr lang="es-HN" smtClean="0"/>
-              <a:t>28/3/2025</a:t>
+              <a:t>29/3/2025</a:t>
             </a:fld>
             <a:endParaRPr lang="es-HN"/>
           </a:p>
@@ -1426,7 +1432,7 @@
           <a:p>
             <a:fld id="{39E7580C-3BDD-4C58-BA52-5F50CD20D3B5}" type="datetimeFigureOut">
               <a:rPr lang="es-HN" smtClean="0"/>
-              <a:t>28/3/2025</a:t>
+              <a:t>29/3/2025</a:t>
             </a:fld>
             <a:endParaRPr lang="es-HN"/>
           </a:p>
@@ -1841,7 +1847,7 @@
           <a:p>
             <a:fld id="{39E7580C-3BDD-4C58-BA52-5F50CD20D3B5}" type="datetimeFigureOut">
               <a:rPr lang="es-HN" smtClean="0"/>
-              <a:t>28/3/2025</a:t>
+              <a:t>29/3/2025</a:t>
             </a:fld>
             <a:endParaRPr lang="es-HN"/>
           </a:p>
@@ -1983,7 +1989,7 @@
           <a:p>
             <a:fld id="{39E7580C-3BDD-4C58-BA52-5F50CD20D3B5}" type="datetimeFigureOut">
               <a:rPr lang="es-HN" smtClean="0"/>
-              <a:t>28/3/2025</a:t>
+              <a:t>29/3/2025</a:t>
             </a:fld>
             <a:endParaRPr lang="es-HN"/>
           </a:p>
@@ -2096,7 +2102,7 @@
           <a:p>
             <a:fld id="{39E7580C-3BDD-4C58-BA52-5F50CD20D3B5}" type="datetimeFigureOut">
               <a:rPr lang="es-HN" smtClean="0"/>
-              <a:t>28/3/2025</a:t>
+              <a:t>29/3/2025</a:t>
             </a:fld>
             <a:endParaRPr lang="es-HN"/>
           </a:p>
@@ -2409,7 +2415,7 @@
           <a:p>
             <a:fld id="{39E7580C-3BDD-4C58-BA52-5F50CD20D3B5}" type="datetimeFigureOut">
               <a:rPr lang="es-HN" smtClean="0"/>
-              <a:t>28/3/2025</a:t>
+              <a:t>29/3/2025</a:t>
             </a:fld>
             <a:endParaRPr lang="es-HN"/>
           </a:p>
@@ -2698,7 +2704,7 @@
           <a:p>
             <a:fld id="{39E7580C-3BDD-4C58-BA52-5F50CD20D3B5}" type="datetimeFigureOut">
               <a:rPr lang="es-HN" smtClean="0"/>
-              <a:t>28/3/2025</a:t>
+              <a:t>29/3/2025</a:t>
             </a:fld>
             <a:endParaRPr lang="es-HN"/>
           </a:p>
@@ -2941,7 +2947,7 @@
           <a:p>
             <a:fld id="{39E7580C-3BDD-4C58-BA52-5F50CD20D3B5}" type="datetimeFigureOut">
               <a:rPr lang="es-HN" smtClean="0"/>
-              <a:t>28/3/2025</a:t>
+              <a:t>29/3/2025</a:t>
             </a:fld>
             <a:endParaRPr lang="es-HN"/>
           </a:p>
@@ -4073,6 +4079,590 @@
         <p:cNvPr id="1" name="">
           <a:extLst>
             <a:ext uri="{FF2B5EF4-FFF2-40B4-BE49-F238E27FC236}">
+              <a16:creationId xmlns:a16="http://schemas.microsoft.com/office/drawing/2014/main" id="{8AE62882-6196-DAE0-6C57-EB0FB68AEE1D}"/>
+            </a:ext>
+          </a:extLst>
+        </p:cNvPr>
+        <p:cNvGrpSpPr/>
+        <p:nvPr/>
+      </p:nvGrpSpPr>
+      <p:grpSpPr>
+        <a:xfrm>
+          <a:off x="0" y="0"/>
+          <a:ext cx="0" cy="0"/>
+          <a:chOff x="0" y="0"/>
+          <a:chExt cx="0" cy="0"/>
+        </a:xfrm>
+      </p:grpSpPr>
+      <p:pic>
+        <p:nvPicPr>
+          <p:cNvPr id="4" name="Imagen 3">
+            <a:extLst>
+              <a:ext uri="{FF2B5EF4-FFF2-40B4-BE49-F238E27FC236}">
+                <a16:creationId xmlns:a16="http://schemas.microsoft.com/office/drawing/2014/main" id="{47199890-0C9C-27A0-CD26-C8C1B436D2F1}"/>
+              </a:ext>
+            </a:extLst>
+          </p:cNvPr>
+          <p:cNvPicPr>
+            <a:picLocks noChangeAspect="1"/>
+          </p:cNvPicPr>
+          <p:nvPr/>
+        </p:nvPicPr>
+        <p:blipFill>
+          <a:blip r:embed="rId2"/>
+          <a:stretch>
+            <a:fillRect/>
+          </a:stretch>
+        </p:blipFill>
+        <p:spPr>
+          <a:xfrm>
+            <a:off x="4765202" y="1202184"/>
+            <a:ext cx="6030461" cy="4041025"/>
+          </a:xfrm>
+          <a:prstGeom prst="rect">
+            <a:avLst/>
+          </a:prstGeom>
+        </p:spPr>
+      </p:pic>
+      <p:sp>
+        <p:nvSpPr>
+          <p:cNvPr id="7" name="Flecha: pentágono 6">
+            <a:extLst>
+              <a:ext uri="{FF2B5EF4-FFF2-40B4-BE49-F238E27FC236}">
+                <a16:creationId xmlns:a16="http://schemas.microsoft.com/office/drawing/2014/main" id="{AB4BE38A-A03B-EF64-4AE3-E89A2A7CA4D5}"/>
+              </a:ext>
+            </a:extLst>
+          </p:cNvPr>
+          <p:cNvSpPr/>
+          <p:nvPr/>
+        </p:nvSpPr>
+        <p:spPr>
+          <a:xfrm>
+            <a:off x="104775" y="1891401"/>
+            <a:ext cx="3609976" cy="2826514"/>
+          </a:xfrm>
+          <a:prstGeom prst="homePlate">
+            <a:avLst/>
+          </a:prstGeom>
+          <a:solidFill>
+            <a:srgbClr val="F1FAFF"/>
+          </a:solidFill>
+          <a:ln>
+            <a:solidFill>
+              <a:srgbClr val="FF0000"/>
+            </a:solidFill>
+          </a:ln>
+        </p:spPr>
+        <p:style>
+          <a:lnRef idx="2">
+            <a:schemeClr val="accent1">
+              <a:shade val="15000"/>
+            </a:schemeClr>
+          </a:lnRef>
+          <a:fillRef idx="1">
+            <a:schemeClr val="accent1"/>
+          </a:fillRef>
+          <a:effectRef idx="0">
+            <a:schemeClr val="accent1"/>
+          </a:effectRef>
+          <a:fontRef idx="minor">
+            <a:schemeClr val="lt1"/>
+          </a:fontRef>
+        </p:style>
+        <p:txBody>
+          <a:bodyPr rtlCol="0" anchor="ctr"/>
+          <a:lstStyle/>
+          <a:p>
+            <a:pPr algn="ctr"/>
+            <a:r>
+              <a:rPr lang="es-MX" sz="4000" dirty="0">
+                <a:solidFill>
+                  <a:srgbClr val="00825A"/>
+                </a:solidFill>
+              </a:rPr>
+              <a:t>Formulario Materias</a:t>
+            </a:r>
+            <a:endParaRPr lang="es-HN" sz="4000" dirty="0">
+              <a:solidFill>
+                <a:srgbClr val="00825A"/>
+              </a:solidFill>
+            </a:endParaRPr>
+          </a:p>
+        </p:txBody>
+      </p:sp>
+      <p:sp>
+        <p:nvSpPr>
+          <p:cNvPr id="12" name="Rectángulo: esquinas redondeadas 11">
+            <a:extLst>
+              <a:ext uri="{FF2B5EF4-FFF2-40B4-BE49-F238E27FC236}">
+                <a16:creationId xmlns:a16="http://schemas.microsoft.com/office/drawing/2014/main" id="{F7D84541-5085-AAD3-9470-EFDCD6763A34}"/>
+              </a:ext>
+            </a:extLst>
+          </p:cNvPr>
+          <p:cNvSpPr/>
+          <p:nvPr/>
+        </p:nvSpPr>
+        <p:spPr>
+          <a:xfrm>
+            <a:off x="2360289" y="447074"/>
+            <a:ext cx="1991360" cy="792480"/>
+          </a:xfrm>
+          <a:prstGeom prst="roundRect">
+            <a:avLst/>
+          </a:prstGeom>
+          <a:solidFill>
+            <a:srgbClr val="F1FAFF"/>
+          </a:solidFill>
+          <a:ln>
+            <a:solidFill>
+              <a:srgbClr val="FF0000"/>
+            </a:solidFill>
+          </a:ln>
+        </p:spPr>
+        <p:style>
+          <a:lnRef idx="2">
+            <a:schemeClr val="accent1">
+              <a:shade val="15000"/>
+            </a:schemeClr>
+          </a:lnRef>
+          <a:fillRef idx="1">
+            <a:schemeClr val="accent1"/>
+          </a:fillRef>
+          <a:effectRef idx="0">
+            <a:schemeClr val="accent1"/>
+          </a:effectRef>
+          <a:fontRef idx="minor">
+            <a:schemeClr val="lt1"/>
+          </a:fontRef>
+        </p:style>
+        <p:txBody>
+          <a:bodyPr rtlCol="0" anchor="ctr"/>
+          <a:lstStyle/>
+          <a:p>
+            <a:pPr marL="0" marR="0" lvl="0" indent="0" algn="ctr" defTabSz="914400" rtl="0" eaLnBrk="1" fontAlgn="auto" latinLnBrk="0" hangingPunct="1">
+              <a:lnSpc>
+                <a:spcPct val="100000"/>
+              </a:lnSpc>
+              <a:spcBef>
+                <a:spcPts val="0"/>
+              </a:spcBef>
+              <a:spcAft>
+                <a:spcPts val="0"/>
+              </a:spcAft>
+              <a:buClrTx/>
+              <a:buSzTx/>
+              <a:buFontTx/>
+              <a:buNone/>
+              <a:tabLst/>
+              <a:defRPr/>
+            </a:pPr>
+            <a:r>
+              <a:rPr kumimoji="0" lang="es-HN" sz="1200" b="0" i="0" u="none" strike="noStrike" kern="1200" cap="none" spc="0" normalizeH="0" baseline="0" noProof="0" dirty="0">
+                <a:ln>
+                  <a:noFill/>
+                </a:ln>
+                <a:solidFill>
+                  <a:srgbClr val="00825A"/>
+                </a:solidFill>
+                <a:effectLst/>
+                <a:uLnTx/>
+                <a:uFillTx/>
+                <a:latin typeface="Aptos" panose="02110004020202020204"/>
+                <a:ea typeface="+mn-ea"/>
+                <a:cs typeface="+mn-cs"/>
+              </a:rPr>
+              <a:t>Esta caja de texto permite mostrar el código único de la materia.</a:t>
+            </a:r>
+          </a:p>
+        </p:txBody>
+      </p:sp>
+      <p:sp>
+        <p:nvSpPr>
+          <p:cNvPr id="10" name="Rectángulo: esquinas redondeadas 9">
+            <a:extLst>
+              <a:ext uri="{FF2B5EF4-FFF2-40B4-BE49-F238E27FC236}">
+                <a16:creationId xmlns:a16="http://schemas.microsoft.com/office/drawing/2014/main" id="{B5AF7C47-2718-D2F1-1C01-56832E2D1FE1}"/>
+              </a:ext>
+            </a:extLst>
+          </p:cNvPr>
+          <p:cNvSpPr/>
+          <p:nvPr/>
+        </p:nvSpPr>
+        <p:spPr>
+          <a:xfrm>
+            <a:off x="6723504" y="281024"/>
+            <a:ext cx="2206099" cy="897255"/>
+          </a:xfrm>
+          <a:prstGeom prst="roundRect">
+            <a:avLst/>
+          </a:prstGeom>
+          <a:solidFill>
+            <a:srgbClr val="F1FAFF"/>
+          </a:solidFill>
+          <a:ln>
+            <a:solidFill>
+              <a:srgbClr val="FF0000"/>
+            </a:solidFill>
+          </a:ln>
+        </p:spPr>
+        <p:style>
+          <a:lnRef idx="2">
+            <a:schemeClr val="accent1">
+              <a:shade val="15000"/>
+            </a:schemeClr>
+          </a:lnRef>
+          <a:fillRef idx="1">
+            <a:schemeClr val="accent1"/>
+          </a:fillRef>
+          <a:effectRef idx="0">
+            <a:schemeClr val="accent1"/>
+          </a:effectRef>
+          <a:fontRef idx="minor">
+            <a:schemeClr val="lt1"/>
+          </a:fontRef>
+        </p:style>
+        <p:txBody>
+          <a:bodyPr rtlCol="0" anchor="ctr"/>
+          <a:lstStyle/>
+          <a:p>
+            <a:pPr marL="0" marR="0" lvl="0" indent="0" algn="ctr" defTabSz="914400" rtl="0" eaLnBrk="1" fontAlgn="auto" latinLnBrk="0" hangingPunct="1">
+              <a:lnSpc>
+                <a:spcPct val="100000"/>
+              </a:lnSpc>
+              <a:spcBef>
+                <a:spcPts val="0"/>
+              </a:spcBef>
+              <a:spcAft>
+                <a:spcPts val="0"/>
+              </a:spcAft>
+              <a:buClrTx/>
+              <a:buSzTx/>
+              <a:buFontTx/>
+              <a:buNone/>
+              <a:tabLst/>
+              <a:defRPr/>
+            </a:pPr>
+            <a:r>
+              <a:rPr kumimoji="0" lang="es-HN" sz="1200" b="0" i="0" u="none" strike="noStrike" kern="1200" cap="none" spc="0" normalizeH="0" baseline="0" noProof="0" dirty="0">
+                <a:ln>
+                  <a:noFill/>
+                </a:ln>
+                <a:solidFill>
+                  <a:srgbClr val="00825A"/>
+                </a:solidFill>
+                <a:effectLst/>
+                <a:uLnTx/>
+                <a:uFillTx/>
+                <a:latin typeface="Aptos" panose="02110004020202020204"/>
+                <a:ea typeface="+mn-ea"/>
+                <a:cs typeface="+mn-cs"/>
+              </a:rPr>
+              <a:t>Este botón lleva a buscar el código de la materia(Si existe en la base de datos).</a:t>
+            </a:r>
+          </a:p>
+        </p:txBody>
+      </p:sp>
+      <p:sp>
+        <p:nvSpPr>
+          <p:cNvPr id="20" name="Rectángulo: esquinas redondeadas 19">
+            <a:extLst>
+              <a:ext uri="{FF2B5EF4-FFF2-40B4-BE49-F238E27FC236}">
+                <a16:creationId xmlns:a16="http://schemas.microsoft.com/office/drawing/2014/main" id="{D7F00951-DE98-3F75-613C-D5B60E2A612E}"/>
+              </a:ext>
+            </a:extLst>
+          </p:cNvPr>
+          <p:cNvSpPr/>
+          <p:nvPr/>
+        </p:nvSpPr>
+        <p:spPr>
+          <a:xfrm>
+            <a:off x="2360289" y="4966599"/>
+            <a:ext cx="2206099" cy="897255"/>
+          </a:xfrm>
+          <a:prstGeom prst="roundRect">
+            <a:avLst/>
+          </a:prstGeom>
+          <a:solidFill>
+            <a:srgbClr val="F1FAFF"/>
+          </a:solidFill>
+          <a:ln>
+            <a:solidFill>
+              <a:srgbClr val="FF0000"/>
+            </a:solidFill>
+          </a:ln>
+        </p:spPr>
+        <p:style>
+          <a:lnRef idx="2">
+            <a:schemeClr val="accent1">
+              <a:shade val="15000"/>
+            </a:schemeClr>
+          </a:lnRef>
+          <a:fillRef idx="1">
+            <a:schemeClr val="accent1"/>
+          </a:fillRef>
+          <a:effectRef idx="0">
+            <a:schemeClr val="accent1"/>
+          </a:effectRef>
+          <a:fontRef idx="minor">
+            <a:schemeClr val="lt1"/>
+          </a:fontRef>
+        </p:style>
+        <p:txBody>
+          <a:bodyPr rtlCol="0" anchor="ctr"/>
+          <a:lstStyle/>
+          <a:p>
+            <a:pPr marL="0" marR="0" lvl="0" indent="0" algn="ctr" defTabSz="914400" rtl="0" eaLnBrk="1" fontAlgn="auto" latinLnBrk="0" hangingPunct="1">
+              <a:lnSpc>
+                <a:spcPct val="100000"/>
+              </a:lnSpc>
+              <a:spcBef>
+                <a:spcPts val="0"/>
+              </a:spcBef>
+              <a:spcAft>
+                <a:spcPts val="0"/>
+              </a:spcAft>
+              <a:buClrTx/>
+              <a:buSzTx/>
+              <a:buFontTx/>
+              <a:buNone/>
+              <a:tabLst/>
+              <a:defRPr/>
+            </a:pPr>
+            <a:r>
+              <a:rPr kumimoji="0" lang="es-HN" sz="1200" b="0" i="0" u="none" strike="noStrike" kern="1200" cap="none" spc="0" normalizeH="0" baseline="0" noProof="0" dirty="0">
+                <a:ln>
+                  <a:noFill/>
+                </a:ln>
+                <a:solidFill>
+                  <a:srgbClr val="00825A"/>
+                </a:solidFill>
+                <a:effectLst/>
+                <a:uLnTx/>
+                <a:uFillTx/>
+                <a:latin typeface="Aptos" panose="02110004020202020204"/>
+                <a:ea typeface="+mn-ea"/>
+                <a:cs typeface="+mn-cs"/>
+              </a:rPr>
+              <a:t>Esta caja de texto permite mostrar o ingresar el nombre de la materia.</a:t>
+            </a:r>
+          </a:p>
+        </p:txBody>
+      </p:sp>
+      <p:cxnSp>
+        <p:nvCxnSpPr>
+          <p:cNvPr id="9" name="Conector recto de flecha 8">
+            <a:extLst>
+              <a:ext uri="{FF2B5EF4-FFF2-40B4-BE49-F238E27FC236}">
+                <a16:creationId xmlns:a16="http://schemas.microsoft.com/office/drawing/2014/main" id="{B5BC6224-FBB3-3B7F-048D-495A22A621E4}"/>
+              </a:ext>
+            </a:extLst>
+          </p:cNvPr>
+          <p:cNvCxnSpPr>
+            <a:cxnSpLocks/>
+          </p:cNvCxnSpPr>
+          <p:nvPr/>
+        </p:nvCxnSpPr>
+        <p:spPr>
+          <a:xfrm>
+            <a:off x="4365448" y="1093871"/>
+            <a:ext cx="1507775" cy="1473819"/>
+          </a:xfrm>
+          <a:prstGeom prst="straightConnector1">
+            <a:avLst/>
+          </a:prstGeom>
+          <a:ln w="19050" cap="flat" cmpd="sng" algn="ctr">
+            <a:solidFill>
+              <a:srgbClr val="FF0000"/>
+            </a:solidFill>
+            <a:prstDash val="solid"/>
+            <a:round/>
+            <a:headEnd type="none" w="med" len="med"/>
+            <a:tailEnd type="arrow" w="med" len="med"/>
+          </a:ln>
+        </p:spPr>
+        <p:style>
+          <a:lnRef idx="0">
+            <a:scrgbClr r="0" g="0" b="0"/>
+          </a:lnRef>
+          <a:fillRef idx="0">
+            <a:scrgbClr r="0" g="0" b="0"/>
+          </a:fillRef>
+          <a:effectRef idx="0">
+            <a:scrgbClr r="0" g="0" b="0"/>
+          </a:effectRef>
+          <a:fontRef idx="minor">
+            <a:schemeClr val="tx1"/>
+          </a:fontRef>
+        </p:style>
+      </p:cxnSp>
+      <p:cxnSp>
+        <p:nvCxnSpPr>
+          <p:cNvPr id="11" name="Conector recto de flecha 10">
+            <a:extLst>
+              <a:ext uri="{FF2B5EF4-FFF2-40B4-BE49-F238E27FC236}">
+                <a16:creationId xmlns:a16="http://schemas.microsoft.com/office/drawing/2014/main" id="{81F33AFD-A666-B185-8872-FE4EA5217650}"/>
+              </a:ext>
+            </a:extLst>
+          </p:cNvPr>
+          <p:cNvCxnSpPr>
+            <a:cxnSpLocks/>
+          </p:cNvCxnSpPr>
+          <p:nvPr/>
+        </p:nvCxnSpPr>
+        <p:spPr>
+          <a:xfrm flipH="1">
+            <a:off x="7413000" y="1192384"/>
+            <a:ext cx="223213" cy="1282463"/>
+          </a:xfrm>
+          <a:prstGeom prst="straightConnector1">
+            <a:avLst/>
+          </a:prstGeom>
+          <a:ln w="19050" cap="flat" cmpd="sng" algn="ctr">
+            <a:solidFill>
+              <a:srgbClr val="FF0000"/>
+            </a:solidFill>
+            <a:prstDash val="solid"/>
+            <a:round/>
+            <a:headEnd type="none" w="med" len="med"/>
+            <a:tailEnd type="arrow" w="med" len="med"/>
+          </a:ln>
+        </p:spPr>
+        <p:style>
+          <a:lnRef idx="0">
+            <a:scrgbClr r="0" g="0" b="0"/>
+          </a:lnRef>
+          <a:fillRef idx="0">
+            <a:scrgbClr r="0" g="0" b="0"/>
+          </a:fillRef>
+          <a:effectRef idx="0">
+            <a:scrgbClr r="0" g="0" b="0"/>
+          </a:effectRef>
+          <a:fontRef idx="minor">
+            <a:schemeClr val="tx1"/>
+          </a:fontRef>
+        </p:style>
+      </p:cxnSp>
+      <p:cxnSp>
+        <p:nvCxnSpPr>
+          <p:cNvPr id="30" name="Conector recto de flecha 29">
+            <a:extLst>
+              <a:ext uri="{FF2B5EF4-FFF2-40B4-BE49-F238E27FC236}">
+                <a16:creationId xmlns:a16="http://schemas.microsoft.com/office/drawing/2014/main" id="{FB99D81D-1F5C-60C1-BB50-7A309D30609E}"/>
+              </a:ext>
+            </a:extLst>
+          </p:cNvPr>
+          <p:cNvCxnSpPr>
+            <a:cxnSpLocks/>
+          </p:cNvCxnSpPr>
+          <p:nvPr/>
+        </p:nvCxnSpPr>
+        <p:spPr>
+          <a:xfrm flipV="1">
+            <a:off x="4464996" y="3658552"/>
+            <a:ext cx="1408227" cy="1506835"/>
+          </a:xfrm>
+          <a:prstGeom prst="straightConnector1">
+            <a:avLst/>
+          </a:prstGeom>
+          <a:ln w="19050" cap="flat" cmpd="sng" algn="ctr">
+            <a:solidFill>
+              <a:srgbClr val="FF0000"/>
+            </a:solidFill>
+            <a:prstDash val="solid"/>
+            <a:round/>
+            <a:headEnd type="none" w="med" len="med"/>
+            <a:tailEnd type="arrow" w="med" len="med"/>
+          </a:ln>
+        </p:spPr>
+        <p:style>
+          <a:lnRef idx="0">
+            <a:scrgbClr r="0" g="0" b="0"/>
+          </a:lnRef>
+          <a:fillRef idx="0">
+            <a:scrgbClr r="0" g="0" b="0"/>
+          </a:fillRef>
+          <a:effectRef idx="0">
+            <a:scrgbClr r="0" g="0" b="0"/>
+          </a:effectRef>
+          <a:fontRef idx="minor">
+            <a:schemeClr val="tx1"/>
+          </a:fontRef>
+        </p:style>
+      </p:cxnSp>
+      <p:sp>
+        <p:nvSpPr>
+          <p:cNvPr id="2" name="Botón de acción: obtener información 1">
+            <a:hlinkClick r:id="rId3" action="ppaction://hlinksldjump" highlightClick="1"/>
+            <a:extLst>
+              <a:ext uri="{FF2B5EF4-FFF2-40B4-BE49-F238E27FC236}">
+                <a16:creationId xmlns:a16="http://schemas.microsoft.com/office/drawing/2014/main" id="{DADF57F8-0EC2-6D74-B91C-74F05F8061EA}"/>
+              </a:ext>
+            </a:extLst>
+          </p:cNvPr>
+          <p:cNvSpPr/>
+          <p:nvPr/>
+        </p:nvSpPr>
+        <p:spPr>
+          <a:xfrm>
+            <a:off x="9156026" y="2031099"/>
+            <a:ext cx="248920" cy="217212"/>
+          </a:xfrm>
+          <a:prstGeom prst="actionButtonInformation">
+            <a:avLst/>
+          </a:prstGeom>
+        </p:spPr>
+        <p:style>
+          <a:lnRef idx="2">
+            <a:schemeClr val="dk1"/>
+          </a:lnRef>
+          <a:fillRef idx="1">
+            <a:schemeClr val="lt1"/>
+          </a:fillRef>
+          <a:effectRef idx="0">
+            <a:schemeClr val="dk1"/>
+          </a:effectRef>
+          <a:fontRef idx="minor">
+            <a:schemeClr val="dk1"/>
+          </a:fontRef>
+        </p:style>
+        <p:txBody>
+          <a:bodyPr rtlCol="0" anchor="ctr"/>
+          <a:lstStyle/>
+          <a:p>
+            <a:pPr algn="ctr"/>
+            <a:endParaRPr lang="es-HN"/>
+          </a:p>
+        </p:txBody>
+      </p:sp>
+    </p:spTree>
+    <p:extLst>
+      <p:ext uri="{BB962C8B-B14F-4D97-AF65-F5344CB8AC3E}">
+        <p14:creationId xmlns:p14="http://schemas.microsoft.com/office/powerpoint/2010/main" val="2908302486"/>
+      </p:ext>
+    </p:extLst>
+  </p:cSld>
+  <p:clrMapOvr>
+    <a:masterClrMapping/>
+  </p:clrMapOvr>
+</p:sld>
+</file>
+
+<file path=ppt/slides/slide11.xml><?xml version="1.0" encoding="utf-8"?>
+<p:sld xmlns:a="http://schemas.openxmlformats.org/drawingml/2006/main" xmlns:r="http://schemas.openxmlformats.org/officeDocument/2006/relationships" xmlns:p="http://schemas.openxmlformats.org/presentationml/2006/main">
+  <p:cSld>
+    <p:bg>
+      <p:bgPr>
+        <a:solidFill>
+          <a:srgbClr val="00825A"/>
+        </a:solidFill>
+        <a:effectLst/>
+      </p:bgPr>
+    </p:bg>
+    <p:spTree>
+      <p:nvGrpSpPr>
+        <p:cNvPr id="1" name="">
+          <a:extLst>
+            <a:ext uri="{FF2B5EF4-FFF2-40B4-BE49-F238E27FC236}">
               <a16:creationId xmlns:a16="http://schemas.microsoft.com/office/drawing/2014/main" id="{93009520-F320-F84B-E623-1DDE1F4114BF}"/>
             </a:ext>
           </a:extLst>
@@ -4898,6 +5488,51 @@
           </a:fontRef>
         </p:style>
       </p:cxnSp>
+      <p:sp>
+        <p:nvSpPr>
+          <p:cNvPr id="2" name="Botón de acción: obtener información 1">
+            <a:hlinkClick r:id="rId3" action="ppaction://hlinksldjump" highlightClick="1"/>
+            <a:extLst>
+              <a:ext uri="{FF2B5EF4-FFF2-40B4-BE49-F238E27FC236}">
+                <a16:creationId xmlns:a16="http://schemas.microsoft.com/office/drawing/2014/main" id="{6C6DD019-A138-2867-3BE4-B0E80E4062BF}"/>
+              </a:ext>
+            </a:extLst>
+          </p:cNvPr>
+          <p:cNvSpPr/>
+          <p:nvPr/>
+        </p:nvSpPr>
+        <p:spPr>
+          <a:xfrm>
+            <a:off x="9297179" y="2056557"/>
+            <a:ext cx="248920" cy="217212"/>
+          </a:xfrm>
+          <a:prstGeom prst="actionButtonInformation">
+            <a:avLst/>
+          </a:prstGeom>
+        </p:spPr>
+        <p:style>
+          <a:lnRef idx="2">
+            <a:schemeClr val="dk1"/>
+          </a:lnRef>
+          <a:fillRef idx="1">
+            <a:schemeClr val="lt1"/>
+          </a:fillRef>
+          <a:effectRef idx="0">
+            <a:schemeClr val="dk1"/>
+          </a:effectRef>
+          <a:fontRef idx="minor">
+            <a:schemeClr val="dk1"/>
+          </a:fontRef>
+        </p:style>
+        <p:txBody>
+          <a:bodyPr rtlCol="0" anchor="ctr"/>
+          <a:lstStyle/>
+          <a:p>
+            <a:pPr algn="ctr"/>
+            <a:endParaRPr lang="es-HN"/>
+          </a:p>
+        </p:txBody>
+      </p:sp>
     </p:spTree>
     <p:extLst>
       <p:ext uri="{BB962C8B-B14F-4D97-AF65-F5344CB8AC3E}">
@@ -4911,7 +5546,7 @@
 </p:sld>
 </file>
 
-<file path=ppt/slides/slide11.xml><?xml version="1.0" encoding="utf-8"?>
+<file path=ppt/slides/slide12.xml><?xml version="1.0" encoding="utf-8"?>
 <p:sld xmlns:a="http://schemas.openxmlformats.org/drawingml/2006/main" xmlns:r="http://schemas.openxmlformats.org/officeDocument/2006/relationships" xmlns:p="http://schemas.openxmlformats.org/presentationml/2006/main">
   <p:cSld>
     <p:bg>
@@ -5961,7 +6596,7 @@
 </p:sld>
 </file>
 
-<file path=ppt/slides/slide12.xml><?xml version="1.0" encoding="utf-8"?>
+<file path=ppt/slides/slide13.xml><?xml version="1.0" encoding="utf-8"?>
 <p:sld xmlns:a="http://schemas.openxmlformats.org/drawingml/2006/main" xmlns:r="http://schemas.openxmlformats.org/officeDocument/2006/relationships" xmlns:p="http://schemas.openxmlformats.org/presentationml/2006/main">
   <p:cSld>
     <p:bg>
@@ -7310,10 +7945,3470 @@
           </a:p>
         </p:txBody>
       </p:sp>
+      <p:sp>
+        <p:nvSpPr>
+          <p:cNvPr id="2" name="Botón de acción: obtener información 1">
+            <a:hlinkClick r:id="rId3" action="ppaction://hlinksldjump" highlightClick="1"/>
+            <a:extLst>
+              <a:ext uri="{FF2B5EF4-FFF2-40B4-BE49-F238E27FC236}">
+                <a16:creationId xmlns:a16="http://schemas.microsoft.com/office/drawing/2014/main" id="{B22E1DBF-F3F6-C3D2-E690-AFFA1237955F}"/>
+              </a:ext>
+            </a:extLst>
+          </p:cNvPr>
+          <p:cNvSpPr/>
+          <p:nvPr/>
+        </p:nvSpPr>
+        <p:spPr>
+          <a:xfrm>
+            <a:off x="9127529" y="2079752"/>
+            <a:ext cx="248920" cy="217212"/>
+          </a:xfrm>
+          <a:prstGeom prst="actionButtonInformation">
+            <a:avLst/>
+          </a:prstGeom>
+        </p:spPr>
+        <p:style>
+          <a:lnRef idx="2">
+            <a:schemeClr val="dk1"/>
+          </a:lnRef>
+          <a:fillRef idx="1">
+            <a:schemeClr val="lt1"/>
+          </a:fillRef>
+          <a:effectRef idx="0">
+            <a:schemeClr val="dk1"/>
+          </a:effectRef>
+          <a:fontRef idx="minor">
+            <a:schemeClr val="dk1"/>
+          </a:fontRef>
+        </p:style>
+        <p:txBody>
+          <a:bodyPr rtlCol="0" anchor="ctr"/>
+          <a:lstStyle/>
+          <a:p>
+            <a:pPr algn="ctr"/>
+            <a:endParaRPr lang="es-HN"/>
+          </a:p>
+        </p:txBody>
+      </p:sp>
     </p:spTree>
     <p:extLst>
       <p:ext uri="{BB962C8B-B14F-4D97-AF65-F5344CB8AC3E}">
         <p14:creationId xmlns:p14="http://schemas.microsoft.com/office/powerpoint/2010/main" val="3220564123"/>
+      </p:ext>
+    </p:extLst>
+  </p:cSld>
+  <p:clrMapOvr>
+    <a:masterClrMapping/>
+  </p:clrMapOvr>
+</p:sld>
+</file>
+
+<file path=ppt/slides/slide14.xml><?xml version="1.0" encoding="utf-8"?>
+<p:sld xmlns:a="http://schemas.openxmlformats.org/drawingml/2006/main" xmlns:r="http://schemas.openxmlformats.org/officeDocument/2006/relationships" xmlns:p="http://schemas.openxmlformats.org/presentationml/2006/main">
+  <p:cSld>
+    <p:bg>
+      <p:bgPr>
+        <a:solidFill>
+          <a:srgbClr val="00825A"/>
+        </a:solidFill>
+        <a:effectLst/>
+      </p:bgPr>
+    </p:bg>
+    <p:spTree>
+      <p:nvGrpSpPr>
+        <p:cNvPr id="1" name="">
+          <a:extLst>
+            <a:ext uri="{FF2B5EF4-FFF2-40B4-BE49-F238E27FC236}">
+              <a16:creationId xmlns:a16="http://schemas.microsoft.com/office/drawing/2014/main" id="{20BB11A7-A7FA-2C82-9CFF-BDBC10597027}"/>
+            </a:ext>
+          </a:extLst>
+        </p:cNvPr>
+        <p:cNvGrpSpPr/>
+        <p:nvPr/>
+      </p:nvGrpSpPr>
+      <p:grpSpPr>
+        <a:xfrm>
+          <a:off x="0" y="0"/>
+          <a:ext cx="0" cy="0"/>
+          <a:chOff x="0" y="0"/>
+          <a:chExt cx="0" cy="0"/>
+        </a:xfrm>
+      </p:grpSpPr>
+      <p:pic>
+        <p:nvPicPr>
+          <p:cNvPr id="5" name="Imagen 4">
+            <a:extLst>
+              <a:ext uri="{FF2B5EF4-FFF2-40B4-BE49-F238E27FC236}">
+                <a16:creationId xmlns:a16="http://schemas.microsoft.com/office/drawing/2014/main" id="{651088E5-8195-3CC7-9281-D58CC6928695}"/>
+              </a:ext>
+            </a:extLst>
+          </p:cNvPr>
+          <p:cNvPicPr>
+            <a:picLocks noChangeAspect="1"/>
+          </p:cNvPicPr>
+          <p:nvPr/>
+        </p:nvPicPr>
+        <p:blipFill>
+          <a:blip r:embed="rId2"/>
+          <a:stretch>
+            <a:fillRect/>
+          </a:stretch>
+        </p:blipFill>
+        <p:spPr>
+          <a:xfrm>
+            <a:off x="4022442" y="1174497"/>
+            <a:ext cx="6773220" cy="4439270"/>
+          </a:xfrm>
+          <a:prstGeom prst="rect">
+            <a:avLst/>
+          </a:prstGeom>
+        </p:spPr>
+      </p:pic>
+      <p:sp>
+        <p:nvSpPr>
+          <p:cNvPr id="7" name="Flecha: pentágono 6">
+            <a:extLst>
+              <a:ext uri="{FF2B5EF4-FFF2-40B4-BE49-F238E27FC236}">
+                <a16:creationId xmlns:a16="http://schemas.microsoft.com/office/drawing/2014/main" id="{F45527DA-F270-E51B-5615-70DEBA6DE182}"/>
+              </a:ext>
+            </a:extLst>
+          </p:cNvPr>
+          <p:cNvSpPr/>
+          <p:nvPr/>
+        </p:nvSpPr>
+        <p:spPr>
+          <a:xfrm>
+            <a:off x="104775" y="1891401"/>
+            <a:ext cx="3609976" cy="2826514"/>
+          </a:xfrm>
+          <a:prstGeom prst="homePlate">
+            <a:avLst/>
+          </a:prstGeom>
+          <a:solidFill>
+            <a:srgbClr val="F1FAFF"/>
+          </a:solidFill>
+          <a:ln>
+            <a:solidFill>
+              <a:srgbClr val="FF0000"/>
+            </a:solidFill>
+          </a:ln>
+        </p:spPr>
+        <p:style>
+          <a:lnRef idx="2">
+            <a:schemeClr val="accent1">
+              <a:shade val="15000"/>
+            </a:schemeClr>
+          </a:lnRef>
+          <a:fillRef idx="1">
+            <a:schemeClr val="accent1"/>
+          </a:fillRef>
+          <a:effectRef idx="0">
+            <a:schemeClr val="accent1"/>
+          </a:effectRef>
+          <a:fontRef idx="minor">
+            <a:schemeClr val="lt1"/>
+          </a:fontRef>
+        </p:style>
+        <p:txBody>
+          <a:bodyPr rtlCol="0" anchor="ctr"/>
+          <a:lstStyle/>
+          <a:p>
+            <a:pPr algn="ctr"/>
+            <a:r>
+              <a:rPr lang="es-MX" sz="4000" dirty="0">
+                <a:solidFill>
+                  <a:srgbClr val="00825A"/>
+                </a:solidFill>
+              </a:rPr>
+              <a:t>Consulta Alumnos</a:t>
+            </a:r>
+            <a:endParaRPr lang="es-HN" sz="4000" dirty="0">
+              <a:solidFill>
+                <a:srgbClr val="00825A"/>
+              </a:solidFill>
+            </a:endParaRPr>
+          </a:p>
+        </p:txBody>
+      </p:sp>
+      <p:sp>
+        <p:nvSpPr>
+          <p:cNvPr id="10" name="Rectángulo: esquinas redondeadas 9">
+            <a:extLst>
+              <a:ext uri="{FF2B5EF4-FFF2-40B4-BE49-F238E27FC236}">
+                <a16:creationId xmlns:a16="http://schemas.microsoft.com/office/drawing/2014/main" id="{85E78C74-F027-BA13-FF50-17A3499B55D1}"/>
+              </a:ext>
+            </a:extLst>
+          </p:cNvPr>
+          <p:cNvSpPr/>
+          <p:nvPr/>
+        </p:nvSpPr>
+        <p:spPr>
+          <a:xfrm>
+            <a:off x="8892772" y="125381"/>
+            <a:ext cx="2527703" cy="897255"/>
+          </a:xfrm>
+          <a:prstGeom prst="roundRect">
+            <a:avLst/>
+          </a:prstGeom>
+          <a:solidFill>
+            <a:srgbClr val="F1FAFF"/>
+          </a:solidFill>
+          <a:ln>
+            <a:solidFill>
+              <a:srgbClr val="FF0000"/>
+            </a:solidFill>
+          </a:ln>
+        </p:spPr>
+        <p:style>
+          <a:lnRef idx="2">
+            <a:schemeClr val="accent1">
+              <a:shade val="15000"/>
+            </a:schemeClr>
+          </a:lnRef>
+          <a:fillRef idx="1">
+            <a:schemeClr val="accent1"/>
+          </a:fillRef>
+          <a:effectRef idx="0">
+            <a:schemeClr val="accent1"/>
+          </a:effectRef>
+          <a:fontRef idx="minor">
+            <a:schemeClr val="lt1"/>
+          </a:fontRef>
+        </p:style>
+        <p:txBody>
+          <a:bodyPr rtlCol="0" anchor="ctr"/>
+          <a:lstStyle/>
+          <a:p>
+            <a:pPr marL="0" marR="0" lvl="0" indent="0" algn="ctr" defTabSz="914400" rtl="0" eaLnBrk="1" fontAlgn="auto" latinLnBrk="0" hangingPunct="1">
+              <a:lnSpc>
+                <a:spcPct val="100000"/>
+              </a:lnSpc>
+              <a:spcBef>
+                <a:spcPts val="0"/>
+              </a:spcBef>
+              <a:spcAft>
+                <a:spcPts val="0"/>
+              </a:spcAft>
+              <a:buClrTx/>
+              <a:buSzTx/>
+              <a:buFontTx/>
+              <a:buNone/>
+              <a:tabLst/>
+              <a:defRPr/>
+            </a:pPr>
+            <a:r>
+              <a:rPr kumimoji="0" lang="es-HN" sz="1200" b="0" i="0" u="none" strike="noStrike" kern="1200" cap="none" spc="0" normalizeH="0" baseline="0" noProof="0" dirty="0" err="1">
+                <a:ln>
+                  <a:noFill/>
+                </a:ln>
+                <a:solidFill>
+                  <a:srgbClr val="00825A"/>
+                </a:solidFill>
+                <a:effectLst/>
+                <a:uLnTx/>
+                <a:uFillTx/>
+                <a:latin typeface="Aptos" panose="02110004020202020204"/>
+                <a:ea typeface="+mn-ea"/>
+                <a:cs typeface="+mn-cs"/>
+              </a:rPr>
+              <a:t>Est</a:t>
+            </a:r>
+            <a:r>
+              <a:rPr lang="es-HN" sz="1200" dirty="0">
+                <a:solidFill>
+                  <a:srgbClr val="00825A"/>
+                </a:solidFill>
+                <a:latin typeface="Aptos" panose="02110004020202020204"/>
+              </a:rPr>
+              <a:t>a caja de texto permite filtrar por (NUMERO DE CUENTA, NOMBRE, GENERO, ACTIVOS, INACTIVOS)</a:t>
+            </a:r>
+            <a:endParaRPr kumimoji="0" lang="es-HN" sz="1200" b="0" i="0" u="none" strike="noStrike" kern="1200" cap="none" spc="0" normalizeH="0" baseline="0" noProof="0" dirty="0">
+              <a:ln>
+                <a:noFill/>
+              </a:ln>
+              <a:solidFill>
+                <a:srgbClr val="00825A"/>
+              </a:solidFill>
+              <a:effectLst/>
+              <a:uLnTx/>
+              <a:uFillTx/>
+              <a:latin typeface="Aptos" panose="02110004020202020204"/>
+              <a:ea typeface="+mn-ea"/>
+              <a:cs typeface="+mn-cs"/>
+            </a:endParaRPr>
+          </a:p>
+        </p:txBody>
+      </p:sp>
+      <p:sp>
+        <p:nvSpPr>
+          <p:cNvPr id="20" name="Rectángulo: esquinas redondeadas 19">
+            <a:extLst>
+              <a:ext uri="{FF2B5EF4-FFF2-40B4-BE49-F238E27FC236}">
+                <a16:creationId xmlns:a16="http://schemas.microsoft.com/office/drawing/2014/main" id="{83EAB9B1-79A6-1F18-6A9A-905E17B861DB}"/>
+              </a:ext>
+            </a:extLst>
+          </p:cNvPr>
+          <p:cNvSpPr/>
+          <p:nvPr/>
+        </p:nvSpPr>
+        <p:spPr>
+          <a:xfrm>
+            <a:off x="1587277" y="385783"/>
+            <a:ext cx="2206099" cy="897255"/>
+          </a:xfrm>
+          <a:prstGeom prst="roundRect">
+            <a:avLst/>
+          </a:prstGeom>
+          <a:solidFill>
+            <a:srgbClr val="F1FAFF"/>
+          </a:solidFill>
+          <a:ln>
+            <a:solidFill>
+              <a:srgbClr val="FF0000"/>
+            </a:solidFill>
+          </a:ln>
+        </p:spPr>
+        <p:style>
+          <a:lnRef idx="2">
+            <a:schemeClr val="accent1">
+              <a:shade val="15000"/>
+            </a:schemeClr>
+          </a:lnRef>
+          <a:fillRef idx="1">
+            <a:schemeClr val="accent1"/>
+          </a:fillRef>
+          <a:effectRef idx="0">
+            <a:schemeClr val="accent1"/>
+          </a:effectRef>
+          <a:fontRef idx="minor">
+            <a:schemeClr val="lt1"/>
+          </a:fontRef>
+        </p:style>
+        <p:txBody>
+          <a:bodyPr rtlCol="0" anchor="ctr"/>
+          <a:lstStyle/>
+          <a:p>
+            <a:pPr marL="0" marR="0" lvl="0" indent="0" algn="ctr" defTabSz="914400" rtl="0" eaLnBrk="1" fontAlgn="auto" latinLnBrk="0" hangingPunct="1">
+              <a:lnSpc>
+                <a:spcPct val="100000"/>
+              </a:lnSpc>
+              <a:spcBef>
+                <a:spcPts val="0"/>
+              </a:spcBef>
+              <a:spcAft>
+                <a:spcPts val="0"/>
+              </a:spcAft>
+              <a:buClrTx/>
+              <a:buSzTx/>
+              <a:buFontTx/>
+              <a:buNone/>
+              <a:tabLst/>
+              <a:defRPr/>
+            </a:pPr>
+            <a:r>
+              <a:rPr kumimoji="0" lang="es-HN" sz="1200" b="0" i="0" u="none" strike="noStrike" kern="1200" cap="none" spc="0" normalizeH="0" baseline="0" noProof="0" dirty="0">
+                <a:ln>
+                  <a:noFill/>
+                </a:ln>
+                <a:solidFill>
+                  <a:srgbClr val="00825A"/>
+                </a:solidFill>
+                <a:effectLst/>
+                <a:uLnTx/>
+                <a:uFillTx/>
+                <a:latin typeface="Aptos" panose="02110004020202020204"/>
+                <a:ea typeface="+mn-ea"/>
+                <a:cs typeface="+mn-cs"/>
+              </a:rPr>
+              <a:t>Esta caja de texto permite ingresar el dato de búsqueda en especifico.</a:t>
+            </a:r>
+          </a:p>
+        </p:txBody>
+      </p:sp>
+      <p:cxnSp>
+        <p:nvCxnSpPr>
+          <p:cNvPr id="11" name="Conector recto de flecha 10">
+            <a:extLst>
+              <a:ext uri="{FF2B5EF4-FFF2-40B4-BE49-F238E27FC236}">
+                <a16:creationId xmlns:a16="http://schemas.microsoft.com/office/drawing/2014/main" id="{ED87FF53-83DC-5765-3B80-21F20428FDE1}"/>
+              </a:ext>
+            </a:extLst>
+          </p:cNvPr>
+          <p:cNvCxnSpPr>
+            <a:cxnSpLocks/>
+          </p:cNvCxnSpPr>
+          <p:nvPr/>
+        </p:nvCxnSpPr>
+        <p:spPr>
+          <a:xfrm flipH="1">
+            <a:off x="8892772" y="1022636"/>
+            <a:ext cx="222045" cy="1623287"/>
+          </a:xfrm>
+          <a:prstGeom prst="straightConnector1">
+            <a:avLst/>
+          </a:prstGeom>
+          <a:ln w="19050" cap="flat" cmpd="sng" algn="ctr">
+            <a:solidFill>
+              <a:srgbClr val="FF0000"/>
+            </a:solidFill>
+            <a:prstDash val="solid"/>
+            <a:round/>
+            <a:headEnd type="none" w="med" len="med"/>
+            <a:tailEnd type="arrow" w="med" len="med"/>
+          </a:ln>
+        </p:spPr>
+        <p:style>
+          <a:lnRef idx="0">
+            <a:scrgbClr r="0" g="0" b="0"/>
+          </a:lnRef>
+          <a:fillRef idx="0">
+            <a:scrgbClr r="0" g="0" b="0"/>
+          </a:fillRef>
+          <a:effectRef idx="0">
+            <a:scrgbClr r="0" g="0" b="0"/>
+          </a:effectRef>
+          <a:fontRef idx="minor">
+            <a:schemeClr val="tx1"/>
+          </a:fontRef>
+        </p:style>
+      </p:cxnSp>
+      <p:cxnSp>
+        <p:nvCxnSpPr>
+          <p:cNvPr id="30" name="Conector recto de flecha 29">
+            <a:extLst>
+              <a:ext uri="{FF2B5EF4-FFF2-40B4-BE49-F238E27FC236}">
+                <a16:creationId xmlns:a16="http://schemas.microsoft.com/office/drawing/2014/main" id="{E6BA84FD-01D8-97B5-E6C7-DFF07BC0DF6A}"/>
+              </a:ext>
+            </a:extLst>
+          </p:cNvPr>
+          <p:cNvCxnSpPr>
+            <a:cxnSpLocks/>
+          </p:cNvCxnSpPr>
+          <p:nvPr/>
+        </p:nvCxnSpPr>
+        <p:spPr>
+          <a:xfrm>
+            <a:off x="3714751" y="1244233"/>
+            <a:ext cx="2513790" cy="1508492"/>
+          </a:xfrm>
+          <a:prstGeom prst="straightConnector1">
+            <a:avLst/>
+          </a:prstGeom>
+          <a:ln w="19050" cap="flat" cmpd="sng" algn="ctr">
+            <a:solidFill>
+              <a:srgbClr val="FF0000"/>
+            </a:solidFill>
+            <a:prstDash val="solid"/>
+            <a:round/>
+            <a:headEnd type="none" w="med" len="med"/>
+            <a:tailEnd type="arrow" w="med" len="med"/>
+          </a:ln>
+        </p:spPr>
+        <p:style>
+          <a:lnRef idx="0">
+            <a:scrgbClr r="0" g="0" b="0"/>
+          </a:lnRef>
+          <a:fillRef idx="0">
+            <a:scrgbClr r="0" g="0" b="0"/>
+          </a:fillRef>
+          <a:effectRef idx="0">
+            <a:scrgbClr r="0" g="0" b="0"/>
+          </a:effectRef>
+          <a:fontRef idx="minor">
+            <a:schemeClr val="tx1"/>
+          </a:fontRef>
+        </p:style>
+      </p:cxnSp>
+      <p:sp>
+        <p:nvSpPr>
+          <p:cNvPr id="31" name="Rectángulo: esquinas redondeadas 30">
+            <a:extLst>
+              <a:ext uri="{FF2B5EF4-FFF2-40B4-BE49-F238E27FC236}">
+                <a16:creationId xmlns:a16="http://schemas.microsoft.com/office/drawing/2014/main" id="{924DAD45-EC28-E867-A79F-26FC552409AB}"/>
+              </a:ext>
+            </a:extLst>
+          </p:cNvPr>
+          <p:cNvSpPr/>
+          <p:nvPr/>
+        </p:nvSpPr>
+        <p:spPr>
+          <a:xfrm>
+            <a:off x="8550419" y="5835364"/>
+            <a:ext cx="1991360" cy="792480"/>
+          </a:xfrm>
+          <a:prstGeom prst="roundRect">
+            <a:avLst/>
+          </a:prstGeom>
+          <a:solidFill>
+            <a:srgbClr val="F1FAFF"/>
+          </a:solidFill>
+          <a:ln>
+            <a:solidFill>
+              <a:srgbClr val="FF0000"/>
+            </a:solidFill>
+          </a:ln>
+        </p:spPr>
+        <p:style>
+          <a:lnRef idx="2">
+            <a:schemeClr val="accent1">
+              <a:shade val="15000"/>
+            </a:schemeClr>
+          </a:lnRef>
+          <a:fillRef idx="1">
+            <a:schemeClr val="accent1"/>
+          </a:fillRef>
+          <a:effectRef idx="0">
+            <a:schemeClr val="accent1"/>
+          </a:effectRef>
+          <a:fontRef idx="minor">
+            <a:schemeClr val="lt1"/>
+          </a:fontRef>
+        </p:style>
+        <p:txBody>
+          <a:bodyPr rtlCol="0" anchor="ctr"/>
+          <a:lstStyle/>
+          <a:p>
+            <a:pPr algn="ctr"/>
+            <a:r>
+              <a:rPr lang="es-HN" sz="1200" dirty="0">
+                <a:solidFill>
+                  <a:srgbClr val="00825A"/>
+                </a:solidFill>
+              </a:rPr>
+              <a:t>Este botón realiza la acción de buscar.</a:t>
+            </a:r>
+          </a:p>
+        </p:txBody>
+      </p:sp>
+      <p:cxnSp>
+        <p:nvCxnSpPr>
+          <p:cNvPr id="32" name="Conector recto de flecha 31">
+            <a:extLst>
+              <a:ext uri="{FF2B5EF4-FFF2-40B4-BE49-F238E27FC236}">
+                <a16:creationId xmlns:a16="http://schemas.microsoft.com/office/drawing/2014/main" id="{95A20E56-05CC-D4F8-CABD-95E075F546E4}"/>
+              </a:ext>
+            </a:extLst>
+          </p:cNvPr>
+          <p:cNvCxnSpPr>
+            <a:cxnSpLocks/>
+            <a:stCxn id="31" idx="0"/>
+          </p:cNvCxnSpPr>
+          <p:nvPr/>
+        </p:nvCxnSpPr>
+        <p:spPr>
+          <a:xfrm flipV="1">
+            <a:off x="9546099" y="2953812"/>
+            <a:ext cx="321801" cy="2881552"/>
+          </a:xfrm>
+          <a:prstGeom prst="straightConnector1">
+            <a:avLst/>
+          </a:prstGeom>
+          <a:ln w="19050" cap="flat" cmpd="sng" algn="ctr">
+            <a:solidFill>
+              <a:srgbClr val="FF0000"/>
+            </a:solidFill>
+            <a:prstDash val="solid"/>
+            <a:round/>
+            <a:headEnd type="none" w="med" len="med"/>
+            <a:tailEnd type="arrow" w="med" len="med"/>
+          </a:ln>
+        </p:spPr>
+        <p:style>
+          <a:lnRef idx="0">
+            <a:scrgbClr r="0" g="0" b="0"/>
+          </a:lnRef>
+          <a:fillRef idx="0">
+            <a:scrgbClr r="0" g="0" b="0"/>
+          </a:fillRef>
+          <a:effectRef idx="0">
+            <a:scrgbClr r="0" g="0" b="0"/>
+          </a:effectRef>
+          <a:fontRef idx="minor">
+            <a:schemeClr val="tx1"/>
+          </a:fontRef>
+        </p:style>
+      </p:cxnSp>
+      <p:sp>
+        <p:nvSpPr>
+          <p:cNvPr id="21" name="Rectángulo: esquinas redondeadas 20">
+            <a:extLst>
+              <a:ext uri="{FF2B5EF4-FFF2-40B4-BE49-F238E27FC236}">
+                <a16:creationId xmlns:a16="http://schemas.microsoft.com/office/drawing/2014/main" id="{3530EB45-9795-46D6-6D56-E4AC244A8488}"/>
+              </a:ext>
+            </a:extLst>
+          </p:cNvPr>
+          <p:cNvSpPr/>
+          <p:nvPr/>
+        </p:nvSpPr>
+        <p:spPr>
+          <a:xfrm>
+            <a:off x="2187272" y="5930614"/>
+            <a:ext cx="1991360" cy="792480"/>
+          </a:xfrm>
+          <a:prstGeom prst="roundRect">
+            <a:avLst/>
+          </a:prstGeom>
+          <a:solidFill>
+            <a:srgbClr val="F1FAFF"/>
+          </a:solidFill>
+          <a:ln>
+            <a:solidFill>
+              <a:srgbClr val="FF0000"/>
+            </a:solidFill>
+          </a:ln>
+        </p:spPr>
+        <p:style>
+          <a:lnRef idx="2">
+            <a:schemeClr val="accent1">
+              <a:shade val="15000"/>
+            </a:schemeClr>
+          </a:lnRef>
+          <a:fillRef idx="1">
+            <a:schemeClr val="accent1"/>
+          </a:fillRef>
+          <a:effectRef idx="0">
+            <a:schemeClr val="accent1"/>
+          </a:effectRef>
+          <a:fontRef idx="minor">
+            <a:schemeClr val="lt1"/>
+          </a:fontRef>
+        </p:style>
+        <p:txBody>
+          <a:bodyPr rtlCol="0" anchor="ctr"/>
+          <a:lstStyle/>
+          <a:p>
+            <a:pPr algn="ctr"/>
+            <a:r>
+              <a:rPr lang="es-HN" sz="1200" dirty="0">
+                <a:solidFill>
+                  <a:srgbClr val="00825A"/>
+                </a:solidFill>
+              </a:rPr>
+              <a:t>Esta tabla muestra los resultados de la búsqueda.</a:t>
+            </a:r>
+          </a:p>
+        </p:txBody>
+      </p:sp>
+      <p:cxnSp>
+        <p:nvCxnSpPr>
+          <p:cNvPr id="22" name="Conector recto de flecha 21">
+            <a:extLst>
+              <a:ext uri="{FF2B5EF4-FFF2-40B4-BE49-F238E27FC236}">
+                <a16:creationId xmlns:a16="http://schemas.microsoft.com/office/drawing/2014/main" id="{DA4DFA21-73DD-4176-E5E4-A2AEB62503A3}"/>
+              </a:ext>
+            </a:extLst>
+          </p:cNvPr>
+          <p:cNvCxnSpPr>
+            <a:cxnSpLocks/>
+            <a:stCxn id="21" idx="0"/>
+          </p:cNvCxnSpPr>
+          <p:nvPr/>
+        </p:nvCxnSpPr>
+        <p:spPr>
+          <a:xfrm flipV="1">
+            <a:off x="3182952" y="4219575"/>
+            <a:ext cx="2444738" cy="1711039"/>
+          </a:xfrm>
+          <a:prstGeom prst="straightConnector1">
+            <a:avLst/>
+          </a:prstGeom>
+          <a:ln w="19050" cap="flat" cmpd="sng" algn="ctr">
+            <a:solidFill>
+              <a:srgbClr val="FF0000"/>
+            </a:solidFill>
+            <a:prstDash val="solid"/>
+            <a:round/>
+            <a:headEnd type="none" w="med" len="med"/>
+            <a:tailEnd type="arrow" w="med" len="med"/>
+          </a:ln>
+        </p:spPr>
+        <p:style>
+          <a:lnRef idx="0">
+            <a:scrgbClr r="0" g="0" b="0"/>
+          </a:lnRef>
+          <a:fillRef idx="0">
+            <a:scrgbClr r="0" g="0" b="0"/>
+          </a:fillRef>
+          <a:effectRef idx="0">
+            <a:scrgbClr r="0" g="0" b="0"/>
+          </a:effectRef>
+          <a:fontRef idx="minor">
+            <a:schemeClr val="tx1"/>
+          </a:fontRef>
+        </p:style>
+      </p:cxnSp>
+    </p:spTree>
+    <p:extLst>
+      <p:ext uri="{BB962C8B-B14F-4D97-AF65-F5344CB8AC3E}">
+        <p14:creationId xmlns:p14="http://schemas.microsoft.com/office/powerpoint/2010/main" val="53827837"/>
+      </p:ext>
+    </p:extLst>
+  </p:cSld>
+  <p:clrMapOvr>
+    <a:masterClrMapping/>
+  </p:clrMapOvr>
+</p:sld>
+</file>
+
+<file path=ppt/slides/slide15.xml><?xml version="1.0" encoding="utf-8"?>
+<p:sld xmlns:a="http://schemas.openxmlformats.org/drawingml/2006/main" xmlns:r="http://schemas.openxmlformats.org/officeDocument/2006/relationships" xmlns:p="http://schemas.openxmlformats.org/presentationml/2006/main">
+  <p:cSld>
+    <p:bg>
+      <p:bgPr>
+        <a:solidFill>
+          <a:srgbClr val="00825A"/>
+        </a:solidFill>
+        <a:effectLst/>
+      </p:bgPr>
+    </p:bg>
+    <p:spTree>
+      <p:nvGrpSpPr>
+        <p:cNvPr id="1" name="">
+          <a:extLst>
+            <a:ext uri="{FF2B5EF4-FFF2-40B4-BE49-F238E27FC236}">
+              <a16:creationId xmlns:a16="http://schemas.microsoft.com/office/drawing/2014/main" id="{98F1F44D-C75C-C152-1CE4-94CDCA47C35D}"/>
+            </a:ext>
+          </a:extLst>
+        </p:cNvPr>
+        <p:cNvGrpSpPr/>
+        <p:nvPr/>
+      </p:nvGrpSpPr>
+      <p:grpSpPr>
+        <a:xfrm>
+          <a:off x="0" y="0"/>
+          <a:ext cx="0" cy="0"/>
+          <a:chOff x="0" y="0"/>
+          <a:chExt cx="0" cy="0"/>
+        </a:xfrm>
+      </p:grpSpPr>
+      <p:pic>
+        <p:nvPicPr>
+          <p:cNvPr id="3" name="Imagen 2">
+            <a:extLst>
+              <a:ext uri="{FF2B5EF4-FFF2-40B4-BE49-F238E27FC236}">
+                <a16:creationId xmlns:a16="http://schemas.microsoft.com/office/drawing/2014/main" id="{FCCD2244-3B3F-12AA-A2DE-A0BA71B132CA}"/>
+              </a:ext>
+            </a:extLst>
+          </p:cNvPr>
+          <p:cNvPicPr>
+            <a:picLocks noChangeAspect="1"/>
+          </p:cNvPicPr>
+          <p:nvPr/>
+        </p:nvPicPr>
+        <p:blipFill>
+          <a:blip r:embed="rId2"/>
+          <a:stretch>
+            <a:fillRect/>
+          </a:stretch>
+        </p:blipFill>
+        <p:spPr>
+          <a:xfrm>
+            <a:off x="4021641" y="1109201"/>
+            <a:ext cx="6716062" cy="4574302"/>
+          </a:xfrm>
+          <a:prstGeom prst="rect">
+            <a:avLst/>
+          </a:prstGeom>
+        </p:spPr>
+      </p:pic>
+      <p:sp>
+        <p:nvSpPr>
+          <p:cNvPr id="7" name="Flecha: pentágono 6">
+            <a:extLst>
+              <a:ext uri="{FF2B5EF4-FFF2-40B4-BE49-F238E27FC236}">
+                <a16:creationId xmlns:a16="http://schemas.microsoft.com/office/drawing/2014/main" id="{1DC3694F-01D8-CEB5-2024-B63827209201}"/>
+              </a:ext>
+            </a:extLst>
+          </p:cNvPr>
+          <p:cNvSpPr/>
+          <p:nvPr/>
+        </p:nvSpPr>
+        <p:spPr>
+          <a:xfrm>
+            <a:off x="104775" y="1891401"/>
+            <a:ext cx="3609976" cy="2826514"/>
+          </a:xfrm>
+          <a:prstGeom prst="homePlate">
+            <a:avLst/>
+          </a:prstGeom>
+          <a:solidFill>
+            <a:srgbClr val="F1FAFF"/>
+          </a:solidFill>
+          <a:ln>
+            <a:solidFill>
+              <a:srgbClr val="FF0000"/>
+            </a:solidFill>
+          </a:ln>
+        </p:spPr>
+        <p:style>
+          <a:lnRef idx="2">
+            <a:schemeClr val="accent1">
+              <a:shade val="15000"/>
+            </a:schemeClr>
+          </a:lnRef>
+          <a:fillRef idx="1">
+            <a:schemeClr val="accent1"/>
+          </a:fillRef>
+          <a:effectRef idx="0">
+            <a:schemeClr val="accent1"/>
+          </a:effectRef>
+          <a:fontRef idx="minor">
+            <a:schemeClr val="lt1"/>
+          </a:fontRef>
+        </p:style>
+        <p:txBody>
+          <a:bodyPr rtlCol="0" anchor="ctr"/>
+          <a:lstStyle/>
+          <a:p>
+            <a:pPr algn="ctr"/>
+            <a:r>
+              <a:rPr lang="es-MX" sz="4000" dirty="0">
+                <a:solidFill>
+                  <a:srgbClr val="00825A"/>
+                </a:solidFill>
+              </a:rPr>
+              <a:t>Consulta Padres</a:t>
+            </a:r>
+            <a:endParaRPr lang="es-HN" sz="4000" dirty="0">
+              <a:solidFill>
+                <a:srgbClr val="00825A"/>
+              </a:solidFill>
+            </a:endParaRPr>
+          </a:p>
+        </p:txBody>
+      </p:sp>
+      <p:sp>
+        <p:nvSpPr>
+          <p:cNvPr id="10" name="Rectángulo: esquinas redondeadas 9">
+            <a:extLst>
+              <a:ext uri="{FF2B5EF4-FFF2-40B4-BE49-F238E27FC236}">
+                <a16:creationId xmlns:a16="http://schemas.microsoft.com/office/drawing/2014/main" id="{6091C70F-D949-7BCC-B5EB-763524D75EAD}"/>
+              </a:ext>
+            </a:extLst>
+          </p:cNvPr>
+          <p:cNvSpPr/>
+          <p:nvPr/>
+        </p:nvSpPr>
+        <p:spPr>
+          <a:xfrm>
+            <a:off x="8892772" y="125381"/>
+            <a:ext cx="2527703" cy="897255"/>
+          </a:xfrm>
+          <a:prstGeom prst="roundRect">
+            <a:avLst/>
+          </a:prstGeom>
+          <a:solidFill>
+            <a:srgbClr val="F1FAFF"/>
+          </a:solidFill>
+          <a:ln>
+            <a:solidFill>
+              <a:srgbClr val="FF0000"/>
+            </a:solidFill>
+          </a:ln>
+        </p:spPr>
+        <p:style>
+          <a:lnRef idx="2">
+            <a:schemeClr val="accent1">
+              <a:shade val="15000"/>
+            </a:schemeClr>
+          </a:lnRef>
+          <a:fillRef idx="1">
+            <a:schemeClr val="accent1"/>
+          </a:fillRef>
+          <a:effectRef idx="0">
+            <a:schemeClr val="accent1"/>
+          </a:effectRef>
+          <a:fontRef idx="minor">
+            <a:schemeClr val="lt1"/>
+          </a:fontRef>
+        </p:style>
+        <p:txBody>
+          <a:bodyPr rtlCol="0" anchor="ctr"/>
+          <a:lstStyle/>
+          <a:p>
+            <a:pPr marL="0" marR="0" lvl="0" indent="0" algn="ctr" defTabSz="914400" rtl="0" eaLnBrk="1" fontAlgn="auto" latinLnBrk="0" hangingPunct="1">
+              <a:lnSpc>
+                <a:spcPct val="100000"/>
+              </a:lnSpc>
+              <a:spcBef>
+                <a:spcPts val="0"/>
+              </a:spcBef>
+              <a:spcAft>
+                <a:spcPts val="0"/>
+              </a:spcAft>
+              <a:buClrTx/>
+              <a:buSzTx/>
+              <a:buFontTx/>
+              <a:buNone/>
+              <a:tabLst/>
+              <a:defRPr/>
+            </a:pPr>
+            <a:r>
+              <a:rPr kumimoji="0" lang="es-HN" sz="1200" b="0" i="0" u="none" strike="noStrike" kern="1200" cap="none" spc="0" normalizeH="0" baseline="0" noProof="0" dirty="0" err="1">
+                <a:ln>
+                  <a:noFill/>
+                </a:ln>
+                <a:solidFill>
+                  <a:srgbClr val="00825A"/>
+                </a:solidFill>
+                <a:effectLst/>
+                <a:uLnTx/>
+                <a:uFillTx/>
+                <a:latin typeface="Aptos" panose="02110004020202020204"/>
+                <a:ea typeface="+mn-ea"/>
+                <a:cs typeface="+mn-cs"/>
+              </a:rPr>
+              <a:t>Est</a:t>
+            </a:r>
+            <a:r>
+              <a:rPr lang="es-HN" sz="1200" dirty="0">
+                <a:solidFill>
+                  <a:srgbClr val="00825A"/>
+                </a:solidFill>
+                <a:latin typeface="Aptos" panose="02110004020202020204"/>
+              </a:rPr>
+              <a:t>a caja de texto permite filtrar por (ID, NOMBRE, NUMERO DE IDENTIDAD, GENERO, ACTIVOS, INACTIVOS)</a:t>
+            </a:r>
+            <a:endParaRPr kumimoji="0" lang="es-HN" sz="1200" b="0" i="0" u="none" strike="noStrike" kern="1200" cap="none" spc="0" normalizeH="0" baseline="0" noProof="0" dirty="0">
+              <a:ln>
+                <a:noFill/>
+              </a:ln>
+              <a:solidFill>
+                <a:srgbClr val="00825A"/>
+              </a:solidFill>
+              <a:effectLst/>
+              <a:uLnTx/>
+              <a:uFillTx/>
+              <a:latin typeface="Aptos" panose="02110004020202020204"/>
+              <a:ea typeface="+mn-ea"/>
+              <a:cs typeface="+mn-cs"/>
+            </a:endParaRPr>
+          </a:p>
+        </p:txBody>
+      </p:sp>
+      <p:sp>
+        <p:nvSpPr>
+          <p:cNvPr id="20" name="Rectángulo: esquinas redondeadas 19">
+            <a:extLst>
+              <a:ext uri="{FF2B5EF4-FFF2-40B4-BE49-F238E27FC236}">
+                <a16:creationId xmlns:a16="http://schemas.microsoft.com/office/drawing/2014/main" id="{95147B1F-DDFA-F219-AE02-DC5EC671B979}"/>
+              </a:ext>
+            </a:extLst>
+          </p:cNvPr>
+          <p:cNvSpPr/>
+          <p:nvPr/>
+        </p:nvSpPr>
+        <p:spPr>
+          <a:xfrm>
+            <a:off x="1587277" y="385783"/>
+            <a:ext cx="2206099" cy="897255"/>
+          </a:xfrm>
+          <a:prstGeom prst="roundRect">
+            <a:avLst/>
+          </a:prstGeom>
+          <a:solidFill>
+            <a:srgbClr val="F1FAFF"/>
+          </a:solidFill>
+          <a:ln>
+            <a:solidFill>
+              <a:srgbClr val="FF0000"/>
+            </a:solidFill>
+          </a:ln>
+        </p:spPr>
+        <p:style>
+          <a:lnRef idx="2">
+            <a:schemeClr val="accent1">
+              <a:shade val="15000"/>
+            </a:schemeClr>
+          </a:lnRef>
+          <a:fillRef idx="1">
+            <a:schemeClr val="accent1"/>
+          </a:fillRef>
+          <a:effectRef idx="0">
+            <a:schemeClr val="accent1"/>
+          </a:effectRef>
+          <a:fontRef idx="minor">
+            <a:schemeClr val="lt1"/>
+          </a:fontRef>
+        </p:style>
+        <p:txBody>
+          <a:bodyPr rtlCol="0" anchor="ctr"/>
+          <a:lstStyle/>
+          <a:p>
+            <a:pPr marL="0" marR="0" lvl="0" indent="0" algn="ctr" defTabSz="914400" rtl="0" eaLnBrk="1" fontAlgn="auto" latinLnBrk="0" hangingPunct="1">
+              <a:lnSpc>
+                <a:spcPct val="100000"/>
+              </a:lnSpc>
+              <a:spcBef>
+                <a:spcPts val="0"/>
+              </a:spcBef>
+              <a:spcAft>
+                <a:spcPts val="0"/>
+              </a:spcAft>
+              <a:buClrTx/>
+              <a:buSzTx/>
+              <a:buFontTx/>
+              <a:buNone/>
+              <a:tabLst/>
+              <a:defRPr/>
+            </a:pPr>
+            <a:r>
+              <a:rPr kumimoji="0" lang="es-HN" sz="1200" b="0" i="0" u="none" strike="noStrike" kern="1200" cap="none" spc="0" normalizeH="0" baseline="0" noProof="0" dirty="0">
+                <a:ln>
+                  <a:noFill/>
+                </a:ln>
+                <a:solidFill>
+                  <a:srgbClr val="00825A"/>
+                </a:solidFill>
+                <a:effectLst/>
+                <a:uLnTx/>
+                <a:uFillTx/>
+                <a:latin typeface="Aptos" panose="02110004020202020204"/>
+                <a:ea typeface="+mn-ea"/>
+                <a:cs typeface="+mn-cs"/>
+              </a:rPr>
+              <a:t>Esta caja de texto permite ingresar el dato de búsqueda en especifico.</a:t>
+            </a:r>
+          </a:p>
+        </p:txBody>
+      </p:sp>
+      <p:cxnSp>
+        <p:nvCxnSpPr>
+          <p:cNvPr id="11" name="Conector recto de flecha 10">
+            <a:extLst>
+              <a:ext uri="{FF2B5EF4-FFF2-40B4-BE49-F238E27FC236}">
+                <a16:creationId xmlns:a16="http://schemas.microsoft.com/office/drawing/2014/main" id="{4E530EF1-A821-9E73-AF13-A51FF1777232}"/>
+              </a:ext>
+            </a:extLst>
+          </p:cNvPr>
+          <p:cNvCxnSpPr>
+            <a:cxnSpLocks/>
+          </p:cNvCxnSpPr>
+          <p:nvPr/>
+        </p:nvCxnSpPr>
+        <p:spPr>
+          <a:xfrm flipH="1">
+            <a:off x="8892772" y="1022636"/>
+            <a:ext cx="222045" cy="1623287"/>
+          </a:xfrm>
+          <a:prstGeom prst="straightConnector1">
+            <a:avLst/>
+          </a:prstGeom>
+          <a:ln w="19050" cap="flat" cmpd="sng" algn="ctr">
+            <a:solidFill>
+              <a:srgbClr val="FF0000"/>
+            </a:solidFill>
+            <a:prstDash val="solid"/>
+            <a:round/>
+            <a:headEnd type="none" w="med" len="med"/>
+            <a:tailEnd type="arrow" w="med" len="med"/>
+          </a:ln>
+        </p:spPr>
+        <p:style>
+          <a:lnRef idx="0">
+            <a:scrgbClr r="0" g="0" b="0"/>
+          </a:lnRef>
+          <a:fillRef idx="0">
+            <a:scrgbClr r="0" g="0" b="0"/>
+          </a:fillRef>
+          <a:effectRef idx="0">
+            <a:scrgbClr r="0" g="0" b="0"/>
+          </a:effectRef>
+          <a:fontRef idx="minor">
+            <a:schemeClr val="tx1"/>
+          </a:fontRef>
+        </p:style>
+      </p:cxnSp>
+      <p:cxnSp>
+        <p:nvCxnSpPr>
+          <p:cNvPr id="30" name="Conector recto de flecha 29">
+            <a:extLst>
+              <a:ext uri="{FF2B5EF4-FFF2-40B4-BE49-F238E27FC236}">
+                <a16:creationId xmlns:a16="http://schemas.microsoft.com/office/drawing/2014/main" id="{392C12C9-A987-EE02-4E79-173447EFB052}"/>
+              </a:ext>
+            </a:extLst>
+          </p:cNvPr>
+          <p:cNvCxnSpPr>
+            <a:cxnSpLocks/>
+          </p:cNvCxnSpPr>
+          <p:nvPr/>
+        </p:nvCxnSpPr>
+        <p:spPr>
+          <a:xfrm>
+            <a:off x="3714751" y="1244233"/>
+            <a:ext cx="2513790" cy="1508492"/>
+          </a:xfrm>
+          <a:prstGeom prst="straightConnector1">
+            <a:avLst/>
+          </a:prstGeom>
+          <a:ln w="19050" cap="flat" cmpd="sng" algn="ctr">
+            <a:solidFill>
+              <a:srgbClr val="FF0000"/>
+            </a:solidFill>
+            <a:prstDash val="solid"/>
+            <a:round/>
+            <a:headEnd type="none" w="med" len="med"/>
+            <a:tailEnd type="arrow" w="med" len="med"/>
+          </a:ln>
+        </p:spPr>
+        <p:style>
+          <a:lnRef idx="0">
+            <a:scrgbClr r="0" g="0" b="0"/>
+          </a:lnRef>
+          <a:fillRef idx="0">
+            <a:scrgbClr r="0" g="0" b="0"/>
+          </a:fillRef>
+          <a:effectRef idx="0">
+            <a:scrgbClr r="0" g="0" b="0"/>
+          </a:effectRef>
+          <a:fontRef idx="minor">
+            <a:schemeClr val="tx1"/>
+          </a:fontRef>
+        </p:style>
+      </p:cxnSp>
+      <p:sp>
+        <p:nvSpPr>
+          <p:cNvPr id="31" name="Rectángulo: esquinas redondeadas 30">
+            <a:extLst>
+              <a:ext uri="{FF2B5EF4-FFF2-40B4-BE49-F238E27FC236}">
+                <a16:creationId xmlns:a16="http://schemas.microsoft.com/office/drawing/2014/main" id="{EF70A906-3374-828A-B935-92CCFCD7B130}"/>
+              </a:ext>
+            </a:extLst>
+          </p:cNvPr>
+          <p:cNvSpPr/>
+          <p:nvPr/>
+        </p:nvSpPr>
+        <p:spPr>
+          <a:xfrm>
+            <a:off x="8550419" y="5835364"/>
+            <a:ext cx="1991360" cy="792480"/>
+          </a:xfrm>
+          <a:prstGeom prst="roundRect">
+            <a:avLst/>
+          </a:prstGeom>
+          <a:solidFill>
+            <a:srgbClr val="F1FAFF"/>
+          </a:solidFill>
+          <a:ln>
+            <a:solidFill>
+              <a:srgbClr val="FF0000"/>
+            </a:solidFill>
+          </a:ln>
+        </p:spPr>
+        <p:style>
+          <a:lnRef idx="2">
+            <a:schemeClr val="accent1">
+              <a:shade val="15000"/>
+            </a:schemeClr>
+          </a:lnRef>
+          <a:fillRef idx="1">
+            <a:schemeClr val="accent1"/>
+          </a:fillRef>
+          <a:effectRef idx="0">
+            <a:schemeClr val="accent1"/>
+          </a:effectRef>
+          <a:fontRef idx="minor">
+            <a:schemeClr val="lt1"/>
+          </a:fontRef>
+        </p:style>
+        <p:txBody>
+          <a:bodyPr rtlCol="0" anchor="ctr"/>
+          <a:lstStyle/>
+          <a:p>
+            <a:pPr algn="ctr"/>
+            <a:r>
+              <a:rPr lang="es-HN" sz="1200" dirty="0">
+                <a:solidFill>
+                  <a:srgbClr val="00825A"/>
+                </a:solidFill>
+              </a:rPr>
+              <a:t>Este botón realiza la acción de buscar.</a:t>
+            </a:r>
+          </a:p>
+        </p:txBody>
+      </p:sp>
+      <p:cxnSp>
+        <p:nvCxnSpPr>
+          <p:cNvPr id="32" name="Conector recto de flecha 31">
+            <a:extLst>
+              <a:ext uri="{FF2B5EF4-FFF2-40B4-BE49-F238E27FC236}">
+                <a16:creationId xmlns:a16="http://schemas.microsoft.com/office/drawing/2014/main" id="{50F59F4F-5CC6-DE26-FF21-233F1F2B2850}"/>
+              </a:ext>
+            </a:extLst>
+          </p:cNvPr>
+          <p:cNvCxnSpPr>
+            <a:cxnSpLocks/>
+            <a:stCxn id="31" idx="0"/>
+          </p:cNvCxnSpPr>
+          <p:nvPr/>
+        </p:nvCxnSpPr>
+        <p:spPr>
+          <a:xfrm flipV="1">
+            <a:off x="9546099" y="2953812"/>
+            <a:ext cx="321801" cy="2881552"/>
+          </a:xfrm>
+          <a:prstGeom prst="straightConnector1">
+            <a:avLst/>
+          </a:prstGeom>
+          <a:ln w="19050" cap="flat" cmpd="sng" algn="ctr">
+            <a:solidFill>
+              <a:srgbClr val="FF0000"/>
+            </a:solidFill>
+            <a:prstDash val="solid"/>
+            <a:round/>
+            <a:headEnd type="none" w="med" len="med"/>
+            <a:tailEnd type="arrow" w="med" len="med"/>
+          </a:ln>
+        </p:spPr>
+        <p:style>
+          <a:lnRef idx="0">
+            <a:scrgbClr r="0" g="0" b="0"/>
+          </a:lnRef>
+          <a:fillRef idx="0">
+            <a:scrgbClr r="0" g="0" b="0"/>
+          </a:fillRef>
+          <a:effectRef idx="0">
+            <a:scrgbClr r="0" g="0" b="0"/>
+          </a:effectRef>
+          <a:fontRef idx="minor">
+            <a:schemeClr val="tx1"/>
+          </a:fontRef>
+        </p:style>
+      </p:cxnSp>
+      <p:sp>
+        <p:nvSpPr>
+          <p:cNvPr id="21" name="Rectángulo: esquinas redondeadas 20">
+            <a:extLst>
+              <a:ext uri="{FF2B5EF4-FFF2-40B4-BE49-F238E27FC236}">
+                <a16:creationId xmlns:a16="http://schemas.microsoft.com/office/drawing/2014/main" id="{A4F54FAE-1BBF-5FFF-83AA-7E5652A51D55}"/>
+              </a:ext>
+            </a:extLst>
+          </p:cNvPr>
+          <p:cNvSpPr/>
+          <p:nvPr/>
+        </p:nvSpPr>
+        <p:spPr>
+          <a:xfrm>
+            <a:off x="2187272" y="5930614"/>
+            <a:ext cx="1991360" cy="792480"/>
+          </a:xfrm>
+          <a:prstGeom prst="roundRect">
+            <a:avLst/>
+          </a:prstGeom>
+          <a:solidFill>
+            <a:srgbClr val="F1FAFF"/>
+          </a:solidFill>
+          <a:ln>
+            <a:solidFill>
+              <a:srgbClr val="FF0000"/>
+            </a:solidFill>
+          </a:ln>
+        </p:spPr>
+        <p:style>
+          <a:lnRef idx="2">
+            <a:schemeClr val="accent1">
+              <a:shade val="15000"/>
+            </a:schemeClr>
+          </a:lnRef>
+          <a:fillRef idx="1">
+            <a:schemeClr val="accent1"/>
+          </a:fillRef>
+          <a:effectRef idx="0">
+            <a:schemeClr val="accent1"/>
+          </a:effectRef>
+          <a:fontRef idx="minor">
+            <a:schemeClr val="lt1"/>
+          </a:fontRef>
+        </p:style>
+        <p:txBody>
+          <a:bodyPr rtlCol="0" anchor="ctr"/>
+          <a:lstStyle/>
+          <a:p>
+            <a:pPr algn="ctr"/>
+            <a:r>
+              <a:rPr lang="es-HN" sz="1200" dirty="0">
+                <a:solidFill>
+                  <a:srgbClr val="00825A"/>
+                </a:solidFill>
+              </a:rPr>
+              <a:t>Esta tabla muestra los resultados de la búsqueda.</a:t>
+            </a:r>
+          </a:p>
+        </p:txBody>
+      </p:sp>
+      <p:cxnSp>
+        <p:nvCxnSpPr>
+          <p:cNvPr id="22" name="Conector recto de flecha 21">
+            <a:extLst>
+              <a:ext uri="{FF2B5EF4-FFF2-40B4-BE49-F238E27FC236}">
+                <a16:creationId xmlns:a16="http://schemas.microsoft.com/office/drawing/2014/main" id="{85C5DBFF-8F13-F72E-CE34-C9A9556AA1B2}"/>
+              </a:ext>
+            </a:extLst>
+          </p:cNvPr>
+          <p:cNvCxnSpPr>
+            <a:cxnSpLocks/>
+            <a:stCxn id="21" idx="0"/>
+          </p:cNvCxnSpPr>
+          <p:nvPr/>
+        </p:nvCxnSpPr>
+        <p:spPr>
+          <a:xfrm flipV="1">
+            <a:off x="3182952" y="4219575"/>
+            <a:ext cx="2444738" cy="1711039"/>
+          </a:xfrm>
+          <a:prstGeom prst="straightConnector1">
+            <a:avLst/>
+          </a:prstGeom>
+          <a:ln w="19050" cap="flat" cmpd="sng" algn="ctr">
+            <a:solidFill>
+              <a:srgbClr val="FF0000"/>
+            </a:solidFill>
+            <a:prstDash val="solid"/>
+            <a:round/>
+            <a:headEnd type="none" w="med" len="med"/>
+            <a:tailEnd type="arrow" w="med" len="med"/>
+          </a:ln>
+        </p:spPr>
+        <p:style>
+          <a:lnRef idx="0">
+            <a:scrgbClr r="0" g="0" b="0"/>
+          </a:lnRef>
+          <a:fillRef idx="0">
+            <a:scrgbClr r="0" g="0" b="0"/>
+          </a:fillRef>
+          <a:effectRef idx="0">
+            <a:scrgbClr r="0" g="0" b="0"/>
+          </a:effectRef>
+          <a:fontRef idx="minor">
+            <a:schemeClr val="tx1"/>
+          </a:fontRef>
+        </p:style>
+      </p:cxnSp>
+    </p:spTree>
+    <p:extLst>
+      <p:ext uri="{BB962C8B-B14F-4D97-AF65-F5344CB8AC3E}">
+        <p14:creationId xmlns:p14="http://schemas.microsoft.com/office/powerpoint/2010/main" val="1402559374"/>
+      </p:ext>
+    </p:extLst>
+  </p:cSld>
+  <p:clrMapOvr>
+    <a:masterClrMapping/>
+  </p:clrMapOvr>
+</p:sld>
+</file>
+
+<file path=ppt/slides/slide16.xml><?xml version="1.0" encoding="utf-8"?>
+<p:sld xmlns:a="http://schemas.openxmlformats.org/drawingml/2006/main" xmlns:r="http://schemas.openxmlformats.org/officeDocument/2006/relationships" xmlns:p="http://schemas.openxmlformats.org/presentationml/2006/main">
+  <p:cSld>
+    <p:bg>
+      <p:bgPr>
+        <a:solidFill>
+          <a:srgbClr val="00825A"/>
+        </a:solidFill>
+        <a:effectLst/>
+      </p:bgPr>
+    </p:bg>
+    <p:spTree>
+      <p:nvGrpSpPr>
+        <p:cNvPr id="1" name="">
+          <a:extLst>
+            <a:ext uri="{FF2B5EF4-FFF2-40B4-BE49-F238E27FC236}">
+              <a16:creationId xmlns:a16="http://schemas.microsoft.com/office/drawing/2014/main" id="{36A5D40F-CFBC-E0A6-49D4-0F4D8B2AC578}"/>
+            </a:ext>
+          </a:extLst>
+        </p:cNvPr>
+        <p:cNvGrpSpPr/>
+        <p:nvPr/>
+      </p:nvGrpSpPr>
+      <p:grpSpPr>
+        <a:xfrm>
+          <a:off x="0" y="0"/>
+          <a:ext cx="0" cy="0"/>
+          <a:chOff x="0" y="0"/>
+          <a:chExt cx="0" cy="0"/>
+        </a:xfrm>
+      </p:grpSpPr>
+      <p:pic>
+        <p:nvPicPr>
+          <p:cNvPr id="3" name="Imagen 2">
+            <a:extLst>
+              <a:ext uri="{FF2B5EF4-FFF2-40B4-BE49-F238E27FC236}">
+                <a16:creationId xmlns:a16="http://schemas.microsoft.com/office/drawing/2014/main" id="{812A3DC0-C76B-5E38-FF5E-999DC56EE740}"/>
+              </a:ext>
+            </a:extLst>
+          </p:cNvPr>
+          <p:cNvPicPr>
+            <a:picLocks noChangeAspect="1"/>
+          </p:cNvPicPr>
+          <p:nvPr/>
+        </p:nvPicPr>
+        <p:blipFill>
+          <a:blip r:embed="rId2"/>
+          <a:stretch>
+            <a:fillRect/>
+          </a:stretch>
+        </p:blipFill>
+        <p:spPr>
+          <a:xfrm>
+            <a:off x="4022442" y="1174498"/>
+            <a:ext cx="6639852" cy="4359528"/>
+          </a:xfrm>
+          <a:prstGeom prst="rect">
+            <a:avLst/>
+          </a:prstGeom>
+        </p:spPr>
+      </p:pic>
+      <p:sp>
+        <p:nvSpPr>
+          <p:cNvPr id="7" name="Flecha: pentágono 6">
+            <a:extLst>
+              <a:ext uri="{FF2B5EF4-FFF2-40B4-BE49-F238E27FC236}">
+                <a16:creationId xmlns:a16="http://schemas.microsoft.com/office/drawing/2014/main" id="{BAD767B7-D8B0-CBDB-DE4D-89F44223A0AF}"/>
+              </a:ext>
+            </a:extLst>
+          </p:cNvPr>
+          <p:cNvSpPr/>
+          <p:nvPr/>
+        </p:nvSpPr>
+        <p:spPr>
+          <a:xfrm>
+            <a:off x="104775" y="1891401"/>
+            <a:ext cx="3609976" cy="2826514"/>
+          </a:xfrm>
+          <a:prstGeom prst="homePlate">
+            <a:avLst/>
+          </a:prstGeom>
+          <a:solidFill>
+            <a:srgbClr val="F1FAFF"/>
+          </a:solidFill>
+          <a:ln>
+            <a:solidFill>
+              <a:srgbClr val="FF0000"/>
+            </a:solidFill>
+          </a:ln>
+        </p:spPr>
+        <p:style>
+          <a:lnRef idx="2">
+            <a:schemeClr val="accent1">
+              <a:shade val="15000"/>
+            </a:schemeClr>
+          </a:lnRef>
+          <a:fillRef idx="1">
+            <a:schemeClr val="accent1"/>
+          </a:fillRef>
+          <a:effectRef idx="0">
+            <a:schemeClr val="accent1"/>
+          </a:effectRef>
+          <a:fontRef idx="minor">
+            <a:schemeClr val="lt1"/>
+          </a:fontRef>
+        </p:style>
+        <p:txBody>
+          <a:bodyPr rtlCol="0" anchor="ctr"/>
+          <a:lstStyle/>
+          <a:p>
+            <a:pPr algn="ctr"/>
+            <a:r>
+              <a:rPr lang="es-MX" sz="4000" dirty="0">
+                <a:solidFill>
+                  <a:srgbClr val="00825A"/>
+                </a:solidFill>
+              </a:rPr>
+              <a:t>Consulta Materias</a:t>
+            </a:r>
+            <a:endParaRPr lang="es-HN" sz="4000" dirty="0">
+              <a:solidFill>
+                <a:srgbClr val="00825A"/>
+              </a:solidFill>
+            </a:endParaRPr>
+          </a:p>
+        </p:txBody>
+      </p:sp>
+      <p:sp>
+        <p:nvSpPr>
+          <p:cNvPr id="10" name="Rectángulo: esquinas redondeadas 9">
+            <a:extLst>
+              <a:ext uri="{FF2B5EF4-FFF2-40B4-BE49-F238E27FC236}">
+                <a16:creationId xmlns:a16="http://schemas.microsoft.com/office/drawing/2014/main" id="{FE99C2F8-740A-4D6A-9E06-14E32DD41634}"/>
+              </a:ext>
+            </a:extLst>
+          </p:cNvPr>
+          <p:cNvSpPr/>
+          <p:nvPr/>
+        </p:nvSpPr>
+        <p:spPr>
+          <a:xfrm>
+            <a:off x="8892772" y="125381"/>
+            <a:ext cx="2527703" cy="897255"/>
+          </a:xfrm>
+          <a:prstGeom prst="roundRect">
+            <a:avLst/>
+          </a:prstGeom>
+          <a:solidFill>
+            <a:srgbClr val="F1FAFF"/>
+          </a:solidFill>
+          <a:ln>
+            <a:solidFill>
+              <a:srgbClr val="FF0000"/>
+            </a:solidFill>
+          </a:ln>
+        </p:spPr>
+        <p:style>
+          <a:lnRef idx="2">
+            <a:schemeClr val="accent1">
+              <a:shade val="15000"/>
+            </a:schemeClr>
+          </a:lnRef>
+          <a:fillRef idx="1">
+            <a:schemeClr val="accent1"/>
+          </a:fillRef>
+          <a:effectRef idx="0">
+            <a:schemeClr val="accent1"/>
+          </a:effectRef>
+          <a:fontRef idx="minor">
+            <a:schemeClr val="lt1"/>
+          </a:fontRef>
+        </p:style>
+        <p:txBody>
+          <a:bodyPr rtlCol="0" anchor="ctr"/>
+          <a:lstStyle/>
+          <a:p>
+            <a:pPr marL="0" marR="0" lvl="0" indent="0" algn="ctr" defTabSz="914400" rtl="0" eaLnBrk="1" fontAlgn="auto" latinLnBrk="0" hangingPunct="1">
+              <a:lnSpc>
+                <a:spcPct val="100000"/>
+              </a:lnSpc>
+              <a:spcBef>
+                <a:spcPts val="0"/>
+              </a:spcBef>
+              <a:spcAft>
+                <a:spcPts val="0"/>
+              </a:spcAft>
+              <a:buClrTx/>
+              <a:buSzTx/>
+              <a:buFontTx/>
+              <a:buNone/>
+              <a:tabLst/>
+              <a:defRPr/>
+            </a:pPr>
+            <a:r>
+              <a:rPr kumimoji="0" lang="es-HN" sz="1200" b="0" i="0" u="none" strike="noStrike" kern="1200" cap="none" spc="0" normalizeH="0" baseline="0" noProof="0" dirty="0" err="1">
+                <a:ln>
+                  <a:noFill/>
+                </a:ln>
+                <a:solidFill>
+                  <a:srgbClr val="00825A"/>
+                </a:solidFill>
+                <a:effectLst/>
+                <a:uLnTx/>
+                <a:uFillTx/>
+                <a:latin typeface="Aptos" panose="02110004020202020204"/>
+                <a:ea typeface="+mn-ea"/>
+                <a:cs typeface="+mn-cs"/>
+              </a:rPr>
+              <a:t>Est</a:t>
+            </a:r>
+            <a:r>
+              <a:rPr lang="es-HN" sz="1200" dirty="0">
+                <a:solidFill>
+                  <a:srgbClr val="00825A"/>
+                </a:solidFill>
+                <a:latin typeface="Aptos" panose="02110004020202020204"/>
+              </a:rPr>
+              <a:t>a caja de texto permite filtrar por (ID, NOMBRE,  ACTIVOS, INACTIVOS)</a:t>
+            </a:r>
+            <a:endParaRPr kumimoji="0" lang="es-HN" sz="1200" b="0" i="0" u="none" strike="noStrike" kern="1200" cap="none" spc="0" normalizeH="0" baseline="0" noProof="0" dirty="0">
+              <a:ln>
+                <a:noFill/>
+              </a:ln>
+              <a:solidFill>
+                <a:srgbClr val="00825A"/>
+              </a:solidFill>
+              <a:effectLst/>
+              <a:uLnTx/>
+              <a:uFillTx/>
+              <a:latin typeface="Aptos" panose="02110004020202020204"/>
+              <a:ea typeface="+mn-ea"/>
+              <a:cs typeface="+mn-cs"/>
+            </a:endParaRPr>
+          </a:p>
+        </p:txBody>
+      </p:sp>
+      <p:sp>
+        <p:nvSpPr>
+          <p:cNvPr id="20" name="Rectángulo: esquinas redondeadas 19">
+            <a:extLst>
+              <a:ext uri="{FF2B5EF4-FFF2-40B4-BE49-F238E27FC236}">
+                <a16:creationId xmlns:a16="http://schemas.microsoft.com/office/drawing/2014/main" id="{801E555B-E652-52F6-0347-C3B54EF6EC80}"/>
+              </a:ext>
+            </a:extLst>
+          </p:cNvPr>
+          <p:cNvSpPr/>
+          <p:nvPr/>
+        </p:nvSpPr>
+        <p:spPr>
+          <a:xfrm>
+            <a:off x="1587277" y="385783"/>
+            <a:ext cx="2206099" cy="897255"/>
+          </a:xfrm>
+          <a:prstGeom prst="roundRect">
+            <a:avLst/>
+          </a:prstGeom>
+          <a:solidFill>
+            <a:srgbClr val="F1FAFF"/>
+          </a:solidFill>
+          <a:ln>
+            <a:solidFill>
+              <a:srgbClr val="FF0000"/>
+            </a:solidFill>
+          </a:ln>
+        </p:spPr>
+        <p:style>
+          <a:lnRef idx="2">
+            <a:schemeClr val="accent1">
+              <a:shade val="15000"/>
+            </a:schemeClr>
+          </a:lnRef>
+          <a:fillRef idx="1">
+            <a:schemeClr val="accent1"/>
+          </a:fillRef>
+          <a:effectRef idx="0">
+            <a:schemeClr val="accent1"/>
+          </a:effectRef>
+          <a:fontRef idx="minor">
+            <a:schemeClr val="lt1"/>
+          </a:fontRef>
+        </p:style>
+        <p:txBody>
+          <a:bodyPr rtlCol="0" anchor="ctr"/>
+          <a:lstStyle/>
+          <a:p>
+            <a:pPr marL="0" marR="0" lvl="0" indent="0" algn="ctr" defTabSz="914400" rtl="0" eaLnBrk="1" fontAlgn="auto" latinLnBrk="0" hangingPunct="1">
+              <a:lnSpc>
+                <a:spcPct val="100000"/>
+              </a:lnSpc>
+              <a:spcBef>
+                <a:spcPts val="0"/>
+              </a:spcBef>
+              <a:spcAft>
+                <a:spcPts val="0"/>
+              </a:spcAft>
+              <a:buClrTx/>
+              <a:buSzTx/>
+              <a:buFontTx/>
+              <a:buNone/>
+              <a:tabLst/>
+              <a:defRPr/>
+            </a:pPr>
+            <a:r>
+              <a:rPr kumimoji="0" lang="es-HN" sz="1200" b="0" i="0" u="none" strike="noStrike" kern="1200" cap="none" spc="0" normalizeH="0" baseline="0" noProof="0" dirty="0">
+                <a:ln>
+                  <a:noFill/>
+                </a:ln>
+                <a:solidFill>
+                  <a:srgbClr val="00825A"/>
+                </a:solidFill>
+                <a:effectLst/>
+                <a:uLnTx/>
+                <a:uFillTx/>
+                <a:latin typeface="Aptos" panose="02110004020202020204"/>
+                <a:ea typeface="+mn-ea"/>
+                <a:cs typeface="+mn-cs"/>
+              </a:rPr>
+              <a:t>Esta caja de texto permite ingresar el dato de búsqueda en especifico.</a:t>
+            </a:r>
+          </a:p>
+        </p:txBody>
+      </p:sp>
+      <p:cxnSp>
+        <p:nvCxnSpPr>
+          <p:cNvPr id="11" name="Conector recto de flecha 10">
+            <a:extLst>
+              <a:ext uri="{FF2B5EF4-FFF2-40B4-BE49-F238E27FC236}">
+                <a16:creationId xmlns:a16="http://schemas.microsoft.com/office/drawing/2014/main" id="{110124AA-DB25-689C-FB6A-F9601737907C}"/>
+              </a:ext>
+            </a:extLst>
+          </p:cNvPr>
+          <p:cNvCxnSpPr>
+            <a:cxnSpLocks/>
+          </p:cNvCxnSpPr>
+          <p:nvPr/>
+        </p:nvCxnSpPr>
+        <p:spPr>
+          <a:xfrm flipH="1">
+            <a:off x="8791575" y="1022636"/>
+            <a:ext cx="323242" cy="1730089"/>
+          </a:xfrm>
+          <a:prstGeom prst="straightConnector1">
+            <a:avLst/>
+          </a:prstGeom>
+          <a:ln w="19050" cap="flat" cmpd="sng" algn="ctr">
+            <a:solidFill>
+              <a:srgbClr val="FF0000"/>
+            </a:solidFill>
+            <a:prstDash val="solid"/>
+            <a:round/>
+            <a:headEnd type="none" w="med" len="med"/>
+            <a:tailEnd type="arrow" w="med" len="med"/>
+          </a:ln>
+        </p:spPr>
+        <p:style>
+          <a:lnRef idx="0">
+            <a:scrgbClr r="0" g="0" b="0"/>
+          </a:lnRef>
+          <a:fillRef idx="0">
+            <a:scrgbClr r="0" g="0" b="0"/>
+          </a:fillRef>
+          <a:effectRef idx="0">
+            <a:scrgbClr r="0" g="0" b="0"/>
+          </a:effectRef>
+          <a:fontRef idx="minor">
+            <a:schemeClr val="tx1"/>
+          </a:fontRef>
+        </p:style>
+      </p:cxnSp>
+      <p:cxnSp>
+        <p:nvCxnSpPr>
+          <p:cNvPr id="30" name="Conector recto de flecha 29">
+            <a:extLst>
+              <a:ext uri="{FF2B5EF4-FFF2-40B4-BE49-F238E27FC236}">
+                <a16:creationId xmlns:a16="http://schemas.microsoft.com/office/drawing/2014/main" id="{1F8DCC40-B84E-DAF1-63BD-397B94952830}"/>
+              </a:ext>
+            </a:extLst>
+          </p:cNvPr>
+          <p:cNvCxnSpPr>
+            <a:cxnSpLocks/>
+          </p:cNvCxnSpPr>
+          <p:nvPr/>
+        </p:nvCxnSpPr>
+        <p:spPr>
+          <a:xfrm>
+            <a:off x="3714751" y="1244233"/>
+            <a:ext cx="2513790" cy="1508492"/>
+          </a:xfrm>
+          <a:prstGeom prst="straightConnector1">
+            <a:avLst/>
+          </a:prstGeom>
+          <a:ln w="19050" cap="flat" cmpd="sng" algn="ctr">
+            <a:solidFill>
+              <a:srgbClr val="FF0000"/>
+            </a:solidFill>
+            <a:prstDash val="solid"/>
+            <a:round/>
+            <a:headEnd type="none" w="med" len="med"/>
+            <a:tailEnd type="arrow" w="med" len="med"/>
+          </a:ln>
+        </p:spPr>
+        <p:style>
+          <a:lnRef idx="0">
+            <a:scrgbClr r="0" g="0" b="0"/>
+          </a:lnRef>
+          <a:fillRef idx="0">
+            <a:scrgbClr r="0" g="0" b="0"/>
+          </a:fillRef>
+          <a:effectRef idx="0">
+            <a:scrgbClr r="0" g="0" b="0"/>
+          </a:effectRef>
+          <a:fontRef idx="minor">
+            <a:schemeClr val="tx1"/>
+          </a:fontRef>
+        </p:style>
+      </p:cxnSp>
+      <p:sp>
+        <p:nvSpPr>
+          <p:cNvPr id="31" name="Rectángulo: esquinas redondeadas 30">
+            <a:extLst>
+              <a:ext uri="{FF2B5EF4-FFF2-40B4-BE49-F238E27FC236}">
+                <a16:creationId xmlns:a16="http://schemas.microsoft.com/office/drawing/2014/main" id="{C90F708F-7CAF-211B-2DC6-D4E38141A236}"/>
+              </a:ext>
+            </a:extLst>
+          </p:cNvPr>
+          <p:cNvSpPr/>
+          <p:nvPr/>
+        </p:nvSpPr>
+        <p:spPr>
+          <a:xfrm>
+            <a:off x="8550419" y="5835364"/>
+            <a:ext cx="1991360" cy="792480"/>
+          </a:xfrm>
+          <a:prstGeom prst="roundRect">
+            <a:avLst/>
+          </a:prstGeom>
+          <a:solidFill>
+            <a:srgbClr val="F1FAFF"/>
+          </a:solidFill>
+          <a:ln>
+            <a:solidFill>
+              <a:srgbClr val="FF0000"/>
+            </a:solidFill>
+          </a:ln>
+        </p:spPr>
+        <p:style>
+          <a:lnRef idx="2">
+            <a:schemeClr val="accent1">
+              <a:shade val="15000"/>
+            </a:schemeClr>
+          </a:lnRef>
+          <a:fillRef idx="1">
+            <a:schemeClr val="accent1"/>
+          </a:fillRef>
+          <a:effectRef idx="0">
+            <a:schemeClr val="accent1"/>
+          </a:effectRef>
+          <a:fontRef idx="minor">
+            <a:schemeClr val="lt1"/>
+          </a:fontRef>
+        </p:style>
+        <p:txBody>
+          <a:bodyPr rtlCol="0" anchor="ctr"/>
+          <a:lstStyle/>
+          <a:p>
+            <a:pPr algn="ctr"/>
+            <a:r>
+              <a:rPr lang="es-HN" sz="1200" dirty="0">
+                <a:solidFill>
+                  <a:srgbClr val="00825A"/>
+                </a:solidFill>
+              </a:rPr>
+              <a:t>Este botón realiza la acción de buscar.</a:t>
+            </a:r>
+          </a:p>
+        </p:txBody>
+      </p:sp>
+      <p:cxnSp>
+        <p:nvCxnSpPr>
+          <p:cNvPr id="32" name="Conector recto de flecha 31">
+            <a:extLst>
+              <a:ext uri="{FF2B5EF4-FFF2-40B4-BE49-F238E27FC236}">
+                <a16:creationId xmlns:a16="http://schemas.microsoft.com/office/drawing/2014/main" id="{1F2B1491-2B49-19B2-1DC5-FDAB6D2EAC4F}"/>
+              </a:ext>
+            </a:extLst>
+          </p:cNvPr>
+          <p:cNvCxnSpPr>
+            <a:cxnSpLocks/>
+            <a:stCxn id="31" idx="0"/>
+          </p:cNvCxnSpPr>
+          <p:nvPr/>
+        </p:nvCxnSpPr>
+        <p:spPr>
+          <a:xfrm flipV="1">
+            <a:off x="9546099" y="2953812"/>
+            <a:ext cx="321801" cy="2881552"/>
+          </a:xfrm>
+          <a:prstGeom prst="straightConnector1">
+            <a:avLst/>
+          </a:prstGeom>
+          <a:ln w="19050" cap="flat" cmpd="sng" algn="ctr">
+            <a:solidFill>
+              <a:srgbClr val="FF0000"/>
+            </a:solidFill>
+            <a:prstDash val="solid"/>
+            <a:round/>
+            <a:headEnd type="none" w="med" len="med"/>
+            <a:tailEnd type="arrow" w="med" len="med"/>
+          </a:ln>
+        </p:spPr>
+        <p:style>
+          <a:lnRef idx="0">
+            <a:scrgbClr r="0" g="0" b="0"/>
+          </a:lnRef>
+          <a:fillRef idx="0">
+            <a:scrgbClr r="0" g="0" b="0"/>
+          </a:fillRef>
+          <a:effectRef idx="0">
+            <a:scrgbClr r="0" g="0" b="0"/>
+          </a:effectRef>
+          <a:fontRef idx="minor">
+            <a:schemeClr val="tx1"/>
+          </a:fontRef>
+        </p:style>
+      </p:cxnSp>
+      <p:sp>
+        <p:nvSpPr>
+          <p:cNvPr id="21" name="Rectángulo: esquinas redondeadas 20">
+            <a:extLst>
+              <a:ext uri="{FF2B5EF4-FFF2-40B4-BE49-F238E27FC236}">
+                <a16:creationId xmlns:a16="http://schemas.microsoft.com/office/drawing/2014/main" id="{21AD9E34-B8DD-E9A7-8736-EE1CABCE9484}"/>
+              </a:ext>
+            </a:extLst>
+          </p:cNvPr>
+          <p:cNvSpPr/>
+          <p:nvPr/>
+        </p:nvSpPr>
+        <p:spPr>
+          <a:xfrm>
+            <a:off x="2187272" y="5930614"/>
+            <a:ext cx="1991360" cy="792480"/>
+          </a:xfrm>
+          <a:prstGeom prst="roundRect">
+            <a:avLst/>
+          </a:prstGeom>
+          <a:solidFill>
+            <a:srgbClr val="F1FAFF"/>
+          </a:solidFill>
+          <a:ln>
+            <a:solidFill>
+              <a:srgbClr val="FF0000"/>
+            </a:solidFill>
+          </a:ln>
+        </p:spPr>
+        <p:style>
+          <a:lnRef idx="2">
+            <a:schemeClr val="accent1">
+              <a:shade val="15000"/>
+            </a:schemeClr>
+          </a:lnRef>
+          <a:fillRef idx="1">
+            <a:schemeClr val="accent1"/>
+          </a:fillRef>
+          <a:effectRef idx="0">
+            <a:schemeClr val="accent1"/>
+          </a:effectRef>
+          <a:fontRef idx="minor">
+            <a:schemeClr val="lt1"/>
+          </a:fontRef>
+        </p:style>
+        <p:txBody>
+          <a:bodyPr rtlCol="0" anchor="ctr"/>
+          <a:lstStyle/>
+          <a:p>
+            <a:pPr algn="ctr"/>
+            <a:r>
+              <a:rPr lang="es-HN" sz="1200" dirty="0">
+                <a:solidFill>
+                  <a:srgbClr val="00825A"/>
+                </a:solidFill>
+              </a:rPr>
+              <a:t>Esta tabla muestra los resultados de la búsqueda.</a:t>
+            </a:r>
+          </a:p>
+        </p:txBody>
+      </p:sp>
+      <p:cxnSp>
+        <p:nvCxnSpPr>
+          <p:cNvPr id="22" name="Conector recto de flecha 21">
+            <a:extLst>
+              <a:ext uri="{FF2B5EF4-FFF2-40B4-BE49-F238E27FC236}">
+                <a16:creationId xmlns:a16="http://schemas.microsoft.com/office/drawing/2014/main" id="{A3B11F73-DF55-2F0C-1B1E-02781B3CC5E8}"/>
+              </a:ext>
+            </a:extLst>
+          </p:cNvPr>
+          <p:cNvCxnSpPr>
+            <a:cxnSpLocks/>
+            <a:stCxn id="21" idx="0"/>
+          </p:cNvCxnSpPr>
+          <p:nvPr/>
+        </p:nvCxnSpPr>
+        <p:spPr>
+          <a:xfrm flipV="1">
+            <a:off x="3182952" y="4219575"/>
+            <a:ext cx="2444738" cy="1711039"/>
+          </a:xfrm>
+          <a:prstGeom prst="straightConnector1">
+            <a:avLst/>
+          </a:prstGeom>
+          <a:ln w="19050" cap="flat" cmpd="sng" algn="ctr">
+            <a:solidFill>
+              <a:srgbClr val="FF0000"/>
+            </a:solidFill>
+            <a:prstDash val="solid"/>
+            <a:round/>
+            <a:headEnd type="none" w="med" len="med"/>
+            <a:tailEnd type="arrow" w="med" len="med"/>
+          </a:ln>
+        </p:spPr>
+        <p:style>
+          <a:lnRef idx="0">
+            <a:scrgbClr r="0" g="0" b="0"/>
+          </a:lnRef>
+          <a:fillRef idx="0">
+            <a:scrgbClr r="0" g="0" b="0"/>
+          </a:fillRef>
+          <a:effectRef idx="0">
+            <a:scrgbClr r="0" g="0" b="0"/>
+          </a:effectRef>
+          <a:fontRef idx="minor">
+            <a:schemeClr val="tx1"/>
+          </a:fontRef>
+        </p:style>
+      </p:cxnSp>
+    </p:spTree>
+    <p:extLst>
+      <p:ext uri="{BB962C8B-B14F-4D97-AF65-F5344CB8AC3E}">
+        <p14:creationId xmlns:p14="http://schemas.microsoft.com/office/powerpoint/2010/main" val="2819139164"/>
+      </p:ext>
+    </p:extLst>
+  </p:cSld>
+  <p:clrMapOvr>
+    <a:masterClrMapping/>
+  </p:clrMapOvr>
+</p:sld>
+</file>
+
+<file path=ppt/slides/slide17.xml><?xml version="1.0" encoding="utf-8"?>
+<p:sld xmlns:a="http://schemas.openxmlformats.org/drawingml/2006/main" xmlns:r="http://schemas.openxmlformats.org/officeDocument/2006/relationships" xmlns:p="http://schemas.openxmlformats.org/presentationml/2006/main">
+  <p:cSld>
+    <p:bg>
+      <p:bgPr>
+        <a:solidFill>
+          <a:srgbClr val="00825A"/>
+        </a:solidFill>
+        <a:effectLst/>
+      </p:bgPr>
+    </p:bg>
+    <p:spTree>
+      <p:nvGrpSpPr>
+        <p:cNvPr id="1" name="">
+          <a:extLst>
+            <a:ext uri="{FF2B5EF4-FFF2-40B4-BE49-F238E27FC236}">
+              <a16:creationId xmlns:a16="http://schemas.microsoft.com/office/drawing/2014/main" id="{13B34E78-A403-BC9C-2636-23D354422DD1}"/>
+            </a:ext>
+          </a:extLst>
+        </p:cNvPr>
+        <p:cNvGrpSpPr/>
+        <p:nvPr/>
+      </p:nvGrpSpPr>
+      <p:grpSpPr>
+        <a:xfrm>
+          <a:off x="0" y="0"/>
+          <a:ext cx="0" cy="0"/>
+          <a:chOff x="0" y="0"/>
+          <a:chExt cx="0" cy="0"/>
+        </a:xfrm>
+      </p:grpSpPr>
+      <p:pic>
+        <p:nvPicPr>
+          <p:cNvPr id="5" name="Imagen 4">
+            <a:extLst>
+              <a:ext uri="{FF2B5EF4-FFF2-40B4-BE49-F238E27FC236}">
+                <a16:creationId xmlns:a16="http://schemas.microsoft.com/office/drawing/2014/main" id="{863EB4CB-AC98-33C2-6FD0-2E4ABB96E794}"/>
+              </a:ext>
+            </a:extLst>
+          </p:cNvPr>
+          <p:cNvPicPr>
+            <a:picLocks noChangeAspect="1"/>
+          </p:cNvPicPr>
+          <p:nvPr/>
+        </p:nvPicPr>
+        <p:blipFill>
+          <a:blip r:embed="rId2"/>
+          <a:stretch>
+            <a:fillRect/>
+          </a:stretch>
+        </p:blipFill>
+        <p:spPr>
+          <a:xfrm>
+            <a:off x="4021641" y="1109202"/>
+            <a:ext cx="6706536" cy="4574302"/>
+          </a:xfrm>
+          <a:prstGeom prst="rect">
+            <a:avLst/>
+          </a:prstGeom>
+        </p:spPr>
+      </p:pic>
+      <p:sp>
+        <p:nvSpPr>
+          <p:cNvPr id="7" name="Flecha: pentágono 6">
+            <a:extLst>
+              <a:ext uri="{FF2B5EF4-FFF2-40B4-BE49-F238E27FC236}">
+                <a16:creationId xmlns:a16="http://schemas.microsoft.com/office/drawing/2014/main" id="{56DBD2FA-4654-AD97-2EFD-B2CC273F2880}"/>
+              </a:ext>
+            </a:extLst>
+          </p:cNvPr>
+          <p:cNvSpPr/>
+          <p:nvPr/>
+        </p:nvSpPr>
+        <p:spPr>
+          <a:xfrm>
+            <a:off x="104775" y="1891401"/>
+            <a:ext cx="3609976" cy="2826514"/>
+          </a:xfrm>
+          <a:prstGeom prst="homePlate">
+            <a:avLst/>
+          </a:prstGeom>
+          <a:solidFill>
+            <a:srgbClr val="F1FAFF"/>
+          </a:solidFill>
+          <a:ln>
+            <a:solidFill>
+              <a:srgbClr val="FF0000"/>
+            </a:solidFill>
+          </a:ln>
+        </p:spPr>
+        <p:style>
+          <a:lnRef idx="2">
+            <a:schemeClr val="accent1">
+              <a:shade val="15000"/>
+            </a:schemeClr>
+          </a:lnRef>
+          <a:fillRef idx="1">
+            <a:schemeClr val="accent1"/>
+          </a:fillRef>
+          <a:effectRef idx="0">
+            <a:schemeClr val="accent1"/>
+          </a:effectRef>
+          <a:fontRef idx="minor">
+            <a:schemeClr val="lt1"/>
+          </a:fontRef>
+        </p:style>
+        <p:txBody>
+          <a:bodyPr rtlCol="0" anchor="ctr"/>
+          <a:lstStyle/>
+          <a:p>
+            <a:pPr algn="ctr"/>
+            <a:r>
+              <a:rPr lang="es-MX" sz="4000" dirty="0">
+                <a:solidFill>
+                  <a:srgbClr val="00825A"/>
+                </a:solidFill>
+              </a:rPr>
+              <a:t>Consulta Profesores</a:t>
+            </a:r>
+            <a:endParaRPr lang="es-HN" sz="4000" dirty="0">
+              <a:solidFill>
+                <a:srgbClr val="00825A"/>
+              </a:solidFill>
+            </a:endParaRPr>
+          </a:p>
+        </p:txBody>
+      </p:sp>
+      <p:sp>
+        <p:nvSpPr>
+          <p:cNvPr id="10" name="Rectángulo: esquinas redondeadas 9">
+            <a:extLst>
+              <a:ext uri="{FF2B5EF4-FFF2-40B4-BE49-F238E27FC236}">
+                <a16:creationId xmlns:a16="http://schemas.microsoft.com/office/drawing/2014/main" id="{E6EBDD46-E1A3-2113-D385-B31C4857005D}"/>
+              </a:ext>
+            </a:extLst>
+          </p:cNvPr>
+          <p:cNvSpPr/>
+          <p:nvPr/>
+        </p:nvSpPr>
+        <p:spPr>
+          <a:xfrm>
+            <a:off x="8892772" y="125381"/>
+            <a:ext cx="2527703" cy="897255"/>
+          </a:xfrm>
+          <a:prstGeom prst="roundRect">
+            <a:avLst/>
+          </a:prstGeom>
+          <a:solidFill>
+            <a:srgbClr val="F1FAFF"/>
+          </a:solidFill>
+          <a:ln>
+            <a:solidFill>
+              <a:srgbClr val="FF0000"/>
+            </a:solidFill>
+          </a:ln>
+        </p:spPr>
+        <p:style>
+          <a:lnRef idx="2">
+            <a:schemeClr val="accent1">
+              <a:shade val="15000"/>
+            </a:schemeClr>
+          </a:lnRef>
+          <a:fillRef idx="1">
+            <a:schemeClr val="accent1"/>
+          </a:fillRef>
+          <a:effectRef idx="0">
+            <a:schemeClr val="accent1"/>
+          </a:effectRef>
+          <a:fontRef idx="minor">
+            <a:schemeClr val="lt1"/>
+          </a:fontRef>
+        </p:style>
+        <p:txBody>
+          <a:bodyPr rtlCol="0" anchor="ctr"/>
+          <a:lstStyle/>
+          <a:p>
+            <a:pPr marL="0" marR="0" lvl="0" indent="0" algn="ctr" defTabSz="914400" rtl="0" eaLnBrk="1" fontAlgn="auto" latinLnBrk="0" hangingPunct="1">
+              <a:lnSpc>
+                <a:spcPct val="100000"/>
+              </a:lnSpc>
+              <a:spcBef>
+                <a:spcPts val="0"/>
+              </a:spcBef>
+              <a:spcAft>
+                <a:spcPts val="0"/>
+              </a:spcAft>
+              <a:buClrTx/>
+              <a:buSzTx/>
+              <a:buFontTx/>
+              <a:buNone/>
+              <a:tabLst/>
+              <a:defRPr/>
+            </a:pPr>
+            <a:r>
+              <a:rPr kumimoji="0" lang="es-HN" sz="1200" b="0" i="0" u="none" strike="noStrike" kern="1200" cap="none" spc="0" normalizeH="0" baseline="0" noProof="0" dirty="0" err="1">
+                <a:ln>
+                  <a:noFill/>
+                </a:ln>
+                <a:solidFill>
+                  <a:srgbClr val="00825A"/>
+                </a:solidFill>
+                <a:effectLst/>
+                <a:uLnTx/>
+                <a:uFillTx/>
+                <a:latin typeface="Aptos" panose="02110004020202020204"/>
+                <a:ea typeface="+mn-ea"/>
+                <a:cs typeface="+mn-cs"/>
+              </a:rPr>
+              <a:t>Est</a:t>
+            </a:r>
+            <a:r>
+              <a:rPr lang="es-HN" sz="1200" dirty="0">
+                <a:solidFill>
+                  <a:srgbClr val="00825A"/>
+                </a:solidFill>
+                <a:latin typeface="Aptos" panose="02110004020202020204"/>
+              </a:rPr>
+              <a:t>a caja de texto permite filtrar por (ID, NOMBRE , GENERO, NUMERO DE IDENTIDAD, ACTIVOS, INACTIVOS)</a:t>
+            </a:r>
+            <a:endParaRPr kumimoji="0" lang="es-HN" sz="1200" b="0" i="0" u="none" strike="noStrike" kern="1200" cap="none" spc="0" normalizeH="0" baseline="0" noProof="0" dirty="0">
+              <a:ln>
+                <a:noFill/>
+              </a:ln>
+              <a:solidFill>
+                <a:srgbClr val="00825A"/>
+              </a:solidFill>
+              <a:effectLst/>
+              <a:uLnTx/>
+              <a:uFillTx/>
+              <a:latin typeface="Aptos" panose="02110004020202020204"/>
+              <a:ea typeface="+mn-ea"/>
+              <a:cs typeface="+mn-cs"/>
+            </a:endParaRPr>
+          </a:p>
+        </p:txBody>
+      </p:sp>
+      <p:sp>
+        <p:nvSpPr>
+          <p:cNvPr id="20" name="Rectángulo: esquinas redondeadas 19">
+            <a:extLst>
+              <a:ext uri="{FF2B5EF4-FFF2-40B4-BE49-F238E27FC236}">
+                <a16:creationId xmlns:a16="http://schemas.microsoft.com/office/drawing/2014/main" id="{3A558F8E-77BB-2E12-7D26-B30973E9956B}"/>
+              </a:ext>
+            </a:extLst>
+          </p:cNvPr>
+          <p:cNvSpPr/>
+          <p:nvPr/>
+        </p:nvSpPr>
+        <p:spPr>
+          <a:xfrm>
+            <a:off x="1587277" y="385783"/>
+            <a:ext cx="2206099" cy="897255"/>
+          </a:xfrm>
+          <a:prstGeom prst="roundRect">
+            <a:avLst/>
+          </a:prstGeom>
+          <a:solidFill>
+            <a:srgbClr val="F1FAFF"/>
+          </a:solidFill>
+          <a:ln>
+            <a:solidFill>
+              <a:srgbClr val="FF0000"/>
+            </a:solidFill>
+          </a:ln>
+        </p:spPr>
+        <p:style>
+          <a:lnRef idx="2">
+            <a:schemeClr val="accent1">
+              <a:shade val="15000"/>
+            </a:schemeClr>
+          </a:lnRef>
+          <a:fillRef idx="1">
+            <a:schemeClr val="accent1"/>
+          </a:fillRef>
+          <a:effectRef idx="0">
+            <a:schemeClr val="accent1"/>
+          </a:effectRef>
+          <a:fontRef idx="minor">
+            <a:schemeClr val="lt1"/>
+          </a:fontRef>
+        </p:style>
+        <p:txBody>
+          <a:bodyPr rtlCol="0" anchor="ctr"/>
+          <a:lstStyle/>
+          <a:p>
+            <a:pPr marL="0" marR="0" lvl="0" indent="0" algn="ctr" defTabSz="914400" rtl="0" eaLnBrk="1" fontAlgn="auto" latinLnBrk="0" hangingPunct="1">
+              <a:lnSpc>
+                <a:spcPct val="100000"/>
+              </a:lnSpc>
+              <a:spcBef>
+                <a:spcPts val="0"/>
+              </a:spcBef>
+              <a:spcAft>
+                <a:spcPts val="0"/>
+              </a:spcAft>
+              <a:buClrTx/>
+              <a:buSzTx/>
+              <a:buFontTx/>
+              <a:buNone/>
+              <a:tabLst/>
+              <a:defRPr/>
+            </a:pPr>
+            <a:r>
+              <a:rPr kumimoji="0" lang="es-HN" sz="1200" b="0" i="0" u="none" strike="noStrike" kern="1200" cap="none" spc="0" normalizeH="0" baseline="0" noProof="0" dirty="0">
+                <a:ln>
+                  <a:noFill/>
+                </a:ln>
+                <a:solidFill>
+                  <a:srgbClr val="00825A"/>
+                </a:solidFill>
+                <a:effectLst/>
+                <a:uLnTx/>
+                <a:uFillTx/>
+                <a:latin typeface="Aptos" panose="02110004020202020204"/>
+                <a:ea typeface="+mn-ea"/>
+                <a:cs typeface="+mn-cs"/>
+              </a:rPr>
+              <a:t>Esta caja de texto permite ingresar el dato de búsqueda en especifico.</a:t>
+            </a:r>
+          </a:p>
+        </p:txBody>
+      </p:sp>
+      <p:cxnSp>
+        <p:nvCxnSpPr>
+          <p:cNvPr id="11" name="Conector recto de flecha 10">
+            <a:extLst>
+              <a:ext uri="{FF2B5EF4-FFF2-40B4-BE49-F238E27FC236}">
+                <a16:creationId xmlns:a16="http://schemas.microsoft.com/office/drawing/2014/main" id="{659B0F1C-A52A-B807-F479-502CE5CD9973}"/>
+              </a:ext>
+            </a:extLst>
+          </p:cNvPr>
+          <p:cNvCxnSpPr>
+            <a:cxnSpLocks/>
+          </p:cNvCxnSpPr>
+          <p:nvPr/>
+        </p:nvCxnSpPr>
+        <p:spPr>
+          <a:xfrm flipH="1">
+            <a:off x="8892772" y="1022636"/>
+            <a:ext cx="222045" cy="1623287"/>
+          </a:xfrm>
+          <a:prstGeom prst="straightConnector1">
+            <a:avLst/>
+          </a:prstGeom>
+          <a:ln w="19050" cap="flat" cmpd="sng" algn="ctr">
+            <a:solidFill>
+              <a:srgbClr val="FF0000"/>
+            </a:solidFill>
+            <a:prstDash val="solid"/>
+            <a:round/>
+            <a:headEnd type="none" w="med" len="med"/>
+            <a:tailEnd type="arrow" w="med" len="med"/>
+          </a:ln>
+        </p:spPr>
+        <p:style>
+          <a:lnRef idx="0">
+            <a:scrgbClr r="0" g="0" b="0"/>
+          </a:lnRef>
+          <a:fillRef idx="0">
+            <a:scrgbClr r="0" g="0" b="0"/>
+          </a:fillRef>
+          <a:effectRef idx="0">
+            <a:scrgbClr r="0" g="0" b="0"/>
+          </a:effectRef>
+          <a:fontRef idx="minor">
+            <a:schemeClr val="tx1"/>
+          </a:fontRef>
+        </p:style>
+      </p:cxnSp>
+      <p:cxnSp>
+        <p:nvCxnSpPr>
+          <p:cNvPr id="30" name="Conector recto de flecha 29">
+            <a:extLst>
+              <a:ext uri="{FF2B5EF4-FFF2-40B4-BE49-F238E27FC236}">
+                <a16:creationId xmlns:a16="http://schemas.microsoft.com/office/drawing/2014/main" id="{427E72E5-D125-B706-3D6F-FE81AD25590A}"/>
+              </a:ext>
+            </a:extLst>
+          </p:cNvPr>
+          <p:cNvCxnSpPr>
+            <a:cxnSpLocks/>
+          </p:cNvCxnSpPr>
+          <p:nvPr/>
+        </p:nvCxnSpPr>
+        <p:spPr>
+          <a:xfrm>
+            <a:off x="3714751" y="1244233"/>
+            <a:ext cx="2513790" cy="1508492"/>
+          </a:xfrm>
+          <a:prstGeom prst="straightConnector1">
+            <a:avLst/>
+          </a:prstGeom>
+          <a:ln w="19050" cap="flat" cmpd="sng" algn="ctr">
+            <a:solidFill>
+              <a:srgbClr val="FF0000"/>
+            </a:solidFill>
+            <a:prstDash val="solid"/>
+            <a:round/>
+            <a:headEnd type="none" w="med" len="med"/>
+            <a:tailEnd type="arrow" w="med" len="med"/>
+          </a:ln>
+        </p:spPr>
+        <p:style>
+          <a:lnRef idx="0">
+            <a:scrgbClr r="0" g="0" b="0"/>
+          </a:lnRef>
+          <a:fillRef idx="0">
+            <a:scrgbClr r="0" g="0" b="0"/>
+          </a:fillRef>
+          <a:effectRef idx="0">
+            <a:scrgbClr r="0" g="0" b="0"/>
+          </a:effectRef>
+          <a:fontRef idx="minor">
+            <a:schemeClr val="tx1"/>
+          </a:fontRef>
+        </p:style>
+      </p:cxnSp>
+      <p:sp>
+        <p:nvSpPr>
+          <p:cNvPr id="31" name="Rectángulo: esquinas redondeadas 30">
+            <a:extLst>
+              <a:ext uri="{FF2B5EF4-FFF2-40B4-BE49-F238E27FC236}">
+                <a16:creationId xmlns:a16="http://schemas.microsoft.com/office/drawing/2014/main" id="{C3E0C58E-662D-3751-A9B7-FA73C59CB864}"/>
+              </a:ext>
+            </a:extLst>
+          </p:cNvPr>
+          <p:cNvSpPr/>
+          <p:nvPr/>
+        </p:nvSpPr>
+        <p:spPr>
+          <a:xfrm>
+            <a:off x="8550419" y="5835364"/>
+            <a:ext cx="1991360" cy="792480"/>
+          </a:xfrm>
+          <a:prstGeom prst="roundRect">
+            <a:avLst/>
+          </a:prstGeom>
+          <a:solidFill>
+            <a:srgbClr val="F1FAFF"/>
+          </a:solidFill>
+          <a:ln>
+            <a:solidFill>
+              <a:srgbClr val="FF0000"/>
+            </a:solidFill>
+          </a:ln>
+        </p:spPr>
+        <p:style>
+          <a:lnRef idx="2">
+            <a:schemeClr val="accent1">
+              <a:shade val="15000"/>
+            </a:schemeClr>
+          </a:lnRef>
+          <a:fillRef idx="1">
+            <a:schemeClr val="accent1"/>
+          </a:fillRef>
+          <a:effectRef idx="0">
+            <a:schemeClr val="accent1"/>
+          </a:effectRef>
+          <a:fontRef idx="minor">
+            <a:schemeClr val="lt1"/>
+          </a:fontRef>
+        </p:style>
+        <p:txBody>
+          <a:bodyPr rtlCol="0" anchor="ctr"/>
+          <a:lstStyle/>
+          <a:p>
+            <a:pPr algn="ctr"/>
+            <a:r>
+              <a:rPr lang="es-HN" sz="1200" dirty="0">
+                <a:solidFill>
+                  <a:srgbClr val="00825A"/>
+                </a:solidFill>
+              </a:rPr>
+              <a:t>Este botón realiza la acción de buscar.</a:t>
+            </a:r>
+          </a:p>
+        </p:txBody>
+      </p:sp>
+      <p:cxnSp>
+        <p:nvCxnSpPr>
+          <p:cNvPr id="32" name="Conector recto de flecha 31">
+            <a:extLst>
+              <a:ext uri="{FF2B5EF4-FFF2-40B4-BE49-F238E27FC236}">
+                <a16:creationId xmlns:a16="http://schemas.microsoft.com/office/drawing/2014/main" id="{04BEA71D-C160-44B9-735C-116A7D6E10CB}"/>
+              </a:ext>
+            </a:extLst>
+          </p:cNvPr>
+          <p:cNvCxnSpPr>
+            <a:cxnSpLocks/>
+            <a:stCxn id="31" idx="0"/>
+          </p:cNvCxnSpPr>
+          <p:nvPr/>
+        </p:nvCxnSpPr>
+        <p:spPr>
+          <a:xfrm flipV="1">
+            <a:off x="9546099" y="2953812"/>
+            <a:ext cx="321801" cy="2881552"/>
+          </a:xfrm>
+          <a:prstGeom prst="straightConnector1">
+            <a:avLst/>
+          </a:prstGeom>
+          <a:ln w="19050" cap="flat" cmpd="sng" algn="ctr">
+            <a:solidFill>
+              <a:srgbClr val="FF0000"/>
+            </a:solidFill>
+            <a:prstDash val="solid"/>
+            <a:round/>
+            <a:headEnd type="none" w="med" len="med"/>
+            <a:tailEnd type="arrow" w="med" len="med"/>
+          </a:ln>
+        </p:spPr>
+        <p:style>
+          <a:lnRef idx="0">
+            <a:scrgbClr r="0" g="0" b="0"/>
+          </a:lnRef>
+          <a:fillRef idx="0">
+            <a:scrgbClr r="0" g="0" b="0"/>
+          </a:fillRef>
+          <a:effectRef idx="0">
+            <a:scrgbClr r="0" g="0" b="0"/>
+          </a:effectRef>
+          <a:fontRef idx="minor">
+            <a:schemeClr val="tx1"/>
+          </a:fontRef>
+        </p:style>
+      </p:cxnSp>
+      <p:sp>
+        <p:nvSpPr>
+          <p:cNvPr id="21" name="Rectángulo: esquinas redondeadas 20">
+            <a:extLst>
+              <a:ext uri="{FF2B5EF4-FFF2-40B4-BE49-F238E27FC236}">
+                <a16:creationId xmlns:a16="http://schemas.microsoft.com/office/drawing/2014/main" id="{2E9D08C5-ECD3-5B3A-D0DA-14E8A6A45500}"/>
+              </a:ext>
+            </a:extLst>
+          </p:cNvPr>
+          <p:cNvSpPr/>
+          <p:nvPr/>
+        </p:nvSpPr>
+        <p:spPr>
+          <a:xfrm>
+            <a:off x="2187272" y="5930614"/>
+            <a:ext cx="1991360" cy="792480"/>
+          </a:xfrm>
+          <a:prstGeom prst="roundRect">
+            <a:avLst/>
+          </a:prstGeom>
+          <a:solidFill>
+            <a:srgbClr val="F1FAFF"/>
+          </a:solidFill>
+          <a:ln>
+            <a:solidFill>
+              <a:srgbClr val="FF0000"/>
+            </a:solidFill>
+          </a:ln>
+        </p:spPr>
+        <p:style>
+          <a:lnRef idx="2">
+            <a:schemeClr val="accent1">
+              <a:shade val="15000"/>
+            </a:schemeClr>
+          </a:lnRef>
+          <a:fillRef idx="1">
+            <a:schemeClr val="accent1"/>
+          </a:fillRef>
+          <a:effectRef idx="0">
+            <a:schemeClr val="accent1"/>
+          </a:effectRef>
+          <a:fontRef idx="minor">
+            <a:schemeClr val="lt1"/>
+          </a:fontRef>
+        </p:style>
+        <p:txBody>
+          <a:bodyPr rtlCol="0" anchor="ctr"/>
+          <a:lstStyle/>
+          <a:p>
+            <a:pPr algn="ctr"/>
+            <a:r>
+              <a:rPr lang="es-HN" sz="1200" dirty="0">
+                <a:solidFill>
+                  <a:srgbClr val="00825A"/>
+                </a:solidFill>
+              </a:rPr>
+              <a:t>Esta tabla muestra los resultados de la búsqueda.</a:t>
+            </a:r>
+          </a:p>
+        </p:txBody>
+      </p:sp>
+      <p:cxnSp>
+        <p:nvCxnSpPr>
+          <p:cNvPr id="22" name="Conector recto de flecha 21">
+            <a:extLst>
+              <a:ext uri="{FF2B5EF4-FFF2-40B4-BE49-F238E27FC236}">
+                <a16:creationId xmlns:a16="http://schemas.microsoft.com/office/drawing/2014/main" id="{813CB563-A44A-5965-D37F-C1A7B27FA09F}"/>
+              </a:ext>
+            </a:extLst>
+          </p:cNvPr>
+          <p:cNvCxnSpPr>
+            <a:cxnSpLocks/>
+            <a:stCxn id="21" idx="0"/>
+          </p:cNvCxnSpPr>
+          <p:nvPr/>
+        </p:nvCxnSpPr>
+        <p:spPr>
+          <a:xfrm flipV="1">
+            <a:off x="3182952" y="4219575"/>
+            <a:ext cx="2444738" cy="1711039"/>
+          </a:xfrm>
+          <a:prstGeom prst="straightConnector1">
+            <a:avLst/>
+          </a:prstGeom>
+          <a:ln w="19050" cap="flat" cmpd="sng" algn="ctr">
+            <a:solidFill>
+              <a:srgbClr val="FF0000"/>
+            </a:solidFill>
+            <a:prstDash val="solid"/>
+            <a:round/>
+            <a:headEnd type="none" w="med" len="med"/>
+            <a:tailEnd type="arrow" w="med" len="med"/>
+          </a:ln>
+        </p:spPr>
+        <p:style>
+          <a:lnRef idx="0">
+            <a:scrgbClr r="0" g="0" b="0"/>
+          </a:lnRef>
+          <a:fillRef idx="0">
+            <a:scrgbClr r="0" g="0" b="0"/>
+          </a:fillRef>
+          <a:effectRef idx="0">
+            <a:scrgbClr r="0" g="0" b="0"/>
+          </a:effectRef>
+          <a:fontRef idx="minor">
+            <a:schemeClr val="tx1"/>
+          </a:fontRef>
+        </p:style>
+      </p:cxnSp>
+    </p:spTree>
+    <p:extLst>
+      <p:ext uri="{BB962C8B-B14F-4D97-AF65-F5344CB8AC3E}">
+        <p14:creationId xmlns:p14="http://schemas.microsoft.com/office/powerpoint/2010/main" val="2462248336"/>
+      </p:ext>
+    </p:extLst>
+  </p:cSld>
+  <p:clrMapOvr>
+    <a:masterClrMapping/>
+  </p:clrMapOvr>
+</p:sld>
+</file>
+
+<file path=ppt/slides/slide18.xml><?xml version="1.0" encoding="utf-8"?>
+<p:sld xmlns:a="http://schemas.openxmlformats.org/drawingml/2006/main" xmlns:r="http://schemas.openxmlformats.org/officeDocument/2006/relationships" xmlns:p="http://schemas.openxmlformats.org/presentationml/2006/main">
+  <p:cSld>
+    <p:bg>
+      <p:bgPr>
+        <a:solidFill>
+          <a:srgbClr val="00825A"/>
+        </a:solidFill>
+        <a:effectLst/>
+      </p:bgPr>
+    </p:bg>
+    <p:spTree>
+      <p:nvGrpSpPr>
+        <p:cNvPr id="1" name="">
+          <a:extLst>
+            <a:ext uri="{FF2B5EF4-FFF2-40B4-BE49-F238E27FC236}">
+              <a16:creationId xmlns:a16="http://schemas.microsoft.com/office/drawing/2014/main" id="{4465514C-951D-18F1-76BC-9991CA26E558}"/>
+            </a:ext>
+          </a:extLst>
+        </p:cNvPr>
+        <p:cNvGrpSpPr/>
+        <p:nvPr/>
+      </p:nvGrpSpPr>
+      <p:grpSpPr>
+        <a:xfrm>
+          <a:off x="0" y="0"/>
+          <a:ext cx="0" cy="0"/>
+          <a:chOff x="0" y="0"/>
+          <a:chExt cx="0" cy="0"/>
+        </a:xfrm>
+      </p:grpSpPr>
+      <p:pic>
+        <p:nvPicPr>
+          <p:cNvPr id="3" name="Imagen 2">
+            <a:extLst>
+              <a:ext uri="{FF2B5EF4-FFF2-40B4-BE49-F238E27FC236}">
+                <a16:creationId xmlns:a16="http://schemas.microsoft.com/office/drawing/2014/main" id="{25BA5E4C-66C4-37D2-EB6A-D1167D67261F}"/>
+              </a:ext>
+            </a:extLst>
+          </p:cNvPr>
+          <p:cNvPicPr>
+            <a:picLocks noChangeAspect="1"/>
+          </p:cNvPicPr>
+          <p:nvPr/>
+        </p:nvPicPr>
+        <p:blipFill>
+          <a:blip r:embed="rId2"/>
+          <a:stretch>
+            <a:fillRect/>
+          </a:stretch>
+        </p:blipFill>
+        <p:spPr>
+          <a:xfrm>
+            <a:off x="4021641" y="1091215"/>
+            <a:ext cx="6717651" cy="4744150"/>
+          </a:xfrm>
+          <a:prstGeom prst="rect">
+            <a:avLst/>
+          </a:prstGeom>
+        </p:spPr>
+      </p:pic>
+      <p:sp>
+        <p:nvSpPr>
+          <p:cNvPr id="7" name="Flecha: pentágono 6">
+            <a:extLst>
+              <a:ext uri="{FF2B5EF4-FFF2-40B4-BE49-F238E27FC236}">
+                <a16:creationId xmlns:a16="http://schemas.microsoft.com/office/drawing/2014/main" id="{5EEC9ACA-8A94-BACD-3D2D-6607E500BDD0}"/>
+              </a:ext>
+            </a:extLst>
+          </p:cNvPr>
+          <p:cNvSpPr/>
+          <p:nvPr/>
+        </p:nvSpPr>
+        <p:spPr>
+          <a:xfrm>
+            <a:off x="103232" y="1891401"/>
+            <a:ext cx="3611519" cy="2826514"/>
+          </a:xfrm>
+          <a:prstGeom prst="homePlate">
+            <a:avLst/>
+          </a:prstGeom>
+          <a:solidFill>
+            <a:srgbClr val="F1FAFF"/>
+          </a:solidFill>
+          <a:ln>
+            <a:solidFill>
+              <a:srgbClr val="FF0000"/>
+            </a:solidFill>
+          </a:ln>
+        </p:spPr>
+        <p:style>
+          <a:lnRef idx="2">
+            <a:schemeClr val="accent1">
+              <a:shade val="15000"/>
+            </a:schemeClr>
+          </a:lnRef>
+          <a:fillRef idx="1">
+            <a:schemeClr val="accent1"/>
+          </a:fillRef>
+          <a:effectRef idx="0">
+            <a:schemeClr val="accent1"/>
+          </a:effectRef>
+          <a:fontRef idx="minor">
+            <a:schemeClr val="lt1"/>
+          </a:fontRef>
+        </p:style>
+        <p:txBody>
+          <a:bodyPr rtlCol="0" anchor="ctr"/>
+          <a:lstStyle/>
+          <a:p>
+            <a:pPr algn="ctr"/>
+            <a:r>
+              <a:rPr lang="es-MX" sz="3460" dirty="0">
+                <a:solidFill>
+                  <a:srgbClr val="00825A"/>
+                </a:solidFill>
+              </a:rPr>
+              <a:t>Consulta Calificaciones</a:t>
+            </a:r>
+            <a:endParaRPr lang="es-HN" sz="3460" dirty="0">
+              <a:solidFill>
+                <a:srgbClr val="00825A"/>
+              </a:solidFill>
+            </a:endParaRPr>
+          </a:p>
+        </p:txBody>
+      </p:sp>
+      <p:sp>
+        <p:nvSpPr>
+          <p:cNvPr id="10" name="Rectángulo: esquinas redondeadas 9">
+            <a:extLst>
+              <a:ext uri="{FF2B5EF4-FFF2-40B4-BE49-F238E27FC236}">
+                <a16:creationId xmlns:a16="http://schemas.microsoft.com/office/drawing/2014/main" id="{121DD474-8F25-048B-82D7-614EFDB25A42}"/>
+              </a:ext>
+            </a:extLst>
+          </p:cNvPr>
+          <p:cNvSpPr/>
+          <p:nvPr/>
+        </p:nvSpPr>
+        <p:spPr>
+          <a:xfrm>
+            <a:off x="5940022" y="98711"/>
+            <a:ext cx="2527703" cy="897255"/>
+          </a:xfrm>
+          <a:prstGeom prst="roundRect">
+            <a:avLst/>
+          </a:prstGeom>
+          <a:solidFill>
+            <a:srgbClr val="F1FAFF"/>
+          </a:solidFill>
+          <a:ln>
+            <a:solidFill>
+              <a:srgbClr val="FF0000"/>
+            </a:solidFill>
+          </a:ln>
+        </p:spPr>
+        <p:style>
+          <a:lnRef idx="2">
+            <a:schemeClr val="accent1">
+              <a:shade val="15000"/>
+            </a:schemeClr>
+          </a:lnRef>
+          <a:fillRef idx="1">
+            <a:schemeClr val="accent1"/>
+          </a:fillRef>
+          <a:effectRef idx="0">
+            <a:schemeClr val="accent1"/>
+          </a:effectRef>
+          <a:fontRef idx="minor">
+            <a:schemeClr val="lt1"/>
+          </a:fontRef>
+        </p:style>
+        <p:txBody>
+          <a:bodyPr rtlCol="0" anchor="ctr"/>
+          <a:lstStyle/>
+          <a:p>
+            <a:pPr marL="0" marR="0" lvl="0" indent="0" algn="ctr" defTabSz="914400" rtl="0" eaLnBrk="1" fontAlgn="auto" latinLnBrk="0" hangingPunct="1">
+              <a:lnSpc>
+                <a:spcPct val="100000"/>
+              </a:lnSpc>
+              <a:spcBef>
+                <a:spcPts val="0"/>
+              </a:spcBef>
+              <a:spcAft>
+                <a:spcPts val="0"/>
+              </a:spcAft>
+              <a:buClrTx/>
+              <a:buSzTx/>
+              <a:buFontTx/>
+              <a:buNone/>
+              <a:tabLst/>
+              <a:defRPr/>
+            </a:pPr>
+            <a:r>
+              <a:rPr kumimoji="0" lang="es-HN" sz="1200" b="0" i="0" u="none" strike="noStrike" kern="1200" cap="none" spc="0" normalizeH="0" baseline="0" noProof="0" dirty="0" err="1">
+                <a:ln>
+                  <a:noFill/>
+                </a:ln>
+                <a:solidFill>
+                  <a:srgbClr val="00825A"/>
+                </a:solidFill>
+                <a:effectLst/>
+                <a:uLnTx/>
+                <a:uFillTx/>
+                <a:latin typeface="Aptos" panose="02110004020202020204"/>
+                <a:ea typeface="+mn-ea"/>
+                <a:cs typeface="+mn-cs"/>
+              </a:rPr>
+              <a:t>Est</a:t>
+            </a:r>
+            <a:r>
+              <a:rPr lang="es-HN" sz="1200" dirty="0">
+                <a:solidFill>
+                  <a:srgbClr val="00825A"/>
+                </a:solidFill>
+                <a:latin typeface="Aptos" panose="02110004020202020204"/>
+              </a:rPr>
+              <a:t>a caja de texto permite filtrar por las materias de ese grado en especifico.</a:t>
+            </a:r>
+            <a:endParaRPr kumimoji="0" lang="es-HN" sz="1200" b="0" i="0" u="none" strike="noStrike" kern="1200" cap="none" spc="0" normalizeH="0" baseline="0" noProof="0" dirty="0">
+              <a:ln>
+                <a:noFill/>
+              </a:ln>
+              <a:solidFill>
+                <a:srgbClr val="00825A"/>
+              </a:solidFill>
+              <a:effectLst/>
+              <a:uLnTx/>
+              <a:uFillTx/>
+              <a:latin typeface="Aptos" panose="02110004020202020204"/>
+              <a:ea typeface="+mn-ea"/>
+              <a:cs typeface="+mn-cs"/>
+            </a:endParaRPr>
+          </a:p>
+        </p:txBody>
+      </p:sp>
+      <p:sp>
+        <p:nvSpPr>
+          <p:cNvPr id="20" name="Rectángulo: esquinas redondeadas 19">
+            <a:extLst>
+              <a:ext uri="{FF2B5EF4-FFF2-40B4-BE49-F238E27FC236}">
+                <a16:creationId xmlns:a16="http://schemas.microsoft.com/office/drawing/2014/main" id="{F17CD5A1-B942-4CC6-6B68-C8E5D3A7EE03}"/>
+              </a:ext>
+            </a:extLst>
+          </p:cNvPr>
+          <p:cNvSpPr/>
+          <p:nvPr/>
+        </p:nvSpPr>
+        <p:spPr>
+          <a:xfrm>
+            <a:off x="1587277" y="385783"/>
+            <a:ext cx="2206099" cy="897255"/>
+          </a:xfrm>
+          <a:prstGeom prst="roundRect">
+            <a:avLst/>
+          </a:prstGeom>
+          <a:solidFill>
+            <a:srgbClr val="F1FAFF"/>
+          </a:solidFill>
+          <a:ln>
+            <a:solidFill>
+              <a:srgbClr val="FF0000"/>
+            </a:solidFill>
+          </a:ln>
+        </p:spPr>
+        <p:style>
+          <a:lnRef idx="2">
+            <a:schemeClr val="accent1">
+              <a:shade val="15000"/>
+            </a:schemeClr>
+          </a:lnRef>
+          <a:fillRef idx="1">
+            <a:schemeClr val="accent1"/>
+          </a:fillRef>
+          <a:effectRef idx="0">
+            <a:schemeClr val="accent1"/>
+          </a:effectRef>
+          <a:fontRef idx="minor">
+            <a:schemeClr val="lt1"/>
+          </a:fontRef>
+        </p:style>
+        <p:txBody>
+          <a:bodyPr rtlCol="0" anchor="ctr"/>
+          <a:lstStyle/>
+          <a:p>
+            <a:pPr marL="0" marR="0" lvl="0" indent="0" algn="ctr" defTabSz="914400" rtl="0" eaLnBrk="1" fontAlgn="auto" latinLnBrk="0" hangingPunct="1">
+              <a:lnSpc>
+                <a:spcPct val="100000"/>
+              </a:lnSpc>
+              <a:spcBef>
+                <a:spcPts val="0"/>
+              </a:spcBef>
+              <a:spcAft>
+                <a:spcPts val="0"/>
+              </a:spcAft>
+              <a:buClrTx/>
+              <a:buSzTx/>
+              <a:buFontTx/>
+              <a:buNone/>
+              <a:tabLst/>
+              <a:defRPr/>
+            </a:pPr>
+            <a:r>
+              <a:rPr kumimoji="0" lang="es-HN" sz="1200" b="0" i="0" u="none" strike="noStrike" kern="1200" cap="none" spc="0" normalizeH="0" baseline="0" noProof="0" dirty="0" err="1">
+                <a:ln>
+                  <a:noFill/>
+                </a:ln>
+                <a:solidFill>
+                  <a:srgbClr val="00825A"/>
+                </a:solidFill>
+                <a:effectLst/>
+                <a:uLnTx/>
+                <a:uFillTx/>
+                <a:latin typeface="Aptos" panose="02110004020202020204"/>
+                <a:ea typeface="+mn-ea"/>
+                <a:cs typeface="+mn-cs"/>
+              </a:rPr>
+              <a:t>Est</a:t>
+            </a:r>
+            <a:r>
+              <a:rPr lang="es-HN" sz="1200" dirty="0">
+                <a:solidFill>
+                  <a:srgbClr val="00825A"/>
+                </a:solidFill>
+                <a:latin typeface="Aptos" panose="02110004020202020204"/>
+              </a:rPr>
+              <a:t>a caja de texto permite filtrar por los grados activos.</a:t>
+            </a:r>
+            <a:endParaRPr kumimoji="0" lang="es-HN" sz="1200" b="0" i="0" u="none" strike="noStrike" kern="1200" cap="none" spc="0" normalizeH="0" baseline="0" noProof="0" dirty="0">
+              <a:ln>
+                <a:noFill/>
+              </a:ln>
+              <a:solidFill>
+                <a:srgbClr val="00825A"/>
+              </a:solidFill>
+              <a:effectLst/>
+              <a:uLnTx/>
+              <a:uFillTx/>
+              <a:latin typeface="Aptos" panose="02110004020202020204"/>
+              <a:ea typeface="+mn-ea"/>
+              <a:cs typeface="+mn-cs"/>
+            </a:endParaRPr>
+          </a:p>
+        </p:txBody>
+      </p:sp>
+      <p:cxnSp>
+        <p:nvCxnSpPr>
+          <p:cNvPr id="11" name="Conector recto de flecha 10">
+            <a:extLst>
+              <a:ext uri="{FF2B5EF4-FFF2-40B4-BE49-F238E27FC236}">
+                <a16:creationId xmlns:a16="http://schemas.microsoft.com/office/drawing/2014/main" id="{E82142FF-F8AF-893D-946D-1AA40D1904D8}"/>
+              </a:ext>
+            </a:extLst>
+          </p:cNvPr>
+          <p:cNvCxnSpPr>
+            <a:cxnSpLocks/>
+            <a:stCxn id="10" idx="2"/>
+          </p:cNvCxnSpPr>
+          <p:nvPr/>
+        </p:nvCxnSpPr>
+        <p:spPr>
+          <a:xfrm>
+            <a:off x="7203874" y="995966"/>
+            <a:ext cx="254201" cy="1649957"/>
+          </a:xfrm>
+          <a:prstGeom prst="straightConnector1">
+            <a:avLst/>
+          </a:prstGeom>
+          <a:ln w="19050" cap="flat" cmpd="sng" algn="ctr">
+            <a:solidFill>
+              <a:srgbClr val="FF0000"/>
+            </a:solidFill>
+            <a:prstDash val="solid"/>
+            <a:round/>
+            <a:headEnd type="none" w="med" len="med"/>
+            <a:tailEnd type="arrow" w="med" len="med"/>
+          </a:ln>
+        </p:spPr>
+        <p:style>
+          <a:lnRef idx="0">
+            <a:scrgbClr r="0" g="0" b="0"/>
+          </a:lnRef>
+          <a:fillRef idx="0">
+            <a:scrgbClr r="0" g="0" b="0"/>
+          </a:fillRef>
+          <a:effectRef idx="0">
+            <a:scrgbClr r="0" g="0" b="0"/>
+          </a:effectRef>
+          <a:fontRef idx="minor">
+            <a:schemeClr val="tx1"/>
+          </a:fontRef>
+        </p:style>
+      </p:cxnSp>
+      <p:cxnSp>
+        <p:nvCxnSpPr>
+          <p:cNvPr id="30" name="Conector recto de flecha 29">
+            <a:extLst>
+              <a:ext uri="{FF2B5EF4-FFF2-40B4-BE49-F238E27FC236}">
+                <a16:creationId xmlns:a16="http://schemas.microsoft.com/office/drawing/2014/main" id="{975D5099-C900-C9CC-4B80-FB5C507A7717}"/>
+              </a:ext>
+            </a:extLst>
+          </p:cNvPr>
+          <p:cNvCxnSpPr>
+            <a:cxnSpLocks/>
+          </p:cNvCxnSpPr>
+          <p:nvPr/>
+        </p:nvCxnSpPr>
+        <p:spPr>
+          <a:xfrm>
+            <a:off x="3714751" y="1244233"/>
+            <a:ext cx="1828799" cy="1401690"/>
+          </a:xfrm>
+          <a:prstGeom prst="straightConnector1">
+            <a:avLst/>
+          </a:prstGeom>
+          <a:ln w="19050" cap="flat" cmpd="sng" algn="ctr">
+            <a:solidFill>
+              <a:srgbClr val="FF0000"/>
+            </a:solidFill>
+            <a:prstDash val="solid"/>
+            <a:round/>
+            <a:headEnd type="none" w="med" len="med"/>
+            <a:tailEnd type="arrow" w="med" len="med"/>
+          </a:ln>
+        </p:spPr>
+        <p:style>
+          <a:lnRef idx="0">
+            <a:scrgbClr r="0" g="0" b="0"/>
+          </a:lnRef>
+          <a:fillRef idx="0">
+            <a:scrgbClr r="0" g="0" b="0"/>
+          </a:fillRef>
+          <a:effectRef idx="0">
+            <a:scrgbClr r="0" g="0" b="0"/>
+          </a:effectRef>
+          <a:fontRef idx="minor">
+            <a:schemeClr val="tx1"/>
+          </a:fontRef>
+        </p:style>
+      </p:cxnSp>
+      <p:sp>
+        <p:nvSpPr>
+          <p:cNvPr id="31" name="Rectángulo: esquinas redondeadas 30">
+            <a:extLst>
+              <a:ext uri="{FF2B5EF4-FFF2-40B4-BE49-F238E27FC236}">
+                <a16:creationId xmlns:a16="http://schemas.microsoft.com/office/drawing/2014/main" id="{1FEF5E6D-DC1E-F908-217D-C587411BBEFE}"/>
+              </a:ext>
+            </a:extLst>
+          </p:cNvPr>
+          <p:cNvSpPr/>
+          <p:nvPr/>
+        </p:nvSpPr>
+        <p:spPr>
+          <a:xfrm>
+            <a:off x="8550419" y="5835364"/>
+            <a:ext cx="1991360" cy="792480"/>
+          </a:xfrm>
+          <a:prstGeom prst="roundRect">
+            <a:avLst/>
+          </a:prstGeom>
+          <a:solidFill>
+            <a:srgbClr val="F1FAFF"/>
+          </a:solidFill>
+          <a:ln>
+            <a:solidFill>
+              <a:srgbClr val="FF0000"/>
+            </a:solidFill>
+          </a:ln>
+        </p:spPr>
+        <p:style>
+          <a:lnRef idx="2">
+            <a:schemeClr val="accent1">
+              <a:shade val="15000"/>
+            </a:schemeClr>
+          </a:lnRef>
+          <a:fillRef idx="1">
+            <a:schemeClr val="accent1"/>
+          </a:fillRef>
+          <a:effectRef idx="0">
+            <a:schemeClr val="accent1"/>
+          </a:effectRef>
+          <a:fontRef idx="minor">
+            <a:schemeClr val="lt1"/>
+          </a:fontRef>
+        </p:style>
+        <p:txBody>
+          <a:bodyPr rtlCol="0" anchor="ctr"/>
+          <a:lstStyle/>
+          <a:p>
+            <a:pPr algn="ctr"/>
+            <a:r>
+              <a:rPr lang="es-HN" sz="1200" dirty="0">
+                <a:solidFill>
+                  <a:srgbClr val="00825A"/>
+                </a:solidFill>
+              </a:rPr>
+              <a:t>Este botón realiza la acción de buscar.</a:t>
+            </a:r>
+          </a:p>
+        </p:txBody>
+      </p:sp>
+      <p:cxnSp>
+        <p:nvCxnSpPr>
+          <p:cNvPr id="32" name="Conector recto de flecha 31">
+            <a:extLst>
+              <a:ext uri="{FF2B5EF4-FFF2-40B4-BE49-F238E27FC236}">
+                <a16:creationId xmlns:a16="http://schemas.microsoft.com/office/drawing/2014/main" id="{F9F8D2DE-EA30-0558-B6E0-A375FBE5706B}"/>
+              </a:ext>
+            </a:extLst>
+          </p:cNvPr>
+          <p:cNvCxnSpPr>
+            <a:cxnSpLocks/>
+            <a:stCxn id="31" idx="0"/>
+          </p:cNvCxnSpPr>
+          <p:nvPr/>
+        </p:nvCxnSpPr>
+        <p:spPr>
+          <a:xfrm flipV="1">
+            <a:off x="9546099" y="2847975"/>
+            <a:ext cx="693276" cy="2987389"/>
+          </a:xfrm>
+          <a:prstGeom prst="straightConnector1">
+            <a:avLst/>
+          </a:prstGeom>
+          <a:ln w="19050" cap="flat" cmpd="sng" algn="ctr">
+            <a:solidFill>
+              <a:srgbClr val="FF0000"/>
+            </a:solidFill>
+            <a:prstDash val="solid"/>
+            <a:round/>
+            <a:headEnd type="none" w="med" len="med"/>
+            <a:tailEnd type="arrow" w="med" len="med"/>
+          </a:ln>
+        </p:spPr>
+        <p:style>
+          <a:lnRef idx="0">
+            <a:scrgbClr r="0" g="0" b="0"/>
+          </a:lnRef>
+          <a:fillRef idx="0">
+            <a:scrgbClr r="0" g="0" b="0"/>
+          </a:fillRef>
+          <a:effectRef idx="0">
+            <a:scrgbClr r="0" g="0" b="0"/>
+          </a:effectRef>
+          <a:fontRef idx="minor">
+            <a:schemeClr val="tx1"/>
+          </a:fontRef>
+        </p:style>
+      </p:cxnSp>
+      <p:sp>
+        <p:nvSpPr>
+          <p:cNvPr id="21" name="Rectángulo: esquinas redondeadas 20">
+            <a:extLst>
+              <a:ext uri="{FF2B5EF4-FFF2-40B4-BE49-F238E27FC236}">
+                <a16:creationId xmlns:a16="http://schemas.microsoft.com/office/drawing/2014/main" id="{AAC2D33A-2D6B-BAF0-75AC-3B0891F05B92}"/>
+              </a:ext>
+            </a:extLst>
+          </p:cNvPr>
+          <p:cNvSpPr/>
+          <p:nvPr/>
+        </p:nvSpPr>
+        <p:spPr>
+          <a:xfrm>
+            <a:off x="2187272" y="5930614"/>
+            <a:ext cx="1991360" cy="792480"/>
+          </a:xfrm>
+          <a:prstGeom prst="roundRect">
+            <a:avLst/>
+          </a:prstGeom>
+          <a:solidFill>
+            <a:srgbClr val="F1FAFF"/>
+          </a:solidFill>
+          <a:ln>
+            <a:solidFill>
+              <a:srgbClr val="FF0000"/>
+            </a:solidFill>
+          </a:ln>
+        </p:spPr>
+        <p:style>
+          <a:lnRef idx="2">
+            <a:schemeClr val="accent1">
+              <a:shade val="15000"/>
+            </a:schemeClr>
+          </a:lnRef>
+          <a:fillRef idx="1">
+            <a:schemeClr val="accent1"/>
+          </a:fillRef>
+          <a:effectRef idx="0">
+            <a:schemeClr val="accent1"/>
+          </a:effectRef>
+          <a:fontRef idx="minor">
+            <a:schemeClr val="lt1"/>
+          </a:fontRef>
+        </p:style>
+        <p:txBody>
+          <a:bodyPr rtlCol="0" anchor="ctr"/>
+          <a:lstStyle/>
+          <a:p>
+            <a:pPr algn="ctr"/>
+            <a:r>
+              <a:rPr lang="es-HN" sz="1200" dirty="0">
+                <a:solidFill>
+                  <a:srgbClr val="00825A"/>
+                </a:solidFill>
+              </a:rPr>
+              <a:t>Esta tabla muestra los resultados de la búsqueda.</a:t>
+            </a:r>
+          </a:p>
+        </p:txBody>
+      </p:sp>
+      <p:cxnSp>
+        <p:nvCxnSpPr>
+          <p:cNvPr id="22" name="Conector recto de flecha 21">
+            <a:extLst>
+              <a:ext uri="{FF2B5EF4-FFF2-40B4-BE49-F238E27FC236}">
+                <a16:creationId xmlns:a16="http://schemas.microsoft.com/office/drawing/2014/main" id="{40FF6028-4F7C-2A03-BF4F-8B7C223B884B}"/>
+              </a:ext>
+            </a:extLst>
+          </p:cNvPr>
+          <p:cNvCxnSpPr>
+            <a:cxnSpLocks/>
+            <a:stCxn id="21" idx="0"/>
+          </p:cNvCxnSpPr>
+          <p:nvPr/>
+        </p:nvCxnSpPr>
+        <p:spPr>
+          <a:xfrm flipV="1">
+            <a:off x="3182952" y="4219575"/>
+            <a:ext cx="2444738" cy="1711039"/>
+          </a:xfrm>
+          <a:prstGeom prst="straightConnector1">
+            <a:avLst/>
+          </a:prstGeom>
+          <a:ln w="19050" cap="flat" cmpd="sng" algn="ctr">
+            <a:solidFill>
+              <a:srgbClr val="FF0000"/>
+            </a:solidFill>
+            <a:prstDash val="solid"/>
+            <a:round/>
+            <a:headEnd type="none" w="med" len="med"/>
+            <a:tailEnd type="arrow" w="med" len="med"/>
+          </a:ln>
+        </p:spPr>
+        <p:style>
+          <a:lnRef idx="0">
+            <a:scrgbClr r="0" g="0" b="0"/>
+          </a:lnRef>
+          <a:fillRef idx="0">
+            <a:scrgbClr r="0" g="0" b="0"/>
+          </a:fillRef>
+          <a:effectRef idx="0">
+            <a:scrgbClr r="0" g="0" b="0"/>
+          </a:effectRef>
+          <a:fontRef idx="minor">
+            <a:schemeClr val="tx1"/>
+          </a:fontRef>
+        </p:style>
+      </p:cxnSp>
+      <p:sp>
+        <p:nvSpPr>
+          <p:cNvPr id="12" name="Rectángulo: esquinas redondeadas 11">
+            <a:extLst>
+              <a:ext uri="{FF2B5EF4-FFF2-40B4-BE49-F238E27FC236}">
+                <a16:creationId xmlns:a16="http://schemas.microsoft.com/office/drawing/2014/main" id="{FEE511DA-8F71-A116-18DB-80855F95C52F}"/>
+              </a:ext>
+            </a:extLst>
+          </p:cNvPr>
+          <p:cNvSpPr/>
+          <p:nvPr/>
+        </p:nvSpPr>
+        <p:spPr>
+          <a:xfrm>
+            <a:off x="9350519" y="98711"/>
+            <a:ext cx="2527703" cy="897255"/>
+          </a:xfrm>
+          <a:prstGeom prst="roundRect">
+            <a:avLst/>
+          </a:prstGeom>
+          <a:solidFill>
+            <a:srgbClr val="F1FAFF"/>
+          </a:solidFill>
+          <a:ln>
+            <a:solidFill>
+              <a:srgbClr val="FF0000"/>
+            </a:solidFill>
+          </a:ln>
+        </p:spPr>
+        <p:style>
+          <a:lnRef idx="2">
+            <a:schemeClr val="accent1">
+              <a:shade val="15000"/>
+            </a:schemeClr>
+          </a:lnRef>
+          <a:fillRef idx="1">
+            <a:schemeClr val="accent1"/>
+          </a:fillRef>
+          <a:effectRef idx="0">
+            <a:schemeClr val="accent1"/>
+          </a:effectRef>
+          <a:fontRef idx="minor">
+            <a:schemeClr val="lt1"/>
+          </a:fontRef>
+        </p:style>
+        <p:txBody>
+          <a:bodyPr rtlCol="0" anchor="ctr"/>
+          <a:lstStyle/>
+          <a:p>
+            <a:pPr marL="0" marR="0" lvl="0" indent="0" algn="ctr" defTabSz="914400" rtl="0" eaLnBrk="1" fontAlgn="auto" latinLnBrk="0" hangingPunct="1">
+              <a:lnSpc>
+                <a:spcPct val="100000"/>
+              </a:lnSpc>
+              <a:spcBef>
+                <a:spcPts val="0"/>
+              </a:spcBef>
+              <a:spcAft>
+                <a:spcPts val="0"/>
+              </a:spcAft>
+              <a:buClrTx/>
+              <a:buSzTx/>
+              <a:buFontTx/>
+              <a:buNone/>
+              <a:tabLst/>
+              <a:defRPr/>
+            </a:pPr>
+            <a:r>
+              <a:rPr kumimoji="0" lang="es-HN" sz="1200" b="0" i="0" u="none" strike="noStrike" kern="1200" cap="none" spc="0" normalizeH="0" baseline="0" noProof="0" dirty="0" err="1">
+                <a:ln>
+                  <a:noFill/>
+                </a:ln>
+                <a:solidFill>
+                  <a:srgbClr val="00825A"/>
+                </a:solidFill>
+                <a:effectLst/>
+                <a:uLnTx/>
+                <a:uFillTx/>
+                <a:latin typeface="Aptos" panose="02110004020202020204"/>
+                <a:ea typeface="+mn-ea"/>
+                <a:cs typeface="+mn-cs"/>
+              </a:rPr>
+              <a:t>Est</a:t>
+            </a:r>
+            <a:r>
+              <a:rPr lang="es-HN" sz="1200" dirty="0">
+                <a:solidFill>
+                  <a:srgbClr val="00825A"/>
+                </a:solidFill>
+                <a:latin typeface="Aptos" panose="02110004020202020204"/>
+              </a:rPr>
+              <a:t>a caja de texto permite filtrar por el parcial.</a:t>
+            </a:r>
+            <a:endParaRPr kumimoji="0" lang="es-HN" sz="1200" b="0" i="0" u="none" strike="noStrike" kern="1200" cap="none" spc="0" normalizeH="0" baseline="0" noProof="0" dirty="0">
+              <a:ln>
+                <a:noFill/>
+              </a:ln>
+              <a:solidFill>
+                <a:srgbClr val="00825A"/>
+              </a:solidFill>
+              <a:effectLst/>
+              <a:uLnTx/>
+              <a:uFillTx/>
+              <a:latin typeface="Aptos" panose="02110004020202020204"/>
+              <a:ea typeface="+mn-ea"/>
+              <a:cs typeface="+mn-cs"/>
+            </a:endParaRPr>
+          </a:p>
+        </p:txBody>
+      </p:sp>
+      <p:cxnSp>
+        <p:nvCxnSpPr>
+          <p:cNvPr id="13" name="Conector recto de flecha 12">
+            <a:extLst>
+              <a:ext uri="{FF2B5EF4-FFF2-40B4-BE49-F238E27FC236}">
+                <a16:creationId xmlns:a16="http://schemas.microsoft.com/office/drawing/2014/main" id="{60D133CA-0DB4-69C1-9512-4F2F106C4E47}"/>
+              </a:ext>
+            </a:extLst>
+          </p:cNvPr>
+          <p:cNvCxnSpPr>
+            <a:cxnSpLocks/>
+          </p:cNvCxnSpPr>
+          <p:nvPr/>
+        </p:nvCxnSpPr>
+        <p:spPr>
+          <a:xfrm flipH="1">
+            <a:off x="9350519" y="1022635"/>
+            <a:ext cx="381058" cy="1623288"/>
+          </a:xfrm>
+          <a:prstGeom prst="straightConnector1">
+            <a:avLst/>
+          </a:prstGeom>
+          <a:ln w="19050" cap="flat" cmpd="sng" algn="ctr">
+            <a:solidFill>
+              <a:srgbClr val="FF0000"/>
+            </a:solidFill>
+            <a:prstDash val="solid"/>
+            <a:round/>
+            <a:headEnd type="none" w="med" len="med"/>
+            <a:tailEnd type="arrow" w="med" len="med"/>
+          </a:ln>
+        </p:spPr>
+        <p:style>
+          <a:lnRef idx="0">
+            <a:scrgbClr r="0" g="0" b="0"/>
+          </a:lnRef>
+          <a:fillRef idx="0">
+            <a:scrgbClr r="0" g="0" b="0"/>
+          </a:fillRef>
+          <a:effectRef idx="0">
+            <a:scrgbClr r="0" g="0" b="0"/>
+          </a:effectRef>
+          <a:fontRef idx="minor">
+            <a:schemeClr val="tx1"/>
+          </a:fontRef>
+        </p:style>
+      </p:cxnSp>
+    </p:spTree>
+    <p:extLst>
+      <p:ext uri="{BB962C8B-B14F-4D97-AF65-F5344CB8AC3E}">
+        <p14:creationId xmlns:p14="http://schemas.microsoft.com/office/powerpoint/2010/main" val="1901665724"/>
       </p:ext>
     </p:extLst>
   </p:cSld>
@@ -9427,6 +13522,51 @@
         <p:spPr>
           <a:xfrm>
             <a:off x="3071213" y="5274352"/>
+            <a:ext cx="248920" cy="217212"/>
+          </a:xfrm>
+          <a:prstGeom prst="actionButtonInformation">
+            <a:avLst/>
+          </a:prstGeom>
+        </p:spPr>
+        <p:style>
+          <a:lnRef idx="2">
+            <a:schemeClr val="dk1"/>
+          </a:lnRef>
+          <a:fillRef idx="1">
+            <a:schemeClr val="lt1"/>
+          </a:fillRef>
+          <a:effectRef idx="0">
+            <a:schemeClr val="dk1"/>
+          </a:effectRef>
+          <a:fontRef idx="minor">
+            <a:schemeClr val="dk1"/>
+          </a:fontRef>
+        </p:style>
+        <p:txBody>
+          <a:bodyPr rtlCol="0" anchor="ctr"/>
+          <a:lstStyle/>
+          <a:p>
+            <a:pPr algn="ctr"/>
+            <a:endParaRPr lang="es-HN"/>
+          </a:p>
+        </p:txBody>
+      </p:sp>
+      <p:sp>
+        <p:nvSpPr>
+          <p:cNvPr id="22" name="Botón de acción: obtener información 21">
+            <a:hlinkClick r:id="rId13" action="ppaction://hlinksldjump" highlightClick="1"/>
+            <a:extLst>
+              <a:ext uri="{FF2B5EF4-FFF2-40B4-BE49-F238E27FC236}">
+                <a16:creationId xmlns:a16="http://schemas.microsoft.com/office/drawing/2014/main" id="{C1589280-6272-579F-EBE6-F0795B45A5FA}"/>
+              </a:ext>
+            </a:extLst>
+          </p:cNvPr>
+          <p:cNvSpPr/>
+          <p:nvPr/>
+        </p:nvSpPr>
+        <p:spPr>
+          <a:xfrm>
+            <a:off x="3051813" y="4643754"/>
             <a:ext cx="248920" cy="217212"/>
           </a:xfrm>
           <a:prstGeom prst="actionButtonInformation">
@@ -11981,6 +16121,51 @@
           </a:fontRef>
         </p:style>
       </p:cxnSp>
+      <p:sp>
+        <p:nvSpPr>
+          <p:cNvPr id="2" name="Botón de acción: obtener información 1">
+            <a:hlinkClick r:id="rId3" action="ppaction://hlinksldjump" highlightClick="1"/>
+            <a:extLst>
+              <a:ext uri="{FF2B5EF4-FFF2-40B4-BE49-F238E27FC236}">
+                <a16:creationId xmlns:a16="http://schemas.microsoft.com/office/drawing/2014/main" id="{B53BAE47-6403-C4EC-D9BE-A2CFFF376DA2}"/>
+              </a:ext>
+            </a:extLst>
+          </p:cNvPr>
+          <p:cNvSpPr/>
+          <p:nvPr/>
+        </p:nvSpPr>
+        <p:spPr>
+          <a:xfrm>
+            <a:off x="7295404" y="1816354"/>
+            <a:ext cx="248920" cy="217212"/>
+          </a:xfrm>
+          <a:prstGeom prst="actionButtonInformation">
+            <a:avLst/>
+          </a:prstGeom>
+        </p:spPr>
+        <p:style>
+          <a:lnRef idx="2">
+            <a:schemeClr val="dk1"/>
+          </a:lnRef>
+          <a:fillRef idx="1">
+            <a:schemeClr val="lt1"/>
+          </a:fillRef>
+          <a:effectRef idx="0">
+            <a:schemeClr val="dk1"/>
+          </a:effectRef>
+          <a:fontRef idx="minor">
+            <a:schemeClr val="dk1"/>
+          </a:fontRef>
+        </p:style>
+        <p:txBody>
+          <a:bodyPr rtlCol="0" anchor="ctr"/>
+          <a:lstStyle/>
+          <a:p>
+            <a:pPr algn="ctr"/>
+            <a:endParaRPr lang="es-HN"/>
+          </a:p>
+        </p:txBody>
+      </p:sp>
     </p:spTree>
     <p:extLst>
       <p:ext uri="{BB962C8B-B14F-4D97-AF65-F5344CB8AC3E}">
@@ -13439,6 +17624,51 @@
           </a:fontRef>
         </p:style>
       </p:cxnSp>
+      <p:sp>
+        <p:nvSpPr>
+          <p:cNvPr id="2" name="Botón de acción: obtener información 1">
+            <a:hlinkClick r:id="rId3" action="ppaction://hlinksldjump" highlightClick="1"/>
+            <a:extLst>
+              <a:ext uri="{FF2B5EF4-FFF2-40B4-BE49-F238E27FC236}">
+                <a16:creationId xmlns:a16="http://schemas.microsoft.com/office/drawing/2014/main" id="{AEE24DDC-7400-24A3-857B-B2FA51E2EF6D}"/>
+              </a:ext>
+            </a:extLst>
+          </p:cNvPr>
+          <p:cNvSpPr/>
+          <p:nvPr/>
+        </p:nvSpPr>
+        <p:spPr>
+          <a:xfrm>
+            <a:off x="7223971" y="1909528"/>
+            <a:ext cx="248920" cy="217212"/>
+          </a:xfrm>
+          <a:prstGeom prst="actionButtonInformation">
+            <a:avLst/>
+          </a:prstGeom>
+        </p:spPr>
+        <p:style>
+          <a:lnRef idx="2">
+            <a:schemeClr val="dk1"/>
+          </a:lnRef>
+          <a:fillRef idx="1">
+            <a:schemeClr val="lt1"/>
+          </a:fillRef>
+          <a:effectRef idx="0">
+            <a:schemeClr val="dk1"/>
+          </a:effectRef>
+          <a:fontRef idx="minor">
+            <a:schemeClr val="dk1"/>
+          </a:fontRef>
+        </p:style>
+        <p:txBody>
+          <a:bodyPr rtlCol="0" anchor="ctr"/>
+          <a:lstStyle/>
+          <a:p>
+            <a:pPr algn="ctr"/>
+            <a:endParaRPr lang="es-HN"/>
+          </a:p>
+        </p:txBody>
+      </p:sp>
     </p:spTree>
     <p:extLst>
       <p:ext uri="{BB962C8B-B14F-4D97-AF65-F5344CB8AC3E}">
@@ -14448,6 +18678,51 @@
           </a:fontRef>
         </p:style>
       </p:cxnSp>
+      <p:sp>
+        <p:nvSpPr>
+          <p:cNvPr id="2" name="Botón de acción: obtener información 1">
+            <a:hlinkClick r:id="rId3" action="ppaction://hlinksldjump" highlightClick="1"/>
+            <a:extLst>
+              <a:ext uri="{FF2B5EF4-FFF2-40B4-BE49-F238E27FC236}">
+                <a16:creationId xmlns:a16="http://schemas.microsoft.com/office/drawing/2014/main" id="{EB900D43-A2D4-1AF8-9276-A8FD69CA1E12}"/>
+              </a:ext>
+            </a:extLst>
+          </p:cNvPr>
+          <p:cNvSpPr/>
+          <p:nvPr/>
+        </p:nvSpPr>
+        <p:spPr>
+          <a:xfrm>
+            <a:off x="7260767" y="2010422"/>
+            <a:ext cx="248920" cy="217212"/>
+          </a:xfrm>
+          <a:prstGeom prst="actionButtonInformation">
+            <a:avLst/>
+          </a:prstGeom>
+        </p:spPr>
+        <p:style>
+          <a:lnRef idx="2">
+            <a:schemeClr val="dk1"/>
+          </a:lnRef>
+          <a:fillRef idx="1">
+            <a:schemeClr val="lt1"/>
+          </a:fillRef>
+          <a:effectRef idx="0">
+            <a:schemeClr val="dk1"/>
+          </a:effectRef>
+          <a:fontRef idx="minor">
+            <a:schemeClr val="dk1"/>
+          </a:fontRef>
+        </p:style>
+        <p:txBody>
+          <a:bodyPr rtlCol="0" anchor="ctr"/>
+          <a:lstStyle/>
+          <a:p>
+            <a:pPr algn="ctr"/>
+            <a:endParaRPr lang="es-HN"/>
+          </a:p>
+        </p:txBody>
+      </p:sp>
     </p:spTree>
     <p:extLst>
       <p:ext uri="{BB962C8B-B14F-4D97-AF65-F5344CB8AC3E}">
@@ -15782,6 +20057,51 @@
           </a:fontRef>
         </p:style>
       </p:cxnSp>
+      <p:sp>
+        <p:nvSpPr>
+          <p:cNvPr id="2" name="Botón de acción: obtener información 1">
+            <a:hlinkClick r:id="rId3" action="ppaction://hlinksldjump" highlightClick="1"/>
+            <a:extLst>
+              <a:ext uri="{FF2B5EF4-FFF2-40B4-BE49-F238E27FC236}">
+                <a16:creationId xmlns:a16="http://schemas.microsoft.com/office/drawing/2014/main" id="{7DF14D18-4F67-84D3-3EDA-3828144863D1}"/>
+              </a:ext>
+            </a:extLst>
+          </p:cNvPr>
+          <p:cNvSpPr/>
+          <p:nvPr/>
+        </p:nvSpPr>
+        <p:spPr>
+          <a:xfrm>
+            <a:off x="7135130" y="1798465"/>
+            <a:ext cx="248920" cy="217212"/>
+          </a:xfrm>
+          <a:prstGeom prst="actionButtonInformation">
+            <a:avLst/>
+          </a:prstGeom>
+        </p:spPr>
+        <p:style>
+          <a:lnRef idx="2">
+            <a:schemeClr val="dk1"/>
+          </a:lnRef>
+          <a:fillRef idx="1">
+            <a:schemeClr val="lt1"/>
+          </a:fillRef>
+          <a:effectRef idx="0">
+            <a:schemeClr val="dk1"/>
+          </a:effectRef>
+          <a:fontRef idx="minor">
+            <a:schemeClr val="dk1"/>
+          </a:fontRef>
+        </p:style>
+        <p:txBody>
+          <a:bodyPr rtlCol="0" anchor="ctr"/>
+          <a:lstStyle/>
+          <a:p>
+            <a:pPr algn="ctr"/>
+            <a:endParaRPr lang="es-HN"/>
+          </a:p>
+        </p:txBody>
+      </p:sp>
     </p:spTree>
     <p:extLst>
       <p:ext uri="{BB962C8B-B14F-4D97-AF65-F5344CB8AC3E}">
@@ -15796,6 +20116,1024 @@
 </file>
 
 <file path=ppt/slides/slide8.xml><?xml version="1.0" encoding="utf-8"?>
+<p:sld xmlns:a="http://schemas.openxmlformats.org/drawingml/2006/main" xmlns:r="http://schemas.openxmlformats.org/officeDocument/2006/relationships" xmlns:p="http://schemas.openxmlformats.org/presentationml/2006/main">
+  <p:cSld>
+    <p:bg>
+      <p:bgPr>
+        <a:solidFill>
+          <a:srgbClr val="00825A"/>
+        </a:solidFill>
+        <a:effectLst/>
+      </p:bgPr>
+    </p:bg>
+    <p:spTree>
+      <p:nvGrpSpPr>
+        <p:cNvPr id="1" name="">
+          <a:extLst>
+            <a:ext uri="{FF2B5EF4-FFF2-40B4-BE49-F238E27FC236}">
+              <a16:creationId xmlns:a16="http://schemas.microsoft.com/office/drawing/2014/main" id="{06DB9C7A-FAB2-BD45-4155-C2A6A4FBA8B9}"/>
+            </a:ext>
+          </a:extLst>
+        </p:cNvPr>
+        <p:cNvGrpSpPr/>
+        <p:nvPr/>
+      </p:nvGrpSpPr>
+      <p:grpSpPr>
+        <a:xfrm>
+          <a:off x="0" y="0"/>
+          <a:ext cx="0" cy="0"/>
+          <a:chOff x="0" y="0"/>
+          <a:chExt cx="0" cy="0"/>
+        </a:xfrm>
+      </p:grpSpPr>
+      <p:pic>
+        <p:nvPicPr>
+          <p:cNvPr id="6" name="Imagen 5">
+            <a:extLst>
+              <a:ext uri="{FF2B5EF4-FFF2-40B4-BE49-F238E27FC236}">
+                <a16:creationId xmlns:a16="http://schemas.microsoft.com/office/drawing/2014/main" id="{28383F6A-DA69-D55D-3C35-884478A7DF2A}"/>
+              </a:ext>
+            </a:extLst>
+          </p:cNvPr>
+          <p:cNvPicPr>
+            <a:picLocks noChangeAspect="1"/>
+          </p:cNvPicPr>
+          <p:nvPr/>
+        </p:nvPicPr>
+        <p:blipFill>
+          <a:blip r:embed="rId2"/>
+          <a:stretch>
+            <a:fillRect/>
+          </a:stretch>
+        </p:blipFill>
+        <p:spPr>
+          <a:xfrm>
+            <a:off x="2409702" y="1151839"/>
+            <a:ext cx="6315956" cy="5087060"/>
+          </a:xfrm>
+          <a:prstGeom prst="rect">
+            <a:avLst/>
+          </a:prstGeom>
+        </p:spPr>
+      </p:pic>
+      <p:sp>
+        <p:nvSpPr>
+          <p:cNvPr id="4" name="Flecha: pentágono 3">
+            <a:extLst>
+              <a:ext uri="{FF2B5EF4-FFF2-40B4-BE49-F238E27FC236}">
+                <a16:creationId xmlns:a16="http://schemas.microsoft.com/office/drawing/2014/main" id="{03546EEA-BF41-E618-33AD-B195E0FBAE1B}"/>
+              </a:ext>
+            </a:extLst>
+          </p:cNvPr>
+          <p:cNvSpPr/>
+          <p:nvPr/>
+        </p:nvSpPr>
+        <p:spPr>
+          <a:xfrm>
+            <a:off x="86361" y="91442"/>
+            <a:ext cx="3779583" cy="792480"/>
+          </a:xfrm>
+          <a:prstGeom prst="homePlate">
+            <a:avLst>
+              <a:gd name="adj" fmla="val 49557"/>
+            </a:avLst>
+          </a:prstGeom>
+          <a:solidFill>
+            <a:srgbClr val="F1FAFF"/>
+          </a:solidFill>
+          <a:ln>
+            <a:solidFill>
+              <a:srgbClr val="FF0000"/>
+            </a:solidFill>
+          </a:ln>
+        </p:spPr>
+        <p:style>
+          <a:lnRef idx="2">
+            <a:schemeClr val="accent1">
+              <a:shade val="15000"/>
+            </a:schemeClr>
+          </a:lnRef>
+          <a:fillRef idx="1">
+            <a:schemeClr val="accent1"/>
+          </a:fillRef>
+          <a:effectRef idx="0">
+            <a:schemeClr val="accent1"/>
+          </a:effectRef>
+          <a:fontRef idx="minor">
+            <a:schemeClr val="lt1"/>
+          </a:fontRef>
+        </p:style>
+        <p:txBody>
+          <a:bodyPr rtlCol="0" anchor="ctr"/>
+          <a:lstStyle/>
+          <a:p>
+            <a:pPr algn="ctr"/>
+            <a:r>
+              <a:rPr lang="es-MX" sz="2800" dirty="0">
+                <a:solidFill>
+                  <a:srgbClr val="00825A"/>
+                </a:solidFill>
+              </a:rPr>
+              <a:t>Pantalla Consultas</a:t>
+            </a:r>
+            <a:endParaRPr lang="es-HN" sz="2800" dirty="0">
+              <a:solidFill>
+                <a:srgbClr val="00825A"/>
+              </a:solidFill>
+            </a:endParaRPr>
+          </a:p>
+        </p:txBody>
+      </p:sp>
+      <p:sp>
+        <p:nvSpPr>
+          <p:cNvPr id="13" name="Rectángulo: esquinas redondeadas 12">
+            <a:extLst>
+              <a:ext uri="{FF2B5EF4-FFF2-40B4-BE49-F238E27FC236}">
+                <a16:creationId xmlns:a16="http://schemas.microsoft.com/office/drawing/2014/main" id="{5D264ECF-07D5-CCB3-DF1B-BEEEC27905F8}"/>
+              </a:ext>
+            </a:extLst>
+          </p:cNvPr>
+          <p:cNvSpPr/>
+          <p:nvPr/>
+        </p:nvSpPr>
+        <p:spPr>
+          <a:xfrm>
+            <a:off x="252919" y="1922488"/>
+            <a:ext cx="1991360" cy="792480"/>
+          </a:xfrm>
+          <a:prstGeom prst="roundRect">
+            <a:avLst/>
+          </a:prstGeom>
+          <a:solidFill>
+            <a:srgbClr val="F1FAFF"/>
+          </a:solidFill>
+          <a:ln>
+            <a:solidFill>
+              <a:srgbClr val="FF0000"/>
+            </a:solidFill>
+          </a:ln>
+        </p:spPr>
+        <p:style>
+          <a:lnRef idx="2">
+            <a:schemeClr val="accent1">
+              <a:shade val="15000"/>
+            </a:schemeClr>
+          </a:lnRef>
+          <a:fillRef idx="1">
+            <a:schemeClr val="accent1"/>
+          </a:fillRef>
+          <a:effectRef idx="0">
+            <a:schemeClr val="accent1"/>
+          </a:effectRef>
+          <a:fontRef idx="minor">
+            <a:schemeClr val="lt1"/>
+          </a:fontRef>
+        </p:style>
+        <p:txBody>
+          <a:bodyPr rtlCol="0" anchor="ctr"/>
+          <a:lstStyle/>
+          <a:p>
+            <a:pPr algn="ctr"/>
+            <a:r>
+              <a:rPr lang="es-HN" sz="1200" dirty="0">
+                <a:solidFill>
+                  <a:srgbClr val="00825A"/>
+                </a:solidFill>
+              </a:rPr>
+              <a:t>Este botón abre el formulario consulta alumnos.</a:t>
+            </a:r>
+          </a:p>
+        </p:txBody>
+      </p:sp>
+      <p:cxnSp>
+        <p:nvCxnSpPr>
+          <p:cNvPr id="14" name="Conector recto de flecha 13">
+            <a:extLst>
+              <a:ext uri="{FF2B5EF4-FFF2-40B4-BE49-F238E27FC236}">
+                <a16:creationId xmlns:a16="http://schemas.microsoft.com/office/drawing/2014/main" id="{443BB0B4-6142-8AF1-8714-3A5984297359}"/>
+              </a:ext>
+            </a:extLst>
+          </p:cNvPr>
+          <p:cNvCxnSpPr>
+            <a:cxnSpLocks/>
+          </p:cNvCxnSpPr>
+          <p:nvPr/>
+        </p:nvCxnSpPr>
+        <p:spPr>
+          <a:xfrm>
+            <a:off x="2244279" y="2557488"/>
+            <a:ext cx="1621665" cy="1109717"/>
+          </a:xfrm>
+          <a:prstGeom prst="straightConnector1">
+            <a:avLst/>
+          </a:prstGeom>
+          <a:ln w="19050" cap="flat" cmpd="sng" algn="ctr">
+            <a:solidFill>
+              <a:srgbClr val="FF0000"/>
+            </a:solidFill>
+            <a:prstDash val="solid"/>
+            <a:round/>
+            <a:headEnd type="none" w="med" len="med"/>
+            <a:tailEnd type="arrow" w="med" len="med"/>
+          </a:ln>
+        </p:spPr>
+        <p:style>
+          <a:lnRef idx="0">
+            <a:scrgbClr r="0" g="0" b="0"/>
+          </a:lnRef>
+          <a:fillRef idx="0">
+            <a:scrgbClr r="0" g="0" b="0"/>
+          </a:fillRef>
+          <a:effectRef idx="0">
+            <a:scrgbClr r="0" g="0" b="0"/>
+          </a:effectRef>
+          <a:fontRef idx="minor">
+            <a:schemeClr val="tx1"/>
+          </a:fontRef>
+        </p:style>
+      </p:cxnSp>
+      <p:sp>
+        <p:nvSpPr>
+          <p:cNvPr id="20" name="Rectángulo: esquinas redondeadas 19">
+            <a:extLst>
+              <a:ext uri="{FF2B5EF4-FFF2-40B4-BE49-F238E27FC236}">
+                <a16:creationId xmlns:a16="http://schemas.microsoft.com/office/drawing/2014/main" id="{5436BB99-B0C8-A84E-F145-5A522B1C1F93}"/>
+              </a:ext>
+            </a:extLst>
+          </p:cNvPr>
+          <p:cNvSpPr/>
+          <p:nvPr/>
+        </p:nvSpPr>
+        <p:spPr>
+          <a:xfrm>
+            <a:off x="252919" y="3605913"/>
+            <a:ext cx="1991360" cy="792480"/>
+          </a:xfrm>
+          <a:prstGeom prst="roundRect">
+            <a:avLst/>
+          </a:prstGeom>
+          <a:solidFill>
+            <a:srgbClr val="F1FAFF"/>
+          </a:solidFill>
+          <a:ln>
+            <a:solidFill>
+              <a:srgbClr val="FF0000"/>
+            </a:solidFill>
+          </a:ln>
+        </p:spPr>
+        <p:style>
+          <a:lnRef idx="2">
+            <a:schemeClr val="accent1">
+              <a:shade val="15000"/>
+            </a:schemeClr>
+          </a:lnRef>
+          <a:fillRef idx="1">
+            <a:schemeClr val="accent1"/>
+          </a:fillRef>
+          <a:effectRef idx="0">
+            <a:schemeClr val="accent1"/>
+          </a:effectRef>
+          <a:fontRef idx="minor">
+            <a:schemeClr val="lt1"/>
+          </a:fontRef>
+        </p:style>
+        <p:txBody>
+          <a:bodyPr rtlCol="0" anchor="ctr"/>
+          <a:lstStyle/>
+          <a:p>
+            <a:pPr algn="ctr"/>
+            <a:r>
+              <a:rPr lang="es-HN" sz="1200" dirty="0">
+                <a:solidFill>
+                  <a:srgbClr val="00825A"/>
+                </a:solidFill>
+              </a:rPr>
+              <a:t>Este botón abre el formulario consulta grados.</a:t>
+            </a:r>
+          </a:p>
+        </p:txBody>
+      </p:sp>
+      <p:cxnSp>
+        <p:nvCxnSpPr>
+          <p:cNvPr id="23" name="Conector recto de flecha 22">
+            <a:extLst>
+              <a:ext uri="{FF2B5EF4-FFF2-40B4-BE49-F238E27FC236}">
+                <a16:creationId xmlns:a16="http://schemas.microsoft.com/office/drawing/2014/main" id="{F529555E-4974-21C7-0BDA-5C4EA43EEA62}"/>
+              </a:ext>
+            </a:extLst>
+          </p:cNvPr>
+          <p:cNvCxnSpPr>
+            <a:cxnSpLocks/>
+            <a:stCxn id="20" idx="3"/>
+          </p:cNvCxnSpPr>
+          <p:nvPr/>
+        </p:nvCxnSpPr>
+        <p:spPr>
+          <a:xfrm>
+            <a:off x="2244279" y="4002153"/>
+            <a:ext cx="1737171" cy="496339"/>
+          </a:xfrm>
+          <a:prstGeom prst="straightConnector1">
+            <a:avLst/>
+          </a:prstGeom>
+          <a:ln w="19050" cap="flat" cmpd="sng" algn="ctr">
+            <a:solidFill>
+              <a:srgbClr val="FF0000"/>
+            </a:solidFill>
+            <a:prstDash val="solid"/>
+            <a:round/>
+            <a:headEnd type="none" w="med" len="med"/>
+            <a:tailEnd type="arrow" w="med" len="med"/>
+          </a:ln>
+        </p:spPr>
+        <p:style>
+          <a:lnRef idx="0">
+            <a:scrgbClr r="0" g="0" b="0"/>
+          </a:lnRef>
+          <a:fillRef idx="0">
+            <a:scrgbClr r="0" g="0" b="0"/>
+          </a:fillRef>
+          <a:effectRef idx="0">
+            <a:scrgbClr r="0" g="0" b="0"/>
+          </a:effectRef>
+          <a:fontRef idx="minor">
+            <a:schemeClr val="tx1"/>
+          </a:fontRef>
+        </p:style>
+      </p:cxnSp>
+      <p:sp>
+        <p:nvSpPr>
+          <p:cNvPr id="25" name="Rectángulo: esquinas redondeadas 24">
+            <a:extLst>
+              <a:ext uri="{FF2B5EF4-FFF2-40B4-BE49-F238E27FC236}">
+                <a16:creationId xmlns:a16="http://schemas.microsoft.com/office/drawing/2014/main" id="{0337C958-FA59-B8CA-4F77-E56709492F84}"/>
+              </a:ext>
+            </a:extLst>
+          </p:cNvPr>
+          <p:cNvSpPr/>
+          <p:nvPr/>
+        </p:nvSpPr>
+        <p:spPr>
+          <a:xfrm>
+            <a:off x="252919" y="5338494"/>
+            <a:ext cx="1991360" cy="792480"/>
+          </a:xfrm>
+          <a:prstGeom prst="roundRect">
+            <a:avLst/>
+          </a:prstGeom>
+          <a:solidFill>
+            <a:srgbClr val="F1FAFF"/>
+          </a:solidFill>
+          <a:ln>
+            <a:solidFill>
+              <a:srgbClr val="FF0000"/>
+            </a:solidFill>
+          </a:ln>
+        </p:spPr>
+        <p:style>
+          <a:lnRef idx="2">
+            <a:schemeClr val="accent1">
+              <a:shade val="15000"/>
+            </a:schemeClr>
+          </a:lnRef>
+          <a:fillRef idx="1">
+            <a:schemeClr val="accent1"/>
+          </a:fillRef>
+          <a:effectRef idx="0">
+            <a:schemeClr val="accent1"/>
+          </a:effectRef>
+          <a:fontRef idx="minor">
+            <a:schemeClr val="lt1"/>
+          </a:fontRef>
+        </p:style>
+        <p:txBody>
+          <a:bodyPr rtlCol="0" anchor="ctr"/>
+          <a:lstStyle/>
+          <a:p>
+            <a:pPr algn="ctr"/>
+            <a:r>
+              <a:rPr lang="es-HN" sz="1200" dirty="0">
+                <a:solidFill>
+                  <a:srgbClr val="00825A"/>
+                </a:solidFill>
+              </a:rPr>
+              <a:t>Este botón abre el formulario consulta calificaciones.</a:t>
+            </a:r>
+          </a:p>
+        </p:txBody>
+      </p:sp>
+      <p:cxnSp>
+        <p:nvCxnSpPr>
+          <p:cNvPr id="26" name="Conector recto de flecha 25">
+            <a:extLst>
+              <a:ext uri="{FF2B5EF4-FFF2-40B4-BE49-F238E27FC236}">
+                <a16:creationId xmlns:a16="http://schemas.microsoft.com/office/drawing/2014/main" id="{CEF117E7-AE98-781E-6854-047776E4B1EC}"/>
+              </a:ext>
+            </a:extLst>
+          </p:cNvPr>
+          <p:cNvCxnSpPr>
+            <a:cxnSpLocks/>
+          </p:cNvCxnSpPr>
+          <p:nvPr/>
+        </p:nvCxnSpPr>
+        <p:spPr>
+          <a:xfrm flipV="1">
+            <a:off x="2244279" y="5438593"/>
+            <a:ext cx="1621665" cy="534901"/>
+          </a:xfrm>
+          <a:prstGeom prst="straightConnector1">
+            <a:avLst/>
+          </a:prstGeom>
+          <a:ln w="19050" cap="flat" cmpd="sng" algn="ctr">
+            <a:solidFill>
+              <a:srgbClr val="FF0000"/>
+            </a:solidFill>
+            <a:prstDash val="solid"/>
+            <a:round/>
+            <a:headEnd type="none" w="med" len="med"/>
+            <a:tailEnd type="arrow" w="med" len="med"/>
+          </a:ln>
+        </p:spPr>
+        <p:style>
+          <a:lnRef idx="0">
+            <a:scrgbClr r="0" g="0" b="0"/>
+          </a:lnRef>
+          <a:fillRef idx="0">
+            <a:scrgbClr r="0" g="0" b="0"/>
+          </a:fillRef>
+          <a:effectRef idx="0">
+            <a:scrgbClr r="0" g="0" b="0"/>
+          </a:effectRef>
+          <a:fontRef idx="minor">
+            <a:schemeClr val="tx1"/>
+          </a:fontRef>
+        </p:style>
+      </p:cxnSp>
+      <p:sp>
+        <p:nvSpPr>
+          <p:cNvPr id="47" name="Rectángulo: esquinas redondeadas 46">
+            <a:extLst>
+              <a:ext uri="{FF2B5EF4-FFF2-40B4-BE49-F238E27FC236}">
+                <a16:creationId xmlns:a16="http://schemas.microsoft.com/office/drawing/2014/main" id="{A954B546-DD17-52FE-2CB2-62893EC9D688}"/>
+              </a:ext>
+            </a:extLst>
+          </p:cNvPr>
+          <p:cNvSpPr/>
+          <p:nvPr/>
+        </p:nvSpPr>
+        <p:spPr>
+          <a:xfrm>
+            <a:off x="9400377" y="3754953"/>
+            <a:ext cx="1991360" cy="792480"/>
+          </a:xfrm>
+          <a:prstGeom prst="roundRect">
+            <a:avLst/>
+          </a:prstGeom>
+          <a:solidFill>
+            <a:srgbClr val="F1FAFF"/>
+          </a:solidFill>
+          <a:ln>
+            <a:solidFill>
+              <a:srgbClr val="FF0000"/>
+            </a:solidFill>
+          </a:ln>
+        </p:spPr>
+        <p:style>
+          <a:lnRef idx="2">
+            <a:schemeClr val="accent1">
+              <a:shade val="15000"/>
+            </a:schemeClr>
+          </a:lnRef>
+          <a:fillRef idx="1">
+            <a:schemeClr val="accent1"/>
+          </a:fillRef>
+          <a:effectRef idx="0">
+            <a:schemeClr val="accent1"/>
+          </a:effectRef>
+          <a:fontRef idx="minor">
+            <a:schemeClr val="lt1"/>
+          </a:fontRef>
+        </p:style>
+        <p:txBody>
+          <a:bodyPr rtlCol="0" anchor="ctr"/>
+          <a:lstStyle/>
+          <a:p>
+            <a:pPr algn="ctr"/>
+            <a:r>
+              <a:rPr lang="es-HN" sz="1200" dirty="0">
+                <a:solidFill>
+                  <a:srgbClr val="00825A"/>
+                </a:solidFill>
+              </a:rPr>
+              <a:t>Este botón abre el formulario consulta materias.</a:t>
+            </a:r>
+          </a:p>
+        </p:txBody>
+      </p:sp>
+      <p:cxnSp>
+        <p:nvCxnSpPr>
+          <p:cNvPr id="48" name="Conector recto de flecha 47">
+            <a:extLst>
+              <a:ext uri="{FF2B5EF4-FFF2-40B4-BE49-F238E27FC236}">
+                <a16:creationId xmlns:a16="http://schemas.microsoft.com/office/drawing/2014/main" id="{476457C3-F91E-2D54-C681-166CF90BB9C4}"/>
+              </a:ext>
+            </a:extLst>
+          </p:cNvPr>
+          <p:cNvCxnSpPr>
+            <a:cxnSpLocks/>
+          </p:cNvCxnSpPr>
+          <p:nvPr/>
+        </p:nvCxnSpPr>
+        <p:spPr>
+          <a:xfrm flipH="1">
+            <a:off x="7134225" y="4132022"/>
+            <a:ext cx="2223289" cy="499821"/>
+          </a:xfrm>
+          <a:prstGeom prst="straightConnector1">
+            <a:avLst/>
+          </a:prstGeom>
+          <a:ln w="19050" cap="flat" cmpd="sng" algn="ctr">
+            <a:solidFill>
+              <a:srgbClr val="FF0000"/>
+            </a:solidFill>
+            <a:prstDash val="solid"/>
+            <a:round/>
+            <a:headEnd type="none" w="med" len="med"/>
+            <a:tailEnd type="arrow" w="med" len="med"/>
+          </a:ln>
+        </p:spPr>
+        <p:style>
+          <a:lnRef idx="0">
+            <a:scrgbClr r="0" g="0" b="0"/>
+          </a:lnRef>
+          <a:fillRef idx="0">
+            <a:scrgbClr r="0" g="0" b="0"/>
+          </a:fillRef>
+          <a:effectRef idx="0">
+            <a:scrgbClr r="0" g="0" b="0"/>
+          </a:effectRef>
+          <a:fontRef idx="minor">
+            <a:schemeClr val="tx1"/>
+          </a:fontRef>
+        </p:style>
+      </p:cxnSp>
+      <p:sp>
+        <p:nvSpPr>
+          <p:cNvPr id="59" name="Rectángulo: esquinas redondeadas 58">
+            <a:extLst>
+              <a:ext uri="{FF2B5EF4-FFF2-40B4-BE49-F238E27FC236}">
+                <a16:creationId xmlns:a16="http://schemas.microsoft.com/office/drawing/2014/main" id="{09E5BCDD-6E07-29A5-59D7-9450394187EA}"/>
+              </a:ext>
+            </a:extLst>
+          </p:cNvPr>
+          <p:cNvSpPr/>
+          <p:nvPr/>
+        </p:nvSpPr>
+        <p:spPr>
+          <a:xfrm>
+            <a:off x="9400377" y="5309803"/>
+            <a:ext cx="1991360" cy="792480"/>
+          </a:xfrm>
+          <a:prstGeom prst="roundRect">
+            <a:avLst/>
+          </a:prstGeom>
+          <a:solidFill>
+            <a:srgbClr val="F1FAFF"/>
+          </a:solidFill>
+          <a:ln>
+            <a:solidFill>
+              <a:srgbClr val="FF0000"/>
+            </a:solidFill>
+          </a:ln>
+        </p:spPr>
+        <p:style>
+          <a:lnRef idx="2">
+            <a:schemeClr val="accent1">
+              <a:shade val="15000"/>
+            </a:schemeClr>
+          </a:lnRef>
+          <a:fillRef idx="1">
+            <a:schemeClr val="accent1"/>
+          </a:fillRef>
+          <a:effectRef idx="0">
+            <a:schemeClr val="accent1"/>
+          </a:effectRef>
+          <a:fontRef idx="minor">
+            <a:schemeClr val="lt1"/>
+          </a:fontRef>
+        </p:style>
+        <p:txBody>
+          <a:bodyPr rtlCol="0" anchor="ctr"/>
+          <a:lstStyle/>
+          <a:p>
+            <a:pPr algn="ctr"/>
+            <a:r>
+              <a:rPr lang="es-HN" sz="1200" dirty="0">
+                <a:solidFill>
+                  <a:srgbClr val="00825A"/>
+                </a:solidFill>
+              </a:rPr>
+              <a:t>Este botón abre el formulario consulta profesores.</a:t>
+            </a:r>
+          </a:p>
+        </p:txBody>
+      </p:sp>
+      <p:cxnSp>
+        <p:nvCxnSpPr>
+          <p:cNvPr id="60" name="Conector recto de flecha 59">
+            <a:extLst>
+              <a:ext uri="{FF2B5EF4-FFF2-40B4-BE49-F238E27FC236}">
+                <a16:creationId xmlns:a16="http://schemas.microsoft.com/office/drawing/2014/main" id="{F0C2D85A-7DB1-BB44-5F7B-880BA2F06C43}"/>
+              </a:ext>
+            </a:extLst>
+          </p:cNvPr>
+          <p:cNvCxnSpPr>
+            <a:cxnSpLocks/>
+            <a:stCxn id="59" idx="1"/>
+          </p:cNvCxnSpPr>
+          <p:nvPr/>
+        </p:nvCxnSpPr>
+        <p:spPr>
+          <a:xfrm flipH="1" flipV="1">
+            <a:off x="7116189" y="5289408"/>
+            <a:ext cx="2284188" cy="416635"/>
+          </a:xfrm>
+          <a:prstGeom prst="straightConnector1">
+            <a:avLst/>
+          </a:prstGeom>
+          <a:ln w="19050" cap="flat" cmpd="sng" algn="ctr">
+            <a:solidFill>
+              <a:srgbClr val="FF0000"/>
+            </a:solidFill>
+            <a:prstDash val="solid"/>
+            <a:round/>
+            <a:headEnd type="none" w="med" len="med"/>
+            <a:tailEnd type="arrow" w="med" len="med"/>
+          </a:ln>
+        </p:spPr>
+        <p:style>
+          <a:lnRef idx="0">
+            <a:scrgbClr r="0" g="0" b="0"/>
+          </a:lnRef>
+          <a:fillRef idx="0">
+            <a:scrgbClr r="0" g="0" b="0"/>
+          </a:fillRef>
+          <a:effectRef idx="0">
+            <a:scrgbClr r="0" g="0" b="0"/>
+          </a:effectRef>
+          <a:fontRef idx="minor">
+            <a:schemeClr val="tx1"/>
+          </a:fontRef>
+        </p:style>
+      </p:cxnSp>
+      <p:sp>
+        <p:nvSpPr>
+          <p:cNvPr id="11" name="Rectángulo: esquinas redondeadas 10">
+            <a:extLst>
+              <a:ext uri="{FF2B5EF4-FFF2-40B4-BE49-F238E27FC236}">
+                <a16:creationId xmlns:a16="http://schemas.microsoft.com/office/drawing/2014/main" id="{BDC734D6-7B8E-BFF0-48BF-CF4983C21FB3}"/>
+              </a:ext>
+            </a:extLst>
+          </p:cNvPr>
+          <p:cNvSpPr/>
+          <p:nvPr/>
+        </p:nvSpPr>
+        <p:spPr>
+          <a:xfrm>
+            <a:off x="9400377" y="2318728"/>
+            <a:ext cx="1991360" cy="792480"/>
+          </a:xfrm>
+          <a:prstGeom prst="roundRect">
+            <a:avLst/>
+          </a:prstGeom>
+          <a:solidFill>
+            <a:srgbClr val="F1FAFF"/>
+          </a:solidFill>
+          <a:ln>
+            <a:solidFill>
+              <a:srgbClr val="FF0000"/>
+            </a:solidFill>
+          </a:ln>
+        </p:spPr>
+        <p:style>
+          <a:lnRef idx="2">
+            <a:schemeClr val="accent1">
+              <a:shade val="15000"/>
+            </a:schemeClr>
+          </a:lnRef>
+          <a:fillRef idx="1">
+            <a:schemeClr val="accent1"/>
+          </a:fillRef>
+          <a:effectRef idx="0">
+            <a:schemeClr val="accent1"/>
+          </a:effectRef>
+          <a:fontRef idx="minor">
+            <a:schemeClr val="lt1"/>
+          </a:fontRef>
+        </p:style>
+        <p:txBody>
+          <a:bodyPr rtlCol="0" anchor="ctr"/>
+          <a:lstStyle/>
+          <a:p>
+            <a:pPr algn="ctr"/>
+            <a:r>
+              <a:rPr lang="es-HN" sz="1200" dirty="0">
+                <a:solidFill>
+                  <a:srgbClr val="00825A"/>
+                </a:solidFill>
+              </a:rPr>
+              <a:t>Este botón abre el formulario consulta padres.</a:t>
+            </a:r>
+          </a:p>
+        </p:txBody>
+      </p:sp>
+      <p:cxnSp>
+        <p:nvCxnSpPr>
+          <p:cNvPr id="15" name="Conector recto de flecha 14">
+            <a:extLst>
+              <a:ext uri="{FF2B5EF4-FFF2-40B4-BE49-F238E27FC236}">
+                <a16:creationId xmlns:a16="http://schemas.microsoft.com/office/drawing/2014/main" id="{4075A086-3B90-E9B8-ECC4-F46C2F7B94B9}"/>
+              </a:ext>
+            </a:extLst>
+          </p:cNvPr>
+          <p:cNvCxnSpPr>
+            <a:cxnSpLocks/>
+            <a:stCxn id="11" idx="1"/>
+          </p:cNvCxnSpPr>
+          <p:nvPr/>
+        </p:nvCxnSpPr>
+        <p:spPr>
+          <a:xfrm flipH="1">
+            <a:off x="7134225" y="2714968"/>
+            <a:ext cx="2266152" cy="890945"/>
+          </a:xfrm>
+          <a:prstGeom prst="straightConnector1">
+            <a:avLst/>
+          </a:prstGeom>
+          <a:ln w="19050" cap="flat" cmpd="sng" algn="ctr">
+            <a:solidFill>
+              <a:srgbClr val="FF0000"/>
+            </a:solidFill>
+            <a:prstDash val="solid"/>
+            <a:round/>
+            <a:headEnd type="none" w="med" len="med"/>
+            <a:tailEnd type="arrow" w="med" len="med"/>
+          </a:ln>
+        </p:spPr>
+        <p:style>
+          <a:lnRef idx="0">
+            <a:scrgbClr r="0" g="0" b="0"/>
+          </a:lnRef>
+          <a:fillRef idx="0">
+            <a:scrgbClr r="0" g="0" b="0"/>
+          </a:fillRef>
+          <a:effectRef idx="0">
+            <a:scrgbClr r="0" g="0" b="0"/>
+          </a:effectRef>
+          <a:fontRef idx="minor">
+            <a:schemeClr val="tx1"/>
+          </a:fontRef>
+        </p:style>
+      </p:cxnSp>
+      <p:sp>
+        <p:nvSpPr>
+          <p:cNvPr id="24" name="Botón de acción: obtener información 23">
+            <a:hlinkClick r:id="rId3" action="ppaction://hlinksldjump" highlightClick="1"/>
+            <a:extLst>
+              <a:ext uri="{FF2B5EF4-FFF2-40B4-BE49-F238E27FC236}">
+                <a16:creationId xmlns:a16="http://schemas.microsoft.com/office/drawing/2014/main" id="{88847E61-03F9-57F0-967B-27AD6F14BE5C}"/>
+              </a:ext>
+            </a:extLst>
+          </p:cNvPr>
+          <p:cNvSpPr/>
+          <p:nvPr/>
+        </p:nvSpPr>
+        <p:spPr>
+          <a:xfrm>
+            <a:off x="5142865" y="3497307"/>
+            <a:ext cx="248920" cy="217212"/>
+          </a:xfrm>
+          <a:prstGeom prst="actionButtonInformation">
+            <a:avLst/>
+          </a:prstGeom>
+        </p:spPr>
+        <p:style>
+          <a:lnRef idx="2">
+            <a:schemeClr val="dk1"/>
+          </a:lnRef>
+          <a:fillRef idx="1">
+            <a:schemeClr val="lt1"/>
+          </a:fillRef>
+          <a:effectRef idx="0">
+            <a:schemeClr val="dk1"/>
+          </a:effectRef>
+          <a:fontRef idx="minor">
+            <a:schemeClr val="dk1"/>
+          </a:fontRef>
+        </p:style>
+        <p:txBody>
+          <a:bodyPr rtlCol="0" anchor="ctr"/>
+          <a:lstStyle/>
+          <a:p>
+            <a:pPr algn="ctr"/>
+            <a:endParaRPr lang="es-HN"/>
+          </a:p>
+        </p:txBody>
+      </p:sp>
+      <p:sp>
+        <p:nvSpPr>
+          <p:cNvPr id="27" name="Botón de acción: obtener información 26">
+            <a:hlinkClick r:id="rId4" action="ppaction://hlinksldjump" highlightClick="1"/>
+            <a:extLst>
+              <a:ext uri="{FF2B5EF4-FFF2-40B4-BE49-F238E27FC236}">
+                <a16:creationId xmlns:a16="http://schemas.microsoft.com/office/drawing/2014/main" id="{2C3C0C7E-66EB-ADA0-92C3-F601ADAD2C8F}"/>
+              </a:ext>
+            </a:extLst>
+          </p:cNvPr>
+          <p:cNvSpPr/>
+          <p:nvPr/>
+        </p:nvSpPr>
+        <p:spPr>
+          <a:xfrm>
+            <a:off x="6971030" y="3429000"/>
+            <a:ext cx="248920" cy="217212"/>
+          </a:xfrm>
+          <a:prstGeom prst="actionButtonInformation">
+            <a:avLst/>
+          </a:prstGeom>
+        </p:spPr>
+        <p:style>
+          <a:lnRef idx="2">
+            <a:schemeClr val="dk1"/>
+          </a:lnRef>
+          <a:fillRef idx="1">
+            <a:schemeClr val="lt1"/>
+          </a:fillRef>
+          <a:effectRef idx="0">
+            <a:schemeClr val="dk1"/>
+          </a:effectRef>
+          <a:fontRef idx="minor">
+            <a:schemeClr val="dk1"/>
+          </a:fontRef>
+        </p:style>
+        <p:txBody>
+          <a:bodyPr rtlCol="0" anchor="ctr"/>
+          <a:lstStyle/>
+          <a:p>
+            <a:pPr algn="ctr"/>
+            <a:endParaRPr lang="es-HN"/>
+          </a:p>
+        </p:txBody>
+      </p:sp>
+      <p:sp>
+        <p:nvSpPr>
+          <p:cNvPr id="28" name="Botón de acción: obtener información 27">
+            <a:hlinkClick r:id="rId5" action="ppaction://hlinksldjump" highlightClick="1"/>
+            <a:extLst>
+              <a:ext uri="{FF2B5EF4-FFF2-40B4-BE49-F238E27FC236}">
+                <a16:creationId xmlns:a16="http://schemas.microsoft.com/office/drawing/2014/main" id="{B18C39F6-C9BF-7088-567C-61C5EC26C76B}"/>
+              </a:ext>
+            </a:extLst>
+          </p:cNvPr>
+          <p:cNvSpPr/>
+          <p:nvPr/>
+        </p:nvSpPr>
+        <p:spPr>
+          <a:xfrm>
+            <a:off x="6971030" y="4279581"/>
+            <a:ext cx="248920" cy="217212"/>
+          </a:xfrm>
+          <a:prstGeom prst="actionButtonInformation">
+            <a:avLst/>
+          </a:prstGeom>
+        </p:spPr>
+        <p:style>
+          <a:lnRef idx="2">
+            <a:schemeClr val="dk1"/>
+          </a:lnRef>
+          <a:fillRef idx="1">
+            <a:schemeClr val="lt1"/>
+          </a:fillRef>
+          <a:effectRef idx="0">
+            <a:schemeClr val="dk1"/>
+          </a:effectRef>
+          <a:fontRef idx="minor">
+            <a:schemeClr val="dk1"/>
+          </a:fontRef>
+        </p:style>
+        <p:txBody>
+          <a:bodyPr rtlCol="0" anchor="ctr"/>
+          <a:lstStyle/>
+          <a:p>
+            <a:pPr algn="ctr"/>
+            <a:endParaRPr lang="es-HN"/>
+          </a:p>
+        </p:txBody>
+      </p:sp>
+      <p:sp>
+        <p:nvSpPr>
+          <p:cNvPr id="33" name="Botón de acción: obtener información 32">
+            <a:hlinkClick r:id="rId6" action="ppaction://hlinksldjump" highlightClick="1"/>
+            <a:extLst>
+              <a:ext uri="{FF2B5EF4-FFF2-40B4-BE49-F238E27FC236}">
+                <a16:creationId xmlns:a16="http://schemas.microsoft.com/office/drawing/2014/main" id="{6F2D2C3E-A5EB-2C30-56EF-73A8D664283D}"/>
+              </a:ext>
+            </a:extLst>
+          </p:cNvPr>
+          <p:cNvSpPr/>
+          <p:nvPr/>
+        </p:nvSpPr>
+        <p:spPr>
+          <a:xfrm>
+            <a:off x="7009765" y="5060436"/>
+            <a:ext cx="248920" cy="217212"/>
+          </a:xfrm>
+          <a:prstGeom prst="actionButtonInformation">
+            <a:avLst/>
+          </a:prstGeom>
+        </p:spPr>
+        <p:style>
+          <a:lnRef idx="2">
+            <a:schemeClr val="dk1"/>
+          </a:lnRef>
+          <a:fillRef idx="1">
+            <a:schemeClr val="lt1"/>
+          </a:fillRef>
+          <a:effectRef idx="0">
+            <a:schemeClr val="dk1"/>
+          </a:effectRef>
+          <a:fontRef idx="minor">
+            <a:schemeClr val="dk1"/>
+          </a:fontRef>
+        </p:style>
+        <p:txBody>
+          <a:bodyPr rtlCol="0" anchor="ctr"/>
+          <a:lstStyle/>
+          <a:p>
+            <a:pPr algn="ctr"/>
+            <a:endParaRPr lang="es-HN"/>
+          </a:p>
+        </p:txBody>
+      </p:sp>
+      <p:sp>
+        <p:nvSpPr>
+          <p:cNvPr id="34" name="Botón de acción: obtener información 33">
+            <a:hlinkClick r:id="rId7" action="ppaction://hlinksldjump" highlightClick="1"/>
+            <a:extLst>
+              <a:ext uri="{FF2B5EF4-FFF2-40B4-BE49-F238E27FC236}">
+                <a16:creationId xmlns:a16="http://schemas.microsoft.com/office/drawing/2014/main" id="{75502C4A-3732-6437-66E5-012CFE2DC99E}"/>
+              </a:ext>
+            </a:extLst>
+          </p:cNvPr>
+          <p:cNvSpPr/>
+          <p:nvPr/>
+        </p:nvSpPr>
+        <p:spPr>
+          <a:xfrm>
+            <a:off x="5182871" y="5143025"/>
+            <a:ext cx="248920" cy="217212"/>
+          </a:xfrm>
+          <a:prstGeom prst="actionButtonInformation">
+            <a:avLst/>
+          </a:prstGeom>
+        </p:spPr>
+        <p:style>
+          <a:lnRef idx="2">
+            <a:schemeClr val="dk1"/>
+          </a:lnRef>
+          <a:fillRef idx="1">
+            <a:schemeClr val="lt1"/>
+          </a:fillRef>
+          <a:effectRef idx="0">
+            <a:schemeClr val="dk1"/>
+          </a:effectRef>
+          <a:fontRef idx="minor">
+            <a:schemeClr val="dk1"/>
+          </a:fontRef>
+        </p:style>
+        <p:txBody>
+          <a:bodyPr rtlCol="0" anchor="ctr"/>
+          <a:lstStyle/>
+          <a:p>
+            <a:pPr algn="ctr"/>
+            <a:endParaRPr lang="es-HN"/>
+          </a:p>
+        </p:txBody>
+      </p:sp>
+    </p:spTree>
+    <p:extLst>
+      <p:ext uri="{BB962C8B-B14F-4D97-AF65-F5344CB8AC3E}">
+        <p14:creationId xmlns:p14="http://schemas.microsoft.com/office/powerpoint/2010/main" val="3811652651"/>
+      </p:ext>
+    </p:extLst>
+  </p:cSld>
+  <p:clrMapOvr>
+    <a:masterClrMapping/>
+  </p:clrMapOvr>
+</p:sld>
+</file>
+
+<file path=ppt/slides/slide9.xml><?xml version="1.0" encoding="utf-8"?>
 <p:sld xmlns:a="http://schemas.openxmlformats.org/drawingml/2006/main" xmlns:r="http://schemas.openxmlformats.org/officeDocument/2006/relationships" xmlns:p="http://schemas.openxmlformats.org/presentationml/2006/main">
   <p:cSld>
     <p:bg>
@@ -16321,549 +21659,55 @@
           </a:fontRef>
         </p:style>
       </p:cxnSp>
+      <p:sp>
+        <p:nvSpPr>
+          <p:cNvPr id="2" name="Botón de acción: obtener información 1">
+            <a:hlinkClick r:id="rId3" action="ppaction://hlinksldjump" highlightClick="1"/>
+            <a:extLst>
+              <a:ext uri="{FF2B5EF4-FFF2-40B4-BE49-F238E27FC236}">
+                <a16:creationId xmlns:a16="http://schemas.microsoft.com/office/drawing/2014/main" id="{B13DA65A-D440-4041-C460-3EBA7AFD21B4}"/>
+              </a:ext>
+            </a:extLst>
+          </p:cNvPr>
+          <p:cNvSpPr/>
+          <p:nvPr/>
+        </p:nvSpPr>
+        <p:spPr>
+          <a:xfrm>
+            <a:off x="9290458" y="2038027"/>
+            <a:ext cx="248920" cy="217212"/>
+          </a:xfrm>
+          <a:prstGeom prst="actionButtonInformation">
+            <a:avLst/>
+          </a:prstGeom>
+        </p:spPr>
+        <p:style>
+          <a:lnRef idx="2">
+            <a:schemeClr val="dk1"/>
+          </a:lnRef>
+          <a:fillRef idx="1">
+            <a:schemeClr val="lt1"/>
+          </a:fillRef>
+          <a:effectRef idx="0">
+            <a:schemeClr val="dk1"/>
+          </a:effectRef>
+          <a:fontRef idx="minor">
+            <a:schemeClr val="dk1"/>
+          </a:fontRef>
+        </p:style>
+        <p:txBody>
+          <a:bodyPr rtlCol="0" anchor="ctr"/>
+          <a:lstStyle/>
+          <a:p>
+            <a:pPr algn="ctr"/>
+            <a:endParaRPr lang="es-HN"/>
+          </a:p>
+        </p:txBody>
+      </p:sp>
     </p:spTree>
     <p:extLst>
       <p:ext uri="{BB962C8B-B14F-4D97-AF65-F5344CB8AC3E}">
         <p14:creationId xmlns:p14="http://schemas.microsoft.com/office/powerpoint/2010/main" val="3918958707"/>
-      </p:ext>
-    </p:extLst>
-  </p:cSld>
-  <p:clrMapOvr>
-    <a:masterClrMapping/>
-  </p:clrMapOvr>
-</p:sld>
-</file>
-
-<file path=ppt/slides/slide9.xml><?xml version="1.0" encoding="utf-8"?>
-<p:sld xmlns:a="http://schemas.openxmlformats.org/drawingml/2006/main" xmlns:r="http://schemas.openxmlformats.org/officeDocument/2006/relationships" xmlns:p="http://schemas.openxmlformats.org/presentationml/2006/main">
-  <p:cSld>
-    <p:bg>
-      <p:bgPr>
-        <a:solidFill>
-          <a:srgbClr val="00825A"/>
-        </a:solidFill>
-        <a:effectLst/>
-      </p:bgPr>
-    </p:bg>
-    <p:spTree>
-      <p:nvGrpSpPr>
-        <p:cNvPr id="1" name="">
-          <a:extLst>
-            <a:ext uri="{FF2B5EF4-FFF2-40B4-BE49-F238E27FC236}">
-              <a16:creationId xmlns:a16="http://schemas.microsoft.com/office/drawing/2014/main" id="{8AE62882-6196-DAE0-6C57-EB0FB68AEE1D}"/>
-            </a:ext>
-          </a:extLst>
-        </p:cNvPr>
-        <p:cNvGrpSpPr/>
-        <p:nvPr/>
-      </p:nvGrpSpPr>
-      <p:grpSpPr>
-        <a:xfrm>
-          <a:off x="0" y="0"/>
-          <a:ext cx="0" cy="0"/>
-          <a:chOff x="0" y="0"/>
-          <a:chExt cx="0" cy="0"/>
-        </a:xfrm>
-      </p:grpSpPr>
-      <p:pic>
-        <p:nvPicPr>
-          <p:cNvPr id="4" name="Imagen 3">
-            <a:extLst>
-              <a:ext uri="{FF2B5EF4-FFF2-40B4-BE49-F238E27FC236}">
-                <a16:creationId xmlns:a16="http://schemas.microsoft.com/office/drawing/2014/main" id="{47199890-0C9C-27A0-CD26-C8C1B436D2F1}"/>
-              </a:ext>
-            </a:extLst>
-          </p:cNvPr>
-          <p:cNvPicPr>
-            <a:picLocks noChangeAspect="1"/>
-          </p:cNvPicPr>
-          <p:nvPr/>
-        </p:nvPicPr>
-        <p:blipFill>
-          <a:blip r:embed="rId2"/>
-          <a:stretch>
-            <a:fillRect/>
-          </a:stretch>
-        </p:blipFill>
-        <p:spPr>
-          <a:xfrm>
-            <a:off x="4765202" y="1202184"/>
-            <a:ext cx="6030461" cy="4041025"/>
-          </a:xfrm>
-          <a:prstGeom prst="rect">
-            <a:avLst/>
-          </a:prstGeom>
-        </p:spPr>
-      </p:pic>
-      <p:sp>
-        <p:nvSpPr>
-          <p:cNvPr id="7" name="Flecha: pentágono 6">
-            <a:extLst>
-              <a:ext uri="{FF2B5EF4-FFF2-40B4-BE49-F238E27FC236}">
-                <a16:creationId xmlns:a16="http://schemas.microsoft.com/office/drawing/2014/main" id="{AB4BE38A-A03B-EF64-4AE3-E89A2A7CA4D5}"/>
-              </a:ext>
-            </a:extLst>
-          </p:cNvPr>
-          <p:cNvSpPr/>
-          <p:nvPr/>
-        </p:nvSpPr>
-        <p:spPr>
-          <a:xfrm>
-            <a:off x="104775" y="1891401"/>
-            <a:ext cx="3609976" cy="2826514"/>
-          </a:xfrm>
-          <a:prstGeom prst="homePlate">
-            <a:avLst/>
-          </a:prstGeom>
-          <a:solidFill>
-            <a:srgbClr val="F1FAFF"/>
-          </a:solidFill>
-          <a:ln>
-            <a:solidFill>
-              <a:srgbClr val="FF0000"/>
-            </a:solidFill>
-          </a:ln>
-        </p:spPr>
-        <p:style>
-          <a:lnRef idx="2">
-            <a:schemeClr val="accent1">
-              <a:shade val="15000"/>
-            </a:schemeClr>
-          </a:lnRef>
-          <a:fillRef idx="1">
-            <a:schemeClr val="accent1"/>
-          </a:fillRef>
-          <a:effectRef idx="0">
-            <a:schemeClr val="accent1"/>
-          </a:effectRef>
-          <a:fontRef idx="minor">
-            <a:schemeClr val="lt1"/>
-          </a:fontRef>
-        </p:style>
-        <p:txBody>
-          <a:bodyPr rtlCol="0" anchor="ctr"/>
-          <a:lstStyle/>
-          <a:p>
-            <a:pPr algn="ctr"/>
-            <a:r>
-              <a:rPr lang="es-MX" sz="4000" dirty="0">
-                <a:solidFill>
-                  <a:srgbClr val="00825A"/>
-                </a:solidFill>
-              </a:rPr>
-              <a:t>Formulario Materias</a:t>
-            </a:r>
-            <a:endParaRPr lang="es-HN" sz="4000" dirty="0">
-              <a:solidFill>
-                <a:srgbClr val="00825A"/>
-              </a:solidFill>
-            </a:endParaRPr>
-          </a:p>
-        </p:txBody>
-      </p:sp>
-      <p:sp>
-        <p:nvSpPr>
-          <p:cNvPr id="12" name="Rectángulo: esquinas redondeadas 11">
-            <a:extLst>
-              <a:ext uri="{FF2B5EF4-FFF2-40B4-BE49-F238E27FC236}">
-                <a16:creationId xmlns:a16="http://schemas.microsoft.com/office/drawing/2014/main" id="{F7D84541-5085-AAD3-9470-EFDCD6763A34}"/>
-              </a:ext>
-            </a:extLst>
-          </p:cNvPr>
-          <p:cNvSpPr/>
-          <p:nvPr/>
-        </p:nvSpPr>
-        <p:spPr>
-          <a:xfrm>
-            <a:off x="2360289" y="447074"/>
-            <a:ext cx="1991360" cy="792480"/>
-          </a:xfrm>
-          <a:prstGeom prst="roundRect">
-            <a:avLst/>
-          </a:prstGeom>
-          <a:solidFill>
-            <a:srgbClr val="F1FAFF"/>
-          </a:solidFill>
-          <a:ln>
-            <a:solidFill>
-              <a:srgbClr val="FF0000"/>
-            </a:solidFill>
-          </a:ln>
-        </p:spPr>
-        <p:style>
-          <a:lnRef idx="2">
-            <a:schemeClr val="accent1">
-              <a:shade val="15000"/>
-            </a:schemeClr>
-          </a:lnRef>
-          <a:fillRef idx="1">
-            <a:schemeClr val="accent1"/>
-          </a:fillRef>
-          <a:effectRef idx="0">
-            <a:schemeClr val="accent1"/>
-          </a:effectRef>
-          <a:fontRef idx="minor">
-            <a:schemeClr val="lt1"/>
-          </a:fontRef>
-        </p:style>
-        <p:txBody>
-          <a:bodyPr rtlCol="0" anchor="ctr"/>
-          <a:lstStyle/>
-          <a:p>
-            <a:pPr marL="0" marR="0" lvl="0" indent="0" algn="ctr" defTabSz="914400" rtl="0" eaLnBrk="1" fontAlgn="auto" latinLnBrk="0" hangingPunct="1">
-              <a:lnSpc>
-                <a:spcPct val="100000"/>
-              </a:lnSpc>
-              <a:spcBef>
-                <a:spcPts val="0"/>
-              </a:spcBef>
-              <a:spcAft>
-                <a:spcPts val="0"/>
-              </a:spcAft>
-              <a:buClrTx/>
-              <a:buSzTx/>
-              <a:buFontTx/>
-              <a:buNone/>
-              <a:tabLst/>
-              <a:defRPr/>
-            </a:pPr>
-            <a:r>
-              <a:rPr kumimoji="0" lang="es-HN" sz="1200" b="0" i="0" u="none" strike="noStrike" kern="1200" cap="none" spc="0" normalizeH="0" baseline="0" noProof="0" dirty="0">
-                <a:ln>
-                  <a:noFill/>
-                </a:ln>
-                <a:solidFill>
-                  <a:srgbClr val="00825A"/>
-                </a:solidFill>
-                <a:effectLst/>
-                <a:uLnTx/>
-                <a:uFillTx/>
-                <a:latin typeface="Aptos" panose="02110004020202020204"/>
-                <a:ea typeface="+mn-ea"/>
-                <a:cs typeface="+mn-cs"/>
-              </a:rPr>
-              <a:t>Esta caja de texto permite mostrar el código único de la materia.</a:t>
-            </a:r>
-          </a:p>
-        </p:txBody>
-      </p:sp>
-      <p:sp>
-        <p:nvSpPr>
-          <p:cNvPr id="10" name="Rectángulo: esquinas redondeadas 9">
-            <a:extLst>
-              <a:ext uri="{FF2B5EF4-FFF2-40B4-BE49-F238E27FC236}">
-                <a16:creationId xmlns:a16="http://schemas.microsoft.com/office/drawing/2014/main" id="{B5AF7C47-2718-D2F1-1C01-56832E2D1FE1}"/>
-              </a:ext>
-            </a:extLst>
-          </p:cNvPr>
-          <p:cNvSpPr/>
-          <p:nvPr/>
-        </p:nvSpPr>
-        <p:spPr>
-          <a:xfrm>
-            <a:off x="6723504" y="281024"/>
-            <a:ext cx="2206099" cy="897255"/>
-          </a:xfrm>
-          <a:prstGeom prst="roundRect">
-            <a:avLst/>
-          </a:prstGeom>
-          <a:solidFill>
-            <a:srgbClr val="F1FAFF"/>
-          </a:solidFill>
-          <a:ln>
-            <a:solidFill>
-              <a:srgbClr val="FF0000"/>
-            </a:solidFill>
-          </a:ln>
-        </p:spPr>
-        <p:style>
-          <a:lnRef idx="2">
-            <a:schemeClr val="accent1">
-              <a:shade val="15000"/>
-            </a:schemeClr>
-          </a:lnRef>
-          <a:fillRef idx="1">
-            <a:schemeClr val="accent1"/>
-          </a:fillRef>
-          <a:effectRef idx="0">
-            <a:schemeClr val="accent1"/>
-          </a:effectRef>
-          <a:fontRef idx="minor">
-            <a:schemeClr val="lt1"/>
-          </a:fontRef>
-        </p:style>
-        <p:txBody>
-          <a:bodyPr rtlCol="0" anchor="ctr"/>
-          <a:lstStyle/>
-          <a:p>
-            <a:pPr marL="0" marR="0" lvl="0" indent="0" algn="ctr" defTabSz="914400" rtl="0" eaLnBrk="1" fontAlgn="auto" latinLnBrk="0" hangingPunct="1">
-              <a:lnSpc>
-                <a:spcPct val="100000"/>
-              </a:lnSpc>
-              <a:spcBef>
-                <a:spcPts val="0"/>
-              </a:spcBef>
-              <a:spcAft>
-                <a:spcPts val="0"/>
-              </a:spcAft>
-              <a:buClrTx/>
-              <a:buSzTx/>
-              <a:buFontTx/>
-              <a:buNone/>
-              <a:tabLst/>
-              <a:defRPr/>
-            </a:pPr>
-            <a:r>
-              <a:rPr kumimoji="0" lang="es-HN" sz="1200" b="0" i="0" u="none" strike="noStrike" kern="1200" cap="none" spc="0" normalizeH="0" baseline="0" noProof="0" dirty="0">
-                <a:ln>
-                  <a:noFill/>
-                </a:ln>
-                <a:solidFill>
-                  <a:srgbClr val="00825A"/>
-                </a:solidFill>
-                <a:effectLst/>
-                <a:uLnTx/>
-                <a:uFillTx/>
-                <a:latin typeface="Aptos" panose="02110004020202020204"/>
-                <a:ea typeface="+mn-ea"/>
-                <a:cs typeface="+mn-cs"/>
-              </a:rPr>
-              <a:t>Este botón lleva a buscar el código de la materia(Si existe en la base de datos).</a:t>
-            </a:r>
-          </a:p>
-        </p:txBody>
-      </p:sp>
-      <p:sp>
-        <p:nvSpPr>
-          <p:cNvPr id="20" name="Rectángulo: esquinas redondeadas 19">
-            <a:extLst>
-              <a:ext uri="{FF2B5EF4-FFF2-40B4-BE49-F238E27FC236}">
-                <a16:creationId xmlns:a16="http://schemas.microsoft.com/office/drawing/2014/main" id="{D7F00951-DE98-3F75-613C-D5B60E2A612E}"/>
-              </a:ext>
-            </a:extLst>
-          </p:cNvPr>
-          <p:cNvSpPr/>
-          <p:nvPr/>
-        </p:nvSpPr>
-        <p:spPr>
-          <a:xfrm>
-            <a:off x="2360289" y="4966599"/>
-            <a:ext cx="2206099" cy="897255"/>
-          </a:xfrm>
-          <a:prstGeom prst="roundRect">
-            <a:avLst/>
-          </a:prstGeom>
-          <a:solidFill>
-            <a:srgbClr val="F1FAFF"/>
-          </a:solidFill>
-          <a:ln>
-            <a:solidFill>
-              <a:srgbClr val="FF0000"/>
-            </a:solidFill>
-          </a:ln>
-        </p:spPr>
-        <p:style>
-          <a:lnRef idx="2">
-            <a:schemeClr val="accent1">
-              <a:shade val="15000"/>
-            </a:schemeClr>
-          </a:lnRef>
-          <a:fillRef idx="1">
-            <a:schemeClr val="accent1"/>
-          </a:fillRef>
-          <a:effectRef idx="0">
-            <a:schemeClr val="accent1"/>
-          </a:effectRef>
-          <a:fontRef idx="minor">
-            <a:schemeClr val="lt1"/>
-          </a:fontRef>
-        </p:style>
-        <p:txBody>
-          <a:bodyPr rtlCol="0" anchor="ctr"/>
-          <a:lstStyle/>
-          <a:p>
-            <a:pPr marL="0" marR="0" lvl="0" indent="0" algn="ctr" defTabSz="914400" rtl="0" eaLnBrk="1" fontAlgn="auto" latinLnBrk="0" hangingPunct="1">
-              <a:lnSpc>
-                <a:spcPct val="100000"/>
-              </a:lnSpc>
-              <a:spcBef>
-                <a:spcPts val="0"/>
-              </a:spcBef>
-              <a:spcAft>
-                <a:spcPts val="0"/>
-              </a:spcAft>
-              <a:buClrTx/>
-              <a:buSzTx/>
-              <a:buFontTx/>
-              <a:buNone/>
-              <a:tabLst/>
-              <a:defRPr/>
-            </a:pPr>
-            <a:r>
-              <a:rPr kumimoji="0" lang="es-HN" sz="1200" b="0" i="0" u="none" strike="noStrike" kern="1200" cap="none" spc="0" normalizeH="0" baseline="0" noProof="0" dirty="0">
-                <a:ln>
-                  <a:noFill/>
-                </a:ln>
-                <a:solidFill>
-                  <a:srgbClr val="00825A"/>
-                </a:solidFill>
-                <a:effectLst/>
-                <a:uLnTx/>
-                <a:uFillTx/>
-                <a:latin typeface="Aptos" panose="02110004020202020204"/>
-                <a:ea typeface="+mn-ea"/>
-                <a:cs typeface="+mn-cs"/>
-              </a:rPr>
-              <a:t>Esta caja de texto permite mostrar o ingresar el nombre de la materia.</a:t>
-            </a:r>
-          </a:p>
-        </p:txBody>
-      </p:sp>
-      <p:cxnSp>
-        <p:nvCxnSpPr>
-          <p:cNvPr id="9" name="Conector recto de flecha 8">
-            <a:extLst>
-              <a:ext uri="{FF2B5EF4-FFF2-40B4-BE49-F238E27FC236}">
-                <a16:creationId xmlns:a16="http://schemas.microsoft.com/office/drawing/2014/main" id="{B5BC6224-FBB3-3B7F-048D-495A22A621E4}"/>
-              </a:ext>
-            </a:extLst>
-          </p:cNvPr>
-          <p:cNvCxnSpPr>
-            <a:cxnSpLocks/>
-          </p:cNvCxnSpPr>
-          <p:nvPr/>
-        </p:nvCxnSpPr>
-        <p:spPr>
-          <a:xfrm>
-            <a:off x="4365448" y="1093871"/>
-            <a:ext cx="1507775" cy="1473819"/>
-          </a:xfrm>
-          <a:prstGeom prst="straightConnector1">
-            <a:avLst/>
-          </a:prstGeom>
-          <a:ln w="19050" cap="flat" cmpd="sng" algn="ctr">
-            <a:solidFill>
-              <a:srgbClr val="FF0000"/>
-            </a:solidFill>
-            <a:prstDash val="solid"/>
-            <a:round/>
-            <a:headEnd type="none" w="med" len="med"/>
-            <a:tailEnd type="arrow" w="med" len="med"/>
-          </a:ln>
-        </p:spPr>
-        <p:style>
-          <a:lnRef idx="0">
-            <a:scrgbClr r="0" g="0" b="0"/>
-          </a:lnRef>
-          <a:fillRef idx="0">
-            <a:scrgbClr r="0" g="0" b="0"/>
-          </a:fillRef>
-          <a:effectRef idx="0">
-            <a:scrgbClr r="0" g="0" b="0"/>
-          </a:effectRef>
-          <a:fontRef idx="minor">
-            <a:schemeClr val="tx1"/>
-          </a:fontRef>
-        </p:style>
-      </p:cxnSp>
-      <p:cxnSp>
-        <p:nvCxnSpPr>
-          <p:cNvPr id="11" name="Conector recto de flecha 10">
-            <a:extLst>
-              <a:ext uri="{FF2B5EF4-FFF2-40B4-BE49-F238E27FC236}">
-                <a16:creationId xmlns:a16="http://schemas.microsoft.com/office/drawing/2014/main" id="{81F33AFD-A666-B185-8872-FE4EA5217650}"/>
-              </a:ext>
-            </a:extLst>
-          </p:cNvPr>
-          <p:cNvCxnSpPr>
-            <a:cxnSpLocks/>
-          </p:cNvCxnSpPr>
-          <p:nvPr/>
-        </p:nvCxnSpPr>
-        <p:spPr>
-          <a:xfrm flipH="1">
-            <a:off x="7413000" y="1192384"/>
-            <a:ext cx="223213" cy="1282463"/>
-          </a:xfrm>
-          <a:prstGeom prst="straightConnector1">
-            <a:avLst/>
-          </a:prstGeom>
-          <a:ln w="19050" cap="flat" cmpd="sng" algn="ctr">
-            <a:solidFill>
-              <a:srgbClr val="FF0000"/>
-            </a:solidFill>
-            <a:prstDash val="solid"/>
-            <a:round/>
-            <a:headEnd type="none" w="med" len="med"/>
-            <a:tailEnd type="arrow" w="med" len="med"/>
-          </a:ln>
-        </p:spPr>
-        <p:style>
-          <a:lnRef idx="0">
-            <a:scrgbClr r="0" g="0" b="0"/>
-          </a:lnRef>
-          <a:fillRef idx="0">
-            <a:scrgbClr r="0" g="0" b="0"/>
-          </a:fillRef>
-          <a:effectRef idx="0">
-            <a:scrgbClr r="0" g="0" b="0"/>
-          </a:effectRef>
-          <a:fontRef idx="minor">
-            <a:schemeClr val="tx1"/>
-          </a:fontRef>
-        </p:style>
-      </p:cxnSp>
-      <p:cxnSp>
-        <p:nvCxnSpPr>
-          <p:cNvPr id="30" name="Conector recto de flecha 29">
-            <a:extLst>
-              <a:ext uri="{FF2B5EF4-FFF2-40B4-BE49-F238E27FC236}">
-                <a16:creationId xmlns:a16="http://schemas.microsoft.com/office/drawing/2014/main" id="{FB99D81D-1F5C-60C1-BB50-7A309D30609E}"/>
-              </a:ext>
-            </a:extLst>
-          </p:cNvPr>
-          <p:cNvCxnSpPr>
-            <a:cxnSpLocks/>
-          </p:cNvCxnSpPr>
-          <p:nvPr/>
-        </p:nvCxnSpPr>
-        <p:spPr>
-          <a:xfrm flipV="1">
-            <a:off x="4464996" y="3658552"/>
-            <a:ext cx="1408227" cy="1506835"/>
-          </a:xfrm>
-          <a:prstGeom prst="straightConnector1">
-            <a:avLst/>
-          </a:prstGeom>
-          <a:ln w="19050" cap="flat" cmpd="sng" algn="ctr">
-            <a:solidFill>
-              <a:srgbClr val="FF0000"/>
-            </a:solidFill>
-            <a:prstDash val="solid"/>
-            <a:round/>
-            <a:headEnd type="none" w="med" len="med"/>
-            <a:tailEnd type="arrow" w="med" len="med"/>
-          </a:ln>
-        </p:spPr>
-        <p:style>
-          <a:lnRef idx="0">
-            <a:scrgbClr r="0" g="0" b="0"/>
-          </a:lnRef>
-          <a:fillRef idx="0">
-            <a:scrgbClr r="0" g="0" b="0"/>
-          </a:fillRef>
-          <a:effectRef idx="0">
-            <a:scrgbClr r="0" g="0" b="0"/>
-          </a:effectRef>
-          <a:fontRef idx="minor">
-            <a:schemeClr val="tx1"/>
-          </a:fontRef>
-        </p:style>
-      </p:cxnSp>
-    </p:spTree>
-    <p:extLst>
-      <p:ext uri="{BB962C8B-B14F-4D97-AF65-F5344CB8AC3E}">
-        <p14:creationId xmlns:p14="http://schemas.microsoft.com/office/powerpoint/2010/main" val="2908302486"/>
       </p:ext>
     </p:extLst>
   </p:cSld>

--- a/ManualUsuario.pptx
+++ b/ManualUsuario.pptx
@@ -278,7 +278,7 @@
           <a:p>
             <a:fld id="{39E7580C-3BDD-4C58-BA52-5F50CD20D3B5}" type="datetimeFigureOut">
               <a:rPr lang="es-HN" smtClean="0"/>
-              <a:t>29/3/2025</a:t>
+              <a:t>4/4/2025</a:t>
             </a:fld>
             <a:endParaRPr lang="es-HN"/>
           </a:p>
@@ -478,7 +478,7 @@
           <a:p>
             <a:fld id="{39E7580C-3BDD-4C58-BA52-5F50CD20D3B5}" type="datetimeFigureOut">
               <a:rPr lang="es-HN" smtClean="0"/>
-              <a:t>29/3/2025</a:t>
+              <a:t>4/4/2025</a:t>
             </a:fld>
             <a:endParaRPr lang="es-HN"/>
           </a:p>
@@ -688,7 +688,7 @@
           <a:p>
             <a:fld id="{39E7580C-3BDD-4C58-BA52-5F50CD20D3B5}" type="datetimeFigureOut">
               <a:rPr lang="es-HN" smtClean="0"/>
-              <a:t>29/3/2025</a:t>
+              <a:t>4/4/2025</a:t>
             </a:fld>
             <a:endParaRPr lang="es-HN"/>
           </a:p>
@@ -888,7 +888,7 @@
           <a:p>
             <a:fld id="{39E7580C-3BDD-4C58-BA52-5F50CD20D3B5}" type="datetimeFigureOut">
               <a:rPr lang="es-HN" smtClean="0"/>
-              <a:t>29/3/2025</a:t>
+              <a:t>4/4/2025</a:t>
             </a:fld>
             <a:endParaRPr lang="es-HN"/>
           </a:p>
@@ -1164,7 +1164,7 @@
           <a:p>
             <a:fld id="{39E7580C-3BDD-4C58-BA52-5F50CD20D3B5}" type="datetimeFigureOut">
               <a:rPr lang="es-HN" smtClean="0"/>
-              <a:t>29/3/2025</a:t>
+              <a:t>4/4/2025</a:t>
             </a:fld>
             <a:endParaRPr lang="es-HN"/>
           </a:p>
@@ -1432,7 +1432,7 @@
           <a:p>
             <a:fld id="{39E7580C-3BDD-4C58-BA52-5F50CD20D3B5}" type="datetimeFigureOut">
               <a:rPr lang="es-HN" smtClean="0"/>
-              <a:t>29/3/2025</a:t>
+              <a:t>4/4/2025</a:t>
             </a:fld>
             <a:endParaRPr lang="es-HN"/>
           </a:p>
@@ -1847,7 +1847,7 @@
           <a:p>
             <a:fld id="{39E7580C-3BDD-4C58-BA52-5F50CD20D3B5}" type="datetimeFigureOut">
               <a:rPr lang="es-HN" smtClean="0"/>
-              <a:t>29/3/2025</a:t>
+              <a:t>4/4/2025</a:t>
             </a:fld>
             <a:endParaRPr lang="es-HN"/>
           </a:p>
@@ -1989,7 +1989,7 @@
           <a:p>
             <a:fld id="{39E7580C-3BDD-4C58-BA52-5F50CD20D3B5}" type="datetimeFigureOut">
               <a:rPr lang="es-HN" smtClean="0"/>
-              <a:t>29/3/2025</a:t>
+              <a:t>4/4/2025</a:t>
             </a:fld>
             <a:endParaRPr lang="es-HN"/>
           </a:p>
@@ -2102,7 +2102,7 @@
           <a:p>
             <a:fld id="{39E7580C-3BDD-4C58-BA52-5F50CD20D3B5}" type="datetimeFigureOut">
               <a:rPr lang="es-HN" smtClean="0"/>
-              <a:t>29/3/2025</a:t>
+              <a:t>4/4/2025</a:t>
             </a:fld>
             <a:endParaRPr lang="es-HN"/>
           </a:p>
@@ -2415,7 +2415,7 @@
           <a:p>
             <a:fld id="{39E7580C-3BDD-4C58-BA52-5F50CD20D3B5}" type="datetimeFigureOut">
               <a:rPr lang="es-HN" smtClean="0"/>
-              <a:t>29/3/2025</a:t>
+              <a:t>4/4/2025</a:t>
             </a:fld>
             <a:endParaRPr lang="es-HN"/>
           </a:p>
@@ -2704,7 +2704,7 @@
           <a:p>
             <a:fld id="{39E7580C-3BDD-4C58-BA52-5F50CD20D3B5}" type="datetimeFigureOut">
               <a:rPr lang="es-HN" smtClean="0"/>
-              <a:t>29/3/2025</a:t>
+              <a:t>4/4/2025</a:t>
             </a:fld>
             <a:endParaRPr lang="es-HN"/>
           </a:p>
@@ -2947,7 +2947,7 @@
           <a:p>
             <a:fld id="{39E7580C-3BDD-4C58-BA52-5F50CD20D3B5}" type="datetimeFigureOut">
               <a:rPr lang="es-HN" smtClean="0"/>
-              <a:t>29/3/2025</a:t>
+              <a:t>4/4/2025</a:t>
             </a:fld>
             <a:endParaRPr lang="es-HN"/>
           </a:p>

--- a/ManualUsuario.pptx
+++ b/ManualUsuario.pptx
@@ -278,7 +278,7 @@
           <a:p>
             <a:fld id="{39E7580C-3BDD-4C58-BA52-5F50CD20D3B5}" type="datetimeFigureOut">
               <a:rPr lang="es-HN" smtClean="0"/>
-              <a:t>4/4/2025</a:t>
+              <a:t>5/4/2025</a:t>
             </a:fld>
             <a:endParaRPr lang="es-HN"/>
           </a:p>
@@ -478,7 +478,7 @@
           <a:p>
             <a:fld id="{39E7580C-3BDD-4C58-BA52-5F50CD20D3B5}" type="datetimeFigureOut">
               <a:rPr lang="es-HN" smtClean="0"/>
-              <a:t>4/4/2025</a:t>
+              <a:t>5/4/2025</a:t>
             </a:fld>
             <a:endParaRPr lang="es-HN"/>
           </a:p>
@@ -688,7 +688,7 @@
           <a:p>
             <a:fld id="{39E7580C-3BDD-4C58-BA52-5F50CD20D3B5}" type="datetimeFigureOut">
               <a:rPr lang="es-HN" smtClean="0"/>
-              <a:t>4/4/2025</a:t>
+              <a:t>5/4/2025</a:t>
             </a:fld>
             <a:endParaRPr lang="es-HN"/>
           </a:p>
@@ -888,7 +888,7 @@
           <a:p>
             <a:fld id="{39E7580C-3BDD-4C58-BA52-5F50CD20D3B5}" type="datetimeFigureOut">
               <a:rPr lang="es-HN" smtClean="0"/>
-              <a:t>4/4/2025</a:t>
+              <a:t>5/4/2025</a:t>
             </a:fld>
             <a:endParaRPr lang="es-HN"/>
           </a:p>
@@ -1164,7 +1164,7 @@
           <a:p>
             <a:fld id="{39E7580C-3BDD-4C58-BA52-5F50CD20D3B5}" type="datetimeFigureOut">
               <a:rPr lang="es-HN" smtClean="0"/>
-              <a:t>4/4/2025</a:t>
+              <a:t>5/4/2025</a:t>
             </a:fld>
             <a:endParaRPr lang="es-HN"/>
           </a:p>
@@ -1432,7 +1432,7 @@
           <a:p>
             <a:fld id="{39E7580C-3BDD-4C58-BA52-5F50CD20D3B5}" type="datetimeFigureOut">
               <a:rPr lang="es-HN" smtClean="0"/>
-              <a:t>4/4/2025</a:t>
+              <a:t>5/4/2025</a:t>
             </a:fld>
             <a:endParaRPr lang="es-HN"/>
           </a:p>
@@ -1847,7 +1847,7 @@
           <a:p>
             <a:fld id="{39E7580C-3BDD-4C58-BA52-5F50CD20D3B5}" type="datetimeFigureOut">
               <a:rPr lang="es-HN" smtClean="0"/>
-              <a:t>4/4/2025</a:t>
+              <a:t>5/4/2025</a:t>
             </a:fld>
             <a:endParaRPr lang="es-HN"/>
           </a:p>
@@ -1989,7 +1989,7 @@
           <a:p>
             <a:fld id="{39E7580C-3BDD-4C58-BA52-5F50CD20D3B5}" type="datetimeFigureOut">
               <a:rPr lang="es-HN" smtClean="0"/>
-              <a:t>4/4/2025</a:t>
+              <a:t>5/4/2025</a:t>
             </a:fld>
             <a:endParaRPr lang="es-HN"/>
           </a:p>
@@ -2102,7 +2102,7 @@
           <a:p>
             <a:fld id="{39E7580C-3BDD-4C58-BA52-5F50CD20D3B5}" type="datetimeFigureOut">
               <a:rPr lang="es-HN" smtClean="0"/>
-              <a:t>4/4/2025</a:t>
+              <a:t>5/4/2025</a:t>
             </a:fld>
             <a:endParaRPr lang="es-HN"/>
           </a:p>
@@ -2415,7 +2415,7 @@
           <a:p>
             <a:fld id="{39E7580C-3BDD-4C58-BA52-5F50CD20D3B5}" type="datetimeFigureOut">
               <a:rPr lang="es-HN" smtClean="0"/>
-              <a:t>4/4/2025</a:t>
+              <a:t>5/4/2025</a:t>
             </a:fld>
             <a:endParaRPr lang="es-HN"/>
           </a:p>
@@ -2704,7 +2704,7 @@
           <a:p>
             <a:fld id="{39E7580C-3BDD-4C58-BA52-5F50CD20D3B5}" type="datetimeFigureOut">
               <a:rPr lang="es-HN" smtClean="0"/>
-              <a:t>4/4/2025</a:t>
+              <a:t>5/4/2025</a:t>
             </a:fld>
             <a:endParaRPr lang="es-HN"/>
           </a:p>
@@ -2947,7 +2947,7 @@
           <a:p>
             <a:fld id="{39E7580C-3BDD-4C58-BA52-5F50CD20D3B5}" type="datetimeFigureOut">
               <a:rPr lang="es-HN" smtClean="0"/>
-              <a:t>4/4/2025</a:t>
+              <a:t>5/4/2025</a:t>
             </a:fld>
             <a:endParaRPr lang="es-HN"/>
           </a:p>
